--- a/files/teaching-resources/monmouthcollege-econ-300/ECON300-LEC24.pptx
+++ b/files/teaching-resources/monmouthcollege-econ-300/ECON300-LEC24.pptx
@@ -225,7 +225,7 @@
           <a:p>
             <a:fld id="{0E0A6441-4E79-42FF-805B-86C90BDFD38D}" type="datetimeFigureOut">
               <a:rPr lang="en-US" smtClean="0"/>
-              <a:t>11/22/2023</a:t>
+              <a:t>11/23/2023</a:t>
             </a:fld>
             <a:endParaRPr lang="en-US" dirty="0"/>
           </a:p>
@@ -5008,6 +5008,280 @@
   <p:clrMapOvr>
     <a:masterClrMapping/>
   </p:clrMapOvr>
+  <p:timing>
+    <p:tnLst>
+      <p:par>
+        <p:cTn id="1" dur="indefinite" restart="never" nodeType="tmRoot">
+          <p:childTnLst>
+            <p:seq concurrent="1" nextAc="seek">
+              <p:cTn id="2" dur="indefinite" nodeType="mainSeq">
+                <p:childTnLst>
+                  <p:par>
+                    <p:cTn id="3" fill="hold">
+                      <p:stCondLst>
+                        <p:cond delay="indefinite"/>
+                      </p:stCondLst>
+                      <p:childTnLst>
+                        <p:par>
+                          <p:cTn id="4" fill="hold">
+                            <p:stCondLst>
+                              <p:cond delay="0"/>
+                            </p:stCondLst>
+                            <p:childTnLst>
+                              <p:par>
+                                <p:cTn id="5" presetID="10" presetClass="entr" presetSubtype="0" fill="hold" nodeType="clickEffect">
+                                  <p:stCondLst>
+                                    <p:cond delay="0"/>
+                                  </p:stCondLst>
+                                  <p:childTnLst>
+                                    <p:set>
+                                      <p:cBhvr>
+                                        <p:cTn id="6" dur="1" fill="hold">
+                                          <p:stCondLst>
+                                            <p:cond delay="0"/>
+                                          </p:stCondLst>
+                                        </p:cTn>
+                                        <p:tgtEl>
+                                          <p:spTgt spid="4">
+                                            <p:txEl>
+                                              <p:pRg st="0" end="0"/>
+                                            </p:txEl>
+                                          </p:spTgt>
+                                        </p:tgtEl>
+                                        <p:attrNameLst>
+                                          <p:attrName>style.visibility</p:attrName>
+                                        </p:attrNameLst>
+                                      </p:cBhvr>
+                                      <p:to>
+                                        <p:strVal val="visible"/>
+                                      </p:to>
+                                    </p:set>
+                                    <p:animEffect transition="in" filter="fade">
+                                      <p:cBhvr>
+                                        <p:cTn id="7" dur="500"/>
+                                        <p:tgtEl>
+                                          <p:spTgt spid="4">
+                                            <p:txEl>
+                                              <p:pRg st="0" end="0"/>
+                                            </p:txEl>
+                                          </p:spTgt>
+                                        </p:tgtEl>
+                                      </p:cBhvr>
+                                    </p:animEffect>
+                                  </p:childTnLst>
+                                </p:cTn>
+                              </p:par>
+                            </p:childTnLst>
+                          </p:cTn>
+                        </p:par>
+                      </p:childTnLst>
+                    </p:cTn>
+                  </p:par>
+                  <p:par>
+                    <p:cTn id="8" fill="hold">
+                      <p:stCondLst>
+                        <p:cond delay="indefinite"/>
+                      </p:stCondLst>
+                      <p:childTnLst>
+                        <p:par>
+                          <p:cTn id="9" fill="hold">
+                            <p:stCondLst>
+                              <p:cond delay="0"/>
+                            </p:stCondLst>
+                            <p:childTnLst>
+                              <p:par>
+                                <p:cTn id="10" presetID="10" presetClass="entr" presetSubtype="0" fill="hold" nodeType="clickEffect">
+                                  <p:stCondLst>
+                                    <p:cond delay="0"/>
+                                  </p:stCondLst>
+                                  <p:childTnLst>
+                                    <p:set>
+                                      <p:cBhvr>
+                                        <p:cTn id="11" dur="1" fill="hold">
+                                          <p:stCondLst>
+                                            <p:cond delay="0"/>
+                                          </p:stCondLst>
+                                        </p:cTn>
+                                        <p:tgtEl>
+                                          <p:spTgt spid="4">
+                                            <p:txEl>
+                                              <p:pRg st="2" end="2"/>
+                                            </p:txEl>
+                                          </p:spTgt>
+                                        </p:tgtEl>
+                                        <p:attrNameLst>
+                                          <p:attrName>style.visibility</p:attrName>
+                                        </p:attrNameLst>
+                                      </p:cBhvr>
+                                      <p:to>
+                                        <p:strVal val="visible"/>
+                                      </p:to>
+                                    </p:set>
+                                    <p:animEffect transition="in" filter="fade">
+                                      <p:cBhvr>
+                                        <p:cTn id="12" dur="500"/>
+                                        <p:tgtEl>
+                                          <p:spTgt spid="4">
+                                            <p:txEl>
+                                              <p:pRg st="2" end="2"/>
+                                            </p:txEl>
+                                          </p:spTgt>
+                                        </p:tgtEl>
+                                      </p:cBhvr>
+                                    </p:animEffect>
+                                  </p:childTnLst>
+                                </p:cTn>
+                              </p:par>
+                            </p:childTnLst>
+                          </p:cTn>
+                        </p:par>
+                      </p:childTnLst>
+                    </p:cTn>
+                  </p:par>
+                  <p:par>
+                    <p:cTn id="13" fill="hold">
+                      <p:stCondLst>
+                        <p:cond delay="indefinite"/>
+                      </p:stCondLst>
+                      <p:childTnLst>
+                        <p:par>
+                          <p:cTn id="14" fill="hold">
+                            <p:stCondLst>
+                              <p:cond delay="0"/>
+                            </p:stCondLst>
+                            <p:childTnLst>
+                              <p:par>
+                                <p:cTn id="15" presetID="10" presetClass="entr" presetSubtype="0" fill="hold" nodeType="clickEffect">
+                                  <p:stCondLst>
+                                    <p:cond delay="0"/>
+                                  </p:stCondLst>
+                                  <p:childTnLst>
+                                    <p:set>
+                                      <p:cBhvr>
+                                        <p:cTn id="16" dur="1" fill="hold">
+                                          <p:stCondLst>
+                                            <p:cond delay="0"/>
+                                          </p:stCondLst>
+                                        </p:cTn>
+                                        <p:tgtEl>
+                                          <p:spTgt spid="4">
+                                            <p:txEl>
+                                              <p:pRg st="4" end="4"/>
+                                            </p:txEl>
+                                          </p:spTgt>
+                                        </p:tgtEl>
+                                        <p:attrNameLst>
+                                          <p:attrName>style.visibility</p:attrName>
+                                        </p:attrNameLst>
+                                      </p:cBhvr>
+                                      <p:to>
+                                        <p:strVal val="visible"/>
+                                      </p:to>
+                                    </p:set>
+                                    <p:animEffect transition="in" filter="fade">
+                                      <p:cBhvr>
+                                        <p:cTn id="17" dur="500"/>
+                                        <p:tgtEl>
+                                          <p:spTgt spid="4">
+                                            <p:txEl>
+                                              <p:pRg st="4" end="4"/>
+                                            </p:txEl>
+                                          </p:spTgt>
+                                        </p:tgtEl>
+                                      </p:cBhvr>
+                                    </p:animEffect>
+                                  </p:childTnLst>
+                                </p:cTn>
+                              </p:par>
+                            </p:childTnLst>
+                          </p:cTn>
+                        </p:par>
+                      </p:childTnLst>
+                    </p:cTn>
+                  </p:par>
+                  <p:par>
+                    <p:cTn id="18" fill="hold">
+                      <p:stCondLst>
+                        <p:cond delay="indefinite"/>
+                      </p:stCondLst>
+                      <p:childTnLst>
+                        <p:par>
+                          <p:cTn id="19" fill="hold">
+                            <p:stCondLst>
+                              <p:cond delay="0"/>
+                            </p:stCondLst>
+                            <p:childTnLst>
+                              <p:par>
+                                <p:cTn id="20" presetID="10" presetClass="entr" presetSubtype="0" fill="hold" nodeType="clickEffect">
+                                  <p:stCondLst>
+                                    <p:cond delay="0"/>
+                                  </p:stCondLst>
+                                  <p:childTnLst>
+                                    <p:set>
+                                      <p:cBhvr>
+                                        <p:cTn id="21" dur="1" fill="hold">
+                                          <p:stCondLst>
+                                            <p:cond delay="0"/>
+                                          </p:stCondLst>
+                                        </p:cTn>
+                                        <p:tgtEl>
+                                          <p:spTgt spid="4">
+                                            <p:txEl>
+                                              <p:pRg st="6" end="6"/>
+                                            </p:txEl>
+                                          </p:spTgt>
+                                        </p:tgtEl>
+                                        <p:attrNameLst>
+                                          <p:attrName>style.visibility</p:attrName>
+                                        </p:attrNameLst>
+                                      </p:cBhvr>
+                                      <p:to>
+                                        <p:strVal val="visible"/>
+                                      </p:to>
+                                    </p:set>
+                                    <p:animEffect transition="in" filter="fade">
+                                      <p:cBhvr>
+                                        <p:cTn id="22" dur="500"/>
+                                        <p:tgtEl>
+                                          <p:spTgt spid="4">
+                                            <p:txEl>
+                                              <p:pRg st="6" end="6"/>
+                                            </p:txEl>
+                                          </p:spTgt>
+                                        </p:tgtEl>
+                                      </p:cBhvr>
+                                    </p:animEffect>
+                                  </p:childTnLst>
+                                </p:cTn>
+                              </p:par>
+                            </p:childTnLst>
+                          </p:cTn>
+                        </p:par>
+                      </p:childTnLst>
+                    </p:cTn>
+                  </p:par>
+                </p:childTnLst>
+              </p:cTn>
+              <p:prevCondLst>
+                <p:cond evt="onPrev" delay="0">
+                  <p:tgtEl>
+                    <p:sldTgt/>
+                  </p:tgtEl>
+                </p:cond>
+              </p:prevCondLst>
+              <p:nextCondLst>
+                <p:cond evt="onNext" delay="0">
+                  <p:tgtEl>
+                    <p:sldTgt/>
+                  </p:tgtEl>
+                </p:cond>
+              </p:nextCondLst>
+            </p:seq>
+          </p:childTnLst>
+        </p:cTn>
+      </p:par>
+    </p:tnLst>
+  </p:timing>
 </p:sld>
 </file>
 
@@ -5429,6 +5703,452 @@
   <p:clrMapOvr>
     <a:masterClrMapping/>
   </p:clrMapOvr>
+  <p:timing>
+    <p:tnLst>
+      <p:par>
+        <p:cTn id="1" dur="indefinite" restart="never" nodeType="tmRoot">
+          <p:childTnLst>
+            <p:seq concurrent="1" nextAc="seek">
+              <p:cTn id="2" dur="indefinite" nodeType="mainSeq">
+                <p:childTnLst>
+                  <p:par>
+                    <p:cTn id="3" fill="hold">
+                      <p:stCondLst>
+                        <p:cond delay="indefinite"/>
+                      </p:stCondLst>
+                      <p:childTnLst>
+                        <p:par>
+                          <p:cTn id="4" fill="hold">
+                            <p:stCondLst>
+                              <p:cond delay="0"/>
+                            </p:stCondLst>
+                            <p:childTnLst>
+                              <p:par>
+                                <p:cTn id="5" presetID="10" presetClass="entr" presetSubtype="0" fill="hold" nodeType="clickEffect">
+                                  <p:stCondLst>
+                                    <p:cond delay="0"/>
+                                  </p:stCondLst>
+                                  <p:childTnLst>
+                                    <p:set>
+                                      <p:cBhvr>
+                                        <p:cTn id="6" dur="1" fill="hold">
+                                          <p:stCondLst>
+                                            <p:cond delay="0"/>
+                                          </p:stCondLst>
+                                        </p:cTn>
+                                        <p:tgtEl>
+                                          <p:spTgt spid="4">
+                                            <p:txEl>
+                                              <p:pRg st="0" end="0"/>
+                                            </p:txEl>
+                                          </p:spTgt>
+                                        </p:tgtEl>
+                                        <p:attrNameLst>
+                                          <p:attrName>style.visibility</p:attrName>
+                                        </p:attrNameLst>
+                                      </p:cBhvr>
+                                      <p:to>
+                                        <p:strVal val="visible"/>
+                                      </p:to>
+                                    </p:set>
+                                    <p:animEffect transition="in" filter="fade">
+                                      <p:cBhvr>
+                                        <p:cTn id="7" dur="500"/>
+                                        <p:tgtEl>
+                                          <p:spTgt spid="4">
+                                            <p:txEl>
+                                              <p:pRg st="0" end="0"/>
+                                            </p:txEl>
+                                          </p:spTgt>
+                                        </p:tgtEl>
+                                      </p:cBhvr>
+                                    </p:animEffect>
+                                  </p:childTnLst>
+                                </p:cTn>
+                              </p:par>
+                            </p:childTnLst>
+                          </p:cTn>
+                        </p:par>
+                      </p:childTnLst>
+                    </p:cTn>
+                  </p:par>
+                  <p:par>
+                    <p:cTn id="8" fill="hold">
+                      <p:stCondLst>
+                        <p:cond delay="indefinite"/>
+                      </p:stCondLst>
+                      <p:childTnLst>
+                        <p:par>
+                          <p:cTn id="9" fill="hold">
+                            <p:stCondLst>
+                              <p:cond delay="0"/>
+                            </p:stCondLst>
+                            <p:childTnLst>
+                              <p:par>
+                                <p:cTn id="10" presetID="10" presetClass="entr" presetSubtype="0" fill="hold" nodeType="clickEffect">
+                                  <p:stCondLst>
+                                    <p:cond delay="0"/>
+                                  </p:stCondLst>
+                                  <p:childTnLst>
+                                    <p:set>
+                                      <p:cBhvr>
+                                        <p:cTn id="11" dur="1" fill="hold">
+                                          <p:stCondLst>
+                                            <p:cond delay="0"/>
+                                          </p:stCondLst>
+                                        </p:cTn>
+                                        <p:tgtEl>
+                                          <p:spTgt spid="4">
+                                            <p:txEl>
+                                              <p:pRg st="2" end="2"/>
+                                            </p:txEl>
+                                          </p:spTgt>
+                                        </p:tgtEl>
+                                        <p:attrNameLst>
+                                          <p:attrName>style.visibility</p:attrName>
+                                        </p:attrNameLst>
+                                      </p:cBhvr>
+                                      <p:to>
+                                        <p:strVal val="visible"/>
+                                      </p:to>
+                                    </p:set>
+                                    <p:animEffect transition="in" filter="fade">
+                                      <p:cBhvr>
+                                        <p:cTn id="12" dur="500"/>
+                                        <p:tgtEl>
+                                          <p:spTgt spid="4">
+                                            <p:txEl>
+                                              <p:pRg st="2" end="2"/>
+                                            </p:txEl>
+                                          </p:spTgt>
+                                        </p:tgtEl>
+                                      </p:cBhvr>
+                                    </p:animEffect>
+                                  </p:childTnLst>
+                                </p:cTn>
+                              </p:par>
+                              <p:par>
+                                <p:cTn id="13" presetID="10" presetClass="entr" presetSubtype="0" fill="hold" nodeType="withEffect">
+                                  <p:stCondLst>
+                                    <p:cond delay="0"/>
+                                  </p:stCondLst>
+                                  <p:childTnLst>
+                                    <p:set>
+                                      <p:cBhvr>
+                                        <p:cTn id="14" dur="1" fill="hold">
+                                          <p:stCondLst>
+                                            <p:cond delay="0"/>
+                                          </p:stCondLst>
+                                        </p:cTn>
+                                        <p:tgtEl>
+                                          <p:spTgt spid="4">
+                                            <p:txEl>
+                                              <p:pRg st="3" end="3"/>
+                                            </p:txEl>
+                                          </p:spTgt>
+                                        </p:tgtEl>
+                                        <p:attrNameLst>
+                                          <p:attrName>style.visibility</p:attrName>
+                                        </p:attrNameLst>
+                                      </p:cBhvr>
+                                      <p:to>
+                                        <p:strVal val="visible"/>
+                                      </p:to>
+                                    </p:set>
+                                    <p:animEffect transition="in" filter="fade">
+                                      <p:cBhvr>
+                                        <p:cTn id="15" dur="500"/>
+                                        <p:tgtEl>
+                                          <p:spTgt spid="4">
+                                            <p:txEl>
+                                              <p:pRg st="3" end="3"/>
+                                            </p:txEl>
+                                          </p:spTgt>
+                                        </p:tgtEl>
+                                      </p:cBhvr>
+                                    </p:animEffect>
+                                  </p:childTnLst>
+                                </p:cTn>
+                              </p:par>
+                              <p:par>
+                                <p:cTn id="16" presetID="10" presetClass="entr" presetSubtype="0" fill="hold" nodeType="withEffect">
+                                  <p:stCondLst>
+                                    <p:cond delay="0"/>
+                                  </p:stCondLst>
+                                  <p:childTnLst>
+                                    <p:set>
+                                      <p:cBhvr>
+                                        <p:cTn id="17" dur="1" fill="hold">
+                                          <p:stCondLst>
+                                            <p:cond delay="0"/>
+                                          </p:stCondLst>
+                                        </p:cTn>
+                                        <p:tgtEl>
+                                          <p:spTgt spid="4">
+                                            <p:txEl>
+                                              <p:pRg st="4" end="4"/>
+                                            </p:txEl>
+                                          </p:spTgt>
+                                        </p:tgtEl>
+                                        <p:attrNameLst>
+                                          <p:attrName>style.visibility</p:attrName>
+                                        </p:attrNameLst>
+                                      </p:cBhvr>
+                                      <p:to>
+                                        <p:strVal val="visible"/>
+                                      </p:to>
+                                    </p:set>
+                                    <p:animEffect transition="in" filter="fade">
+                                      <p:cBhvr>
+                                        <p:cTn id="18" dur="500"/>
+                                        <p:tgtEl>
+                                          <p:spTgt spid="4">
+                                            <p:txEl>
+                                              <p:pRg st="4" end="4"/>
+                                            </p:txEl>
+                                          </p:spTgt>
+                                        </p:tgtEl>
+                                      </p:cBhvr>
+                                    </p:animEffect>
+                                  </p:childTnLst>
+                                </p:cTn>
+                              </p:par>
+                            </p:childTnLst>
+                          </p:cTn>
+                        </p:par>
+                      </p:childTnLst>
+                    </p:cTn>
+                  </p:par>
+                  <p:par>
+                    <p:cTn id="19" fill="hold">
+                      <p:stCondLst>
+                        <p:cond delay="indefinite"/>
+                      </p:stCondLst>
+                      <p:childTnLst>
+                        <p:par>
+                          <p:cTn id="20" fill="hold">
+                            <p:stCondLst>
+                              <p:cond delay="0"/>
+                            </p:stCondLst>
+                            <p:childTnLst>
+                              <p:par>
+                                <p:cTn id="21" presetID="10" presetClass="entr" presetSubtype="0" fill="hold" nodeType="clickEffect">
+                                  <p:stCondLst>
+                                    <p:cond delay="0"/>
+                                  </p:stCondLst>
+                                  <p:childTnLst>
+                                    <p:set>
+                                      <p:cBhvr>
+                                        <p:cTn id="22" dur="1" fill="hold">
+                                          <p:stCondLst>
+                                            <p:cond delay="0"/>
+                                          </p:stCondLst>
+                                        </p:cTn>
+                                        <p:tgtEl>
+                                          <p:spTgt spid="4">
+                                            <p:txEl>
+                                              <p:pRg st="6" end="6"/>
+                                            </p:txEl>
+                                          </p:spTgt>
+                                        </p:tgtEl>
+                                        <p:attrNameLst>
+                                          <p:attrName>style.visibility</p:attrName>
+                                        </p:attrNameLst>
+                                      </p:cBhvr>
+                                      <p:to>
+                                        <p:strVal val="visible"/>
+                                      </p:to>
+                                    </p:set>
+                                    <p:animEffect transition="in" filter="fade">
+                                      <p:cBhvr>
+                                        <p:cTn id="23" dur="500"/>
+                                        <p:tgtEl>
+                                          <p:spTgt spid="4">
+                                            <p:txEl>
+                                              <p:pRg st="6" end="6"/>
+                                            </p:txEl>
+                                          </p:spTgt>
+                                        </p:tgtEl>
+                                      </p:cBhvr>
+                                    </p:animEffect>
+                                  </p:childTnLst>
+                                </p:cTn>
+                              </p:par>
+                              <p:par>
+                                <p:cTn id="24" presetID="10" presetClass="entr" presetSubtype="0" fill="hold" nodeType="withEffect">
+                                  <p:stCondLst>
+                                    <p:cond delay="0"/>
+                                  </p:stCondLst>
+                                  <p:childTnLst>
+                                    <p:set>
+                                      <p:cBhvr>
+                                        <p:cTn id="25" dur="1" fill="hold">
+                                          <p:stCondLst>
+                                            <p:cond delay="0"/>
+                                          </p:stCondLst>
+                                        </p:cTn>
+                                        <p:tgtEl>
+                                          <p:spTgt spid="4">
+                                            <p:txEl>
+                                              <p:pRg st="7" end="7"/>
+                                            </p:txEl>
+                                          </p:spTgt>
+                                        </p:tgtEl>
+                                        <p:attrNameLst>
+                                          <p:attrName>style.visibility</p:attrName>
+                                        </p:attrNameLst>
+                                      </p:cBhvr>
+                                      <p:to>
+                                        <p:strVal val="visible"/>
+                                      </p:to>
+                                    </p:set>
+                                    <p:animEffect transition="in" filter="fade">
+                                      <p:cBhvr>
+                                        <p:cTn id="26" dur="500"/>
+                                        <p:tgtEl>
+                                          <p:spTgt spid="4">
+                                            <p:txEl>
+                                              <p:pRg st="7" end="7"/>
+                                            </p:txEl>
+                                          </p:spTgt>
+                                        </p:tgtEl>
+                                      </p:cBhvr>
+                                    </p:animEffect>
+                                  </p:childTnLst>
+                                </p:cTn>
+                              </p:par>
+                              <p:par>
+                                <p:cTn id="27" presetID="10" presetClass="entr" presetSubtype="0" fill="hold" nodeType="withEffect">
+                                  <p:stCondLst>
+                                    <p:cond delay="0"/>
+                                  </p:stCondLst>
+                                  <p:childTnLst>
+                                    <p:set>
+                                      <p:cBhvr>
+                                        <p:cTn id="28" dur="1" fill="hold">
+                                          <p:stCondLst>
+                                            <p:cond delay="0"/>
+                                          </p:stCondLst>
+                                        </p:cTn>
+                                        <p:tgtEl>
+                                          <p:spTgt spid="4">
+                                            <p:txEl>
+                                              <p:pRg st="8" end="8"/>
+                                            </p:txEl>
+                                          </p:spTgt>
+                                        </p:tgtEl>
+                                        <p:attrNameLst>
+                                          <p:attrName>style.visibility</p:attrName>
+                                        </p:attrNameLst>
+                                      </p:cBhvr>
+                                      <p:to>
+                                        <p:strVal val="visible"/>
+                                      </p:to>
+                                    </p:set>
+                                    <p:animEffect transition="in" filter="fade">
+                                      <p:cBhvr>
+                                        <p:cTn id="29" dur="500"/>
+                                        <p:tgtEl>
+                                          <p:spTgt spid="4">
+                                            <p:txEl>
+                                              <p:pRg st="8" end="8"/>
+                                            </p:txEl>
+                                          </p:spTgt>
+                                        </p:tgtEl>
+                                      </p:cBhvr>
+                                    </p:animEffect>
+                                  </p:childTnLst>
+                                </p:cTn>
+                              </p:par>
+                            </p:childTnLst>
+                          </p:cTn>
+                        </p:par>
+                      </p:childTnLst>
+                    </p:cTn>
+                  </p:par>
+                  <p:par>
+                    <p:cTn id="30" fill="hold">
+                      <p:stCondLst>
+                        <p:cond delay="indefinite"/>
+                      </p:stCondLst>
+                      <p:childTnLst>
+                        <p:par>
+                          <p:cTn id="31" fill="hold">
+                            <p:stCondLst>
+                              <p:cond delay="0"/>
+                            </p:stCondLst>
+                            <p:childTnLst>
+                              <p:par>
+                                <p:cTn id="32" presetID="10" presetClass="entr" presetSubtype="0" fill="hold" nodeType="clickEffect">
+                                  <p:stCondLst>
+                                    <p:cond delay="0"/>
+                                  </p:stCondLst>
+                                  <p:childTnLst>
+                                    <p:set>
+                                      <p:cBhvr>
+                                        <p:cTn id="33" dur="1" fill="hold">
+                                          <p:stCondLst>
+                                            <p:cond delay="0"/>
+                                          </p:stCondLst>
+                                        </p:cTn>
+                                        <p:tgtEl>
+                                          <p:spTgt spid="4">
+                                            <p:txEl>
+                                              <p:pRg st="10" end="10"/>
+                                            </p:txEl>
+                                          </p:spTgt>
+                                        </p:tgtEl>
+                                        <p:attrNameLst>
+                                          <p:attrName>style.visibility</p:attrName>
+                                        </p:attrNameLst>
+                                      </p:cBhvr>
+                                      <p:to>
+                                        <p:strVal val="visible"/>
+                                      </p:to>
+                                    </p:set>
+                                    <p:animEffect transition="in" filter="fade">
+                                      <p:cBhvr>
+                                        <p:cTn id="34" dur="500"/>
+                                        <p:tgtEl>
+                                          <p:spTgt spid="4">
+                                            <p:txEl>
+                                              <p:pRg st="10" end="10"/>
+                                            </p:txEl>
+                                          </p:spTgt>
+                                        </p:tgtEl>
+                                      </p:cBhvr>
+                                    </p:animEffect>
+                                  </p:childTnLst>
+                                </p:cTn>
+                              </p:par>
+                            </p:childTnLst>
+                          </p:cTn>
+                        </p:par>
+                      </p:childTnLst>
+                    </p:cTn>
+                  </p:par>
+                </p:childTnLst>
+              </p:cTn>
+              <p:prevCondLst>
+                <p:cond evt="onPrev" delay="0">
+                  <p:tgtEl>
+                    <p:sldTgt/>
+                  </p:tgtEl>
+                </p:cond>
+              </p:prevCondLst>
+              <p:nextCondLst>
+                <p:cond evt="onNext" delay="0">
+                  <p:tgtEl>
+                    <p:sldTgt/>
+                  </p:tgtEl>
+                </p:cond>
+              </p:nextCondLst>
+            </p:seq>
+          </p:childTnLst>
+        </p:cTn>
+      </p:par>
+    </p:tnLst>
+  </p:timing>
 </p:sld>
 </file>
 
@@ -5812,7 +6532,11 @@
                                           </p:stCondLst>
                                         </p:cTn>
                                         <p:tgtEl>
-                                          <p:spTgt spid="3"/>
+                                          <p:spTgt spid="4">
+                                            <p:txEl>
+                                              <p:pRg st="0" end="0"/>
+                                            </p:txEl>
+                                          </p:spTgt>
                                         </p:tgtEl>
                                         <p:attrNameLst>
                                           <p:attrName>style.visibility</p:attrName>
@@ -5826,7 +6550,229 @@
                                       <p:cBhvr>
                                         <p:cTn id="7" dur="500"/>
                                         <p:tgtEl>
+                                          <p:spTgt spid="4">
+                                            <p:txEl>
+                                              <p:pRg st="0" end="0"/>
+                                            </p:txEl>
+                                          </p:spTgt>
+                                        </p:tgtEl>
+                                      </p:cBhvr>
+                                    </p:animEffect>
+                                  </p:childTnLst>
+                                </p:cTn>
+                              </p:par>
+                            </p:childTnLst>
+                          </p:cTn>
+                        </p:par>
+                      </p:childTnLst>
+                    </p:cTn>
+                  </p:par>
+                  <p:par>
+                    <p:cTn id="8" fill="hold">
+                      <p:stCondLst>
+                        <p:cond delay="indefinite"/>
+                      </p:stCondLst>
+                      <p:childTnLst>
+                        <p:par>
+                          <p:cTn id="9" fill="hold">
+                            <p:stCondLst>
+                              <p:cond delay="0"/>
+                            </p:stCondLst>
+                            <p:childTnLst>
+                              <p:par>
+                                <p:cTn id="10" presetID="10" presetClass="entr" presetSubtype="0" fill="hold" nodeType="clickEffect">
+                                  <p:stCondLst>
+                                    <p:cond delay="0"/>
+                                  </p:stCondLst>
+                                  <p:childTnLst>
+                                    <p:set>
+                                      <p:cBhvr>
+                                        <p:cTn id="11" dur="1" fill="hold">
+                                          <p:stCondLst>
+                                            <p:cond delay="0"/>
+                                          </p:stCondLst>
+                                        </p:cTn>
+                                        <p:tgtEl>
                                           <p:spTgt spid="3"/>
+                                        </p:tgtEl>
+                                        <p:attrNameLst>
+                                          <p:attrName>style.visibility</p:attrName>
+                                        </p:attrNameLst>
+                                      </p:cBhvr>
+                                      <p:to>
+                                        <p:strVal val="visible"/>
+                                      </p:to>
+                                    </p:set>
+                                    <p:animEffect transition="in" filter="fade">
+                                      <p:cBhvr>
+                                        <p:cTn id="12" dur="500"/>
+                                        <p:tgtEl>
+                                          <p:spTgt spid="3"/>
+                                        </p:tgtEl>
+                                      </p:cBhvr>
+                                    </p:animEffect>
+                                  </p:childTnLst>
+                                </p:cTn>
+                              </p:par>
+                              <p:par>
+                                <p:cTn id="13" presetID="10" presetClass="entr" presetSubtype="0" fill="hold" nodeType="withEffect">
+                                  <p:stCondLst>
+                                    <p:cond delay="0"/>
+                                  </p:stCondLst>
+                                  <p:childTnLst>
+                                    <p:set>
+                                      <p:cBhvr>
+                                        <p:cTn id="14" dur="1" fill="hold">
+                                          <p:stCondLst>
+                                            <p:cond delay="0"/>
+                                          </p:stCondLst>
+                                        </p:cTn>
+                                        <p:tgtEl>
+                                          <p:spTgt spid="4">
+                                            <p:txEl>
+                                              <p:pRg st="2" end="2"/>
+                                            </p:txEl>
+                                          </p:spTgt>
+                                        </p:tgtEl>
+                                        <p:attrNameLst>
+                                          <p:attrName>style.visibility</p:attrName>
+                                        </p:attrNameLst>
+                                      </p:cBhvr>
+                                      <p:to>
+                                        <p:strVal val="visible"/>
+                                      </p:to>
+                                    </p:set>
+                                    <p:animEffect transition="in" filter="fade">
+                                      <p:cBhvr>
+                                        <p:cTn id="15" dur="500"/>
+                                        <p:tgtEl>
+                                          <p:spTgt spid="4">
+                                            <p:txEl>
+                                              <p:pRg st="2" end="2"/>
+                                            </p:txEl>
+                                          </p:spTgt>
+                                        </p:tgtEl>
+                                      </p:cBhvr>
+                                    </p:animEffect>
+                                  </p:childTnLst>
+                                </p:cTn>
+                              </p:par>
+                            </p:childTnLst>
+                          </p:cTn>
+                        </p:par>
+                      </p:childTnLst>
+                    </p:cTn>
+                  </p:par>
+                  <p:par>
+                    <p:cTn id="16" fill="hold">
+                      <p:stCondLst>
+                        <p:cond delay="indefinite"/>
+                      </p:stCondLst>
+                      <p:childTnLst>
+                        <p:par>
+                          <p:cTn id="17" fill="hold">
+                            <p:stCondLst>
+                              <p:cond delay="0"/>
+                            </p:stCondLst>
+                            <p:childTnLst>
+                              <p:par>
+                                <p:cTn id="18" presetID="10" presetClass="entr" presetSubtype="0" fill="hold" nodeType="clickEffect">
+                                  <p:stCondLst>
+                                    <p:cond delay="0"/>
+                                  </p:stCondLst>
+                                  <p:childTnLst>
+                                    <p:set>
+                                      <p:cBhvr>
+                                        <p:cTn id="19" dur="1" fill="hold">
+                                          <p:stCondLst>
+                                            <p:cond delay="0"/>
+                                          </p:stCondLst>
+                                        </p:cTn>
+                                        <p:tgtEl>
+                                          <p:spTgt spid="4">
+                                            <p:txEl>
+                                              <p:pRg st="4" end="4"/>
+                                            </p:txEl>
+                                          </p:spTgt>
+                                        </p:tgtEl>
+                                        <p:attrNameLst>
+                                          <p:attrName>style.visibility</p:attrName>
+                                        </p:attrNameLst>
+                                      </p:cBhvr>
+                                      <p:to>
+                                        <p:strVal val="visible"/>
+                                      </p:to>
+                                    </p:set>
+                                    <p:animEffect transition="in" filter="fade">
+                                      <p:cBhvr>
+                                        <p:cTn id="20" dur="500"/>
+                                        <p:tgtEl>
+                                          <p:spTgt spid="4">
+                                            <p:txEl>
+                                              <p:pRg st="4" end="4"/>
+                                            </p:txEl>
+                                          </p:spTgt>
+                                        </p:tgtEl>
+                                      </p:cBhvr>
+                                    </p:animEffect>
+                                  </p:childTnLst>
+                                </p:cTn>
+                              </p:par>
+                            </p:childTnLst>
+                          </p:cTn>
+                        </p:par>
+                      </p:childTnLst>
+                    </p:cTn>
+                  </p:par>
+                  <p:par>
+                    <p:cTn id="21" fill="hold">
+                      <p:stCondLst>
+                        <p:cond delay="indefinite"/>
+                      </p:stCondLst>
+                      <p:childTnLst>
+                        <p:par>
+                          <p:cTn id="22" fill="hold">
+                            <p:stCondLst>
+                              <p:cond delay="0"/>
+                            </p:stCondLst>
+                            <p:childTnLst>
+                              <p:par>
+                                <p:cTn id="23" presetID="10" presetClass="entr" presetSubtype="0" fill="hold" nodeType="clickEffect">
+                                  <p:stCondLst>
+                                    <p:cond delay="0"/>
+                                  </p:stCondLst>
+                                  <p:childTnLst>
+                                    <p:set>
+                                      <p:cBhvr>
+                                        <p:cTn id="24" dur="1" fill="hold">
+                                          <p:stCondLst>
+                                            <p:cond delay="0"/>
+                                          </p:stCondLst>
+                                        </p:cTn>
+                                        <p:tgtEl>
+                                          <p:spTgt spid="4">
+                                            <p:txEl>
+                                              <p:pRg st="6" end="6"/>
+                                            </p:txEl>
+                                          </p:spTgt>
+                                        </p:tgtEl>
+                                        <p:attrNameLst>
+                                          <p:attrName>style.visibility</p:attrName>
+                                        </p:attrNameLst>
+                                      </p:cBhvr>
+                                      <p:to>
+                                        <p:strVal val="visible"/>
+                                      </p:to>
+                                    </p:set>
+                                    <p:animEffect transition="in" filter="fade">
+                                      <p:cBhvr>
+                                        <p:cTn id="25" dur="500"/>
+                                        <p:tgtEl>
+                                          <p:spTgt spid="4">
+                                            <p:txEl>
+                                              <p:pRg st="6" end="6"/>
+                                            </p:txEl>
+                                          </p:spTgt>
                                         </p:tgtEl>
                                       </p:cBhvr>
                                     </p:animEffect>
@@ -6201,6 +7147,280 @@
   <p:clrMapOvr>
     <a:masterClrMapping/>
   </p:clrMapOvr>
+  <p:timing>
+    <p:tnLst>
+      <p:par>
+        <p:cTn id="1" dur="indefinite" restart="never" nodeType="tmRoot">
+          <p:childTnLst>
+            <p:seq concurrent="1" nextAc="seek">
+              <p:cTn id="2" dur="indefinite" nodeType="mainSeq">
+                <p:childTnLst>
+                  <p:par>
+                    <p:cTn id="3" fill="hold">
+                      <p:stCondLst>
+                        <p:cond delay="indefinite"/>
+                      </p:stCondLst>
+                      <p:childTnLst>
+                        <p:par>
+                          <p:cTn id="4" fill="hold">
+                            <p:stCondLst>
+                              <p:cond delay="0"/>
+                            </p:stCondLst>
+                            <p:childTnLst>
+                              <p:par>
+                                <p:cTn id="5" presetID="10" presetClass="entr" presetSubtype="0" fill="hold" nodeType="clickEffect">
+                                  <p:stCondLst>
+                                    <p:cond delay="0"/>
+                                  </p:stCondLst>
+                                  <p:childTnLst>
+                                    <p:set>
+                                      <p:cBhvr>
+                                        <p:cTn id="6" dur="1" fill="hold">
+                                          <p:stCondLst>
+                                            <p:cond delay="0"/>
+                                          </p:stCondLst>
+                                        </p:cTn>
+                                        <p:tgtEl>
+                                          <p:spTgt spid="4">
+                                            <p:txEl>
+                                              <p:pRg st="0" end="0"/>
+                                            </p:txEl>
+                                          </p:spTgt>
+                                        </p:tgtEl>
+                                        <p:attrNameLst>
+                                          <p:attrName>style.visibility</p:attrName>
+                                        </p:attrNameLst>
+                                      </p:cBhvr>
+                                      <p:to>
+                                        <p:strVal val="visible"/>
+                                      </p:to>
+                                    </p:set>
+                                    <p:animEffect transition="in" filter="fade">
+                                      <p:cBhvr>
+                                        <p:cTn id="7" dur="500"/>
+                                        <p:tgtEl>
+                                          <p:spTgt spid="4">
+                                            <p:txEl>
+                                              <p:pRg st="0" end="0"/>
+                                            </p:txEl>
+                                          </p:spTgt>
+                                        </p:tgtEl>
+                                      </p:cBhvr>
+                                    </p:animEffect>
+                                  </p:childTnLst>
+                                </p:cTn>
+                              </p:par>
+                            </p:childTnLst>
+                          </p:cTn>
+                        </p:par>
+                      </p:childTnLst>
+                    </p:cTn>
+                  </p:par>
+                  <p:par>
+                    <p:cTn id="8" fill="hold">
+                      <p:stCondLst>
+                        <p:cond delay="indefinite"/>
+                      </p:stCondLst>
+                      <p:childTnLst>
+                        <p:par>
+                          <p:cTn id="9" fill="hold">
+                            <p:stCondLst>
+                              <p:cond delay="0"/>
+                            </p:stCondLst>
+                            <p:childTnLst>
+                              <p:par>
+                                <p:cTn id="10" presetID="10" presetClass="entr" presetSubtype="0" fill="hold" nodeType="clickEffect">
+                                  <p:stCondLst>
+                                    <p:cond delay="0"/>
+                                  </p:stCondLst>
+                                  <p:childTnLst>
+                                    <p:set>
+                                      <p:cBhvr>
+                                        <p:cTn id="11" dur="1" fill="hold">
+                                          <p:stCondLst>
+                                            <p:cond delay="0"/>
+                                          </p:stCondLst>
+                                        </p:cTn>
+                                        <p:tgtEl>
+                                          <p:spTgt spid="4">
+                                            <p:txEl>
+                                              <p:pRg st="2" end="2"/>
+                                            </p:txEl>
+                                          </p:spTgt>
+                                        </p:tgtEl>
+                                        <p:attrNameLst>
+                                          <p:attrName>style.visibility</p:attrName>
+                                        </p:attrNameLst>
+                                      </p:cBhvr>
+                                      <p:to>
+                                        <p:strVal val="visible"/>
+                                      </p:to>
+                                    </p:set>
+                                    <p:animEffect transition="in" filter="fade">
+                                      <p:cBhvr>
+                                        <p:cTn id="12" dur="500"/>
+                                        <p:tgtEl>
+                                          <p:spTgt spid="4">
+                                            <p:txEl>
+                                              <p:pRg st="2" end="2"/>
+                                            </p:txEl>
+                                          </p:spTgt>
+                                        </p:tgtEl>
+                                      </p:cBhvr>
+                                    </p:animEffect>
+                                  </p:childTnLst>
+                                </p:cTn>
+                              </p:par>
+                            </p:childTnLst>
+                          </p:cTn>
+                        </p:par>
+                      </p:childTnLst>
+                    </p:cTn>
+                  </p:par>
+                  <p:par>
+                    <p:cTn id="13" fill="hold">
+                      <p:stCondLst>
+                        <p:cond delay="indefinite"/>
+                      </p:stCondLst>
+                      <p:childTnLst>
+                        <p:par>
+                          <p:cTn id="14" fill="hold">
+                            <p:stCondLst>
+                              <p:cond delay="0"/>
+                            </p:stCondLst>
+                            <p:childTnLst>
+                              <p:par>
+                                <p:cTn id="15" presetID="10" presetClass="entr" presetSubtype="0" fill="hold" nodeType="clickEffect">
+                                  <p:stCondLst>
+                                    <p:cond delay="0"/>
+                                  </p:stCondLst>
+                                  <p:childTnLst>
+                                    <p:set>
+                                      <p:cBhvr>
+                                        <p:cTn id="16" dur="1" fill="hold">
+                                          <p:stCondLst>
+                                            <p:cond delay="0"/>
+                                          </p:stCondLst>
+                                        </p:cTn>
+                                        <p:tgtEl>
+                                          <p:spTgt spid="4">
+                                            <p:txEl>
+                                              <p:pRg st="4" end="4"/>
+                                            </p:txEl>
+                                          </p:spTgt>
+                                        </p:tgtEl>
+                                        <p:attrNameLst>
+                                          <p:attrName>style.visibility</p:attrName>
+                                        </p:attrNameLst>
+                                      </p:cBhvr>
+                                      <p:to>
+                                        <p:strVal val="visible"/>
+                                      </p:to>
+                                    </p:set>
+                                    <p:animEffect transition="in" filter="fade">
+                                      <p:cBhvr>
+                                        <p:cTn id="17" dur="500"/>
+                                        <p:tgtEl>
+                                          <p:spTgt spid="4">
+                                            <p:txEl>
+                                              <p:pRg st="4" end="4"/>
+                                            </p:txEl>
+                                          </p:spTgt>
+                                        </p:tgtEl>
+                                      </p:cBhvr>
+                                    </p:animEffect>
+                                  </p:childTnLst>
+                                </p:cTn>
+                              </p:par>
+                            </p:childTnLst>
+                          </p:cTn>
+                        </p:par>
+                      </p:childTnLst>
+                    </p:cTn>
+                  </p:par>
+                  <p:par>
+                    <p:cTn id="18" fill="hold">
+                      <p:stCondLst>
+                        <p:cond delay="indefinite"/>
+                      </p:stCondLst>
+                      <p:childTnLst>
+                        <p:par>
+                          <p:cTn id="19" fill="hold">
+                            <p:stCondLst>
+                              <p:cond delay="0"/>
+                            </p:stCondLst>
+                            <p:childTnLst>
+                              <p:par>
+                                <p:cTn id="20" presetID="10" presetClass="entr" presetSubtype="0" fill="hold" nodeType="clickEffect">
+                                  <p:stCondLst>
+                                    <p:cond delay="0"/>
+                                  </p:stCondLst>
+                                  <p:childTnLst>
+                                    <p:set>
+                                      <p:cBhvr>
+                                        <p:cTn id="21" dur="1" fill="hold">
+                                          <p:stCondLst>
+                                            <p:cond delay="0"/>
+                                          </p:stCondLst>
+                                        </p:cTn>
+                                        <p:tgtEl>
+                                          <p:spTgt spid="4">
+                                            <p:txEl>
+                                              <p:pRg st="6" end="6"/>
+                                            </p:txEl>
+                                          </p:spTgt>
+                                        </p:tgtEl>
+                                        <p:attrNameLst>
+                                          <p:attrName>style.visibility</p:attrName>
+                                        </p:attrNameLst>
+                                      </p:cBhvr>
+                                      <p:to>
+                                        <p:strVal val="visible"/>
+                                      </p:to>
+                                    </p:set>
+                                    <p:animEffect transition="in" filter="fade">
+                                      <p:cBhvr>
+                                        <p:cTn id="22" dur="500"/>
+                                        <p:tgtEl>
+                                          <p:spTgt spid="4">
+                                            <p:txEl>
+                                              <p:pRg st="6" end="6"/>
+                                            </p:txEl>
+                                          </p:spTgt>
+                                        </p:tgtEl>
+                                      </p:cBhvr>
+                                    </p:animEffect>
+                                  </p:childTnLst>
+                                </p:cTn>
+                              </p:par>
+                            </p:childTnLst>
+                          </p:cTn>
+                        </p:par>
+                      </p:childTnLst>
+                    </p:cTn>
+                  </p:par>
+                </p:childTnLst>
+              </p:cTn>
+              <p:prevCondLst>
+                <p:cond evt="onPrev" delay="0">
+                  <p:tgtEl>
+                    <p:sldTgt/>
+                  </p:tgtEl>
+                </p:cond>
+              </p:prevCondLst>
+              <p:nextCondLst>
+                <p:cond evt="onNext" delay="0">
+                  <p:tgtEl>
+                    <p:sldTgt/>
+                  </p:tgtEl>
+                </p:cond>
+              </p:nextCondLst>
+            </p:seq>
+          </p:childTnLst>
+        </p:cTn>
+      </p:par>
+    </p:tnLst>
+  </p:timing>
 </p:sld>
 </file>
 
@@ -6651,6 +7871,463 @@
   <p:clrMapOvr>
     <a:masterClrMapping/>
   </p:clrMapOvr>
+  <p:timing>
+    <p:tnLst>
+      <p:par>
+        <p:cTn id="1" dur="indefinite" restart="never" nodeType="tmRoot">
+          <p:childTnLst>
+            <p:seq concurrent="1" nextAc="seek">
+              <p:cTn id="2" dur="indefinite" nodeType="mainSeq">
+                <p:childTnLst>
+                  <p:par>
+                    <p:cTn id="3" fill="hold">
+                      <p:stCondLst>
+                        <p:cond delay="indefinite"/>
+                      </p:stCondLst>
+                      <p:childTnLst>
+                        <p:par>
+                          <p:cTn id="4" fill="hold">
+                            <p:stCondLst>
+                              <p:cond delay="0"/>
+                            </p:stCondLst>
+                            <p:childTnLst>
+                              <p:par>
+                                <p:cTn id="5" presetID="10" presetClass="entr" presetSubtype="0" fill="hold" nodeType="clickEffect">
+                                  <p:stCondLst>
+                                    <p:cond delay="0"/>
+                                  </p:stCondLst>
+                                  <p:childTnLst>
+                                    <p:set>
+                                      <p:cBhvr>
+                                        <p:cTn id="6" dur="1" fill="hold">
+                                          <p:stCondLst>
+                                            <p:cond delay="0"/>
+                                          </p:stCondLst>
+                                        </p:cTn>
+                                        <p:tgtEl>
+                                          <p:spTgt spid="3">
+                                            <p:txEl>
+                                              <p:pRg st="0" end="0"/>
+                                            </p:txEl>
+                                          </p:spTgt>
+                                        </p:tgtEl>
+                                        <p:attrNameLst>
+                                          <p:attrName>style.visibility</p:attrName>
+                                        </p:attrNameLst>
+                                      </p:cBhvr>
+                                      <p:to>
+                                        <p:strVal val="visible"/>
+                                      </p:to>
+                                    </p:set>
+                                    <p:animEffect transition="in" filter="fade">
+                                      <p:cBhvr>
+                                        <p:cTn id="7" dur="500"/>
+                                        <p:tgtEl>
+                                          <p:spTgt spid="3">
+                                            <p:txEl>
+                                              <p:pRg st="0" end="0"/>
+                                            </p:txEl>
+                                          </p:spTgt>
+                                        </p:tgtEl>
+                                      </p:cBhvr>
+                                    </p:animEffect>
+                                  </p:childTnLst>
+                                </p:cTn>
+                              </p:par>
+                            </p:childTnLst>
+                          </p:cTn>
+                        </p:par>
+                      </p:childTnLst>
+                    </p:cTn>
+                  </p:par>
+                  <p:par>
+                    <p:cTn id="8" fill="hold">
+                      <p:stCondLst>
+                        <p:cond delay="indefinite"/>
+                      </p:stCondLst>
+                      <p:childTnLst>
+                        <p:par>
+                          <p:cTn id="9" fill="hold">
+                            <p:stCondLst>
+                              <p:cond delay="0"/>
+                            </p:stCondLst>
+                            <p:childTnLst>
+                              <p:par>
+                                <p:cTn id="10" presetID="10" presetClass="entr" presetSubtype="0" fill="hold" nodeType="clickEffect">
+                                  <p:stCondLst>
+                                    <p:cond delay="0"/>
+                                  </p:stCondLst>
+                                  <p:childTnLst>
+                                    <p:set>
+                                      <p:cBhvr>
+                                        <p:cTn id="11" dur="1" fill="hold">
+                                          <p:stCondLst>
+                                            <p:cond delay="0"/>
+                                          </p:stCondLst>
+                                        </p:cTn>
+                                        <p:tgtEl>
+                                          <p:spTgt spid="3">
+                                            <p:txEl>
+                                              <p:pRg st="2" end="2"/>
+                                            </p:txEl>
+                                          </p:spTgt>
+                                        </p:tgtEl>
+                                        <p:attrNameLst>
+                                          <p:attrName>style.visibility</p:attrName>
+                                        </p:attrNameLst>
+                                      </p:cBhvr>
+                                      <p:to>
+                                        <p:strVal val="visible"/>
+                                      </p:to>
+                                    </p:set>
+                                    <p:animEffect transition="in" filter="fade">
+                                      <p:cBhvr>
+                                        <p:cTn id="12" dur="500"/>
+                                        <p:tgtEl>
+                                          <p:spTgt spid="3">
+                                            <p:txEl>
+                                              <p:pRg st="2" end="2"/>
+                                            </p:txEl>
+                                          </p:spTgt>
+                                        </p:tgtEl>
+                                      </p:cBhvr>
+                                    </p:animEffect>
+                                  </p:childTnLst>
+                                </p:cTn>
+                              </p:par>
+                            </p:childTnLst>
+                          </p:cTn>
+                        </p:par>
+                      </p:childTnLst>
+                    </p:cTn>
+                  </p:par>
+                  <p:par>
+                    <p:cTn id="13" fill="hold">
+                      <p:stCondLst>
+                        <p:cond delay="indefinite"/>
+                      </p:stCondLst>
+                      <p:childTnLst>
+                        <p:par>
+                          <p:cTn id="14" fill="hold">
+                            <p:stCondLst>
+                              <p:cond delay="0"/>
+                            </p:stCondLst>
+                            <p:childTnLst>
+                              <p:par>
+                                <p:cTn id="15" presetID="10" presetClass="entr" presetSubtype="0" fill="hold" nodeType="clickEffect">
+                                  <p:stCondLst>
+                                    <p:cond delay="0"/>
+                                  </p:stCondLst>
+                                  <p:childTnLst>
+                                    <p:set>
+                                      <p:cBhvr>
+                                        <p:cTn id="16" dur="1" fill="hold">
+                                          <p:stCondLst>
+                                            <p:cond delay="0"/>
+                                          </p:stCondLst>
+                                        </p:cTn>
+                                        <p:tgtEl>
+                                          <p:spTgt spid="3">
+                                            <p:txEl>
+                                              <p:pRg st="4" end="4"/>
+                                            </p:txEl>
+                                          </p:spTgt>
+                                        </p:tgtEl>
+                                        <p:attrNameLst>
+                                          <p:attrName>style.visibility</p:attrName>
+                                        </p:attrNameLst>
+                                      </p:cBhvr>
+                                      <p:to>
+                                        <p:strVal val="visible"/>
+                                      </p:to>
+                                    </p:set>
+                                    <p:animEffect transition="in" filter="fade">
+                                      <p:cBhvr>
+                                        <p:cTn id="17" dur="500"/>
+                                        <p:tgtEl>
+                                          <p:spTgt spid="3">
+                                            <p:txEl>
+                                              <p:pRg st="4" end="4"/>
+                                            </p:txEl>
+                                          </p:spTgt>
+                                        </p:tgtEl>
+                                      </p:cBhvr>
+                                    </p:animEffect>
+                                  </p:childTnLst>
+                                </p:cTn>
+                              </p:par>
+                            </p:childTnLst>
+                          </p:cTn>
+                        </p:par>
+                      </p:childTnLst>
+                    </p:cTn>
+                  </p:par>
+                  <p:par>
+                    <p:cTn id="18" fill="hold">
+                      <p:stCondLst>
+                        <p:cond delay="indefinite"/>
+                      </p:stCondLst>
+                      <p:childTnLst>
+                        <p:par>
+                          <p:cTn id="19" fill="hold">
+                            <p:stCondLst>
+                              <p:cond delay="0"/>
+                            </p:stCondLst>
+                            <p:childTnLst>
+                              <p:par>
+                                <p:cTn id="20" presetID="10" presetClass="entr" presetSubtype="0" fill="hold" nodeType="clickEffect">
+                                  <p:stCondLst>
+                                    <p:cond delay="0"/>
+                                  </p:stCondLst>
+                                  <p:childTnLst>
+                                    <p:set>
+                                      <p:cBhvr>
+                                        <p:cTn id="21" dur="1" fill="hold">
+                                          <p:stCondLst>
+                                            <p:cond delay="0"/>
+                                          </p:stCondLst>
+                                        </p:cTn>
+                                        <p:tgtEl>
+                                          <p:spTgt spid="3">
+                                            <p:txEl>
+                                              <p:pRg st="6" end="6"/>
+                                            </p:txEl>
+                                          </p:spTgt>
+                                        </p:tgtEl>
+                                        <p:attrNameLst>
+                                          <p:attrName>style.visibility</p:attrName>
+                                        </p:attrNameLst>
+                                      </p:cBhvr>
+                                      <p:to>
+                                        <p:strVal val="visible"/>
+                                      </p:to>
+                                    </p:set>
+                                    <p:animEffect transition="in" filter="fade">
+                                      <p:cBhvr>
+                                        <p:cTn id="22" dur="500"/>
+                                        <p:tgtEl>
+                                          <p:spTgt spid="3">
+                                            <p:txEl>
+                                              <p:pRg st="6" end="6"/>
+                                            </p:txEl>
+                                          </p:spTgt>
+                                        </p:tgtEl>
+                                      </p:cBhvr>
+                                    </p:animEffect>
+                                  </p:childTnLst>
+                                </p:cTn>
+                              </p:par>
+                            </p:childTnLst>
+                          </p:cTn>
+                        </p:par>
+                      </p:childTnLst>
+                    </p:cTn>
+                  </p:par>
+                  <p:par>
+                    <p:cTn id="23" fill="hold">
+                      <p:stCondLst>
+                        <p:cond delay="indefinite"/>
+                      </p:stCondLst>
+                      <p:childTnLst>
+                        <p:par>
+                          <p:cTn id="24" fill="hold">
+                            <p:stCondLst>
+                              <p:cond delay="0"/>
+                            </p:stCondLst>
+                            <p:childTnLst>
+                              <p:par>
+                                <p:cTn id="25" presetID="10" presetClass="entr" presetSubtype="0" fill="hold" nodeType="clickEffect">
+                                  <p:stCondLst>
+                                    <p:cond delay="0"/>
+                                  </p:stCondLst>
+                                  <p:childTnLst>
+                                    <p:set>
+                                      <p:cBhvr>
+                                        <p:cTn id="26" dur="1" fill="hold">
+                                          <p:stCondLst>
+                                            <p:cond delay="0"/>
+                                          </p:stCondLst>
+                                        </p:cTn>
+                                        <p:tgtEl>
+                                          <p:spTgt spid="3">
+                                            <p:txEl>
+                                              <p:pRg st="8" end="8"/>
+                                            </p:txEl>
+                                          </p:spTgt>
+                                        </p:tgtEl>
+                                        <p:attrNameLst>
+                                          <p:attrName>style.visibility</p:attrName>
+                                        </p:attrNameLst>
+                                      </p:cBhvr>
+                                      <p:to>
+                                        <p:strVal val="visible"/>
+                                      </p:to>
+                                    </p:set>
+                                    <p:animEffect transition="in" filter="fade">
+                                      <p:cBhvr>
+                                        <p:cTn id="27" dur="500"/>
+                                        <p:tgtEl>
+                                          <p:spTgt spid="3">
+                                            <p:txEl>
+                                              <p:pRg st="8" end="8"/>
+                                            </p:txEl>
+                                          </p:spTgt>
+                                        </p:tgtEl>
+                                      </p:cBhvr>
+                                    </p:animEffect>
+                                  </p:childTnLst>
+                                </p:cTn>
+                              </p:par>
+                            </p:childTnLst>
+                          </p:cTn>
+                        </p:par>
+                      </p:childTnLst>
+                    </p:cTn>
+                  </p:par>
+                  <p:par>
+                    <p:cTn id="28" fill="hold">
+                      <p:stCondLst>
+                        <p:cond delay="indefinite"/>
+                      </p:stCondLst>
+                      <p:childTnLst>
+                        <p:par>
+                          <p:cTn id="29" fill="hold">
+                            <p:stCondLst>
+                              <p:cond delay="0"/>
+                            </p:stCondLst>
+                            <p:childTnLst>
+                              <p:par>
+                                <p:cTn id="30" presetID="10" presetClass="entr" presetSubtype="0" fill="hold" nodeType="clickEffect">
+                                  <p:stCondLst>
+                                    <p:cond delay="0"/>
+                                  </p:stCondLst>
+                                  <p:childTnLst>
+                                    <p:set>
+                                      <p:cBhvr>
+                                        <p:cTn id="31" dur="1" fill="hold">
+                                          <p:stCondLst>
+                                            <p:cond delay="0"/>
+                                          </p:stCondLst>
+                                        </p:cTn>
+                                        <p:tgtEl>
+                                          <p:spTgt spid="3">
+                                            <p:txEl>
+                                              <p:pRg st="10" end="10"/>
+                                            </p:txEl>
+                                          </p:spTgt>
+                                        </p:tgtEl>
+                                        <p:attrNameLst>
+                                          <p:attrName>style.visibility</p:attrName>
+                                        </p:attrNameLst>
+                                      </p:cBhvr>
+                                      <p:to>
+                                        <p:strVal val="visible"/>
+                                      </p:to>
+                                    </p:set>
+                                    <p:animEffect transition="in" filter="fade">
+                                      <p:cBhvr>
+                                        <p:cTn id="32" dur="500"/>
+                                        <p:tgtEl>
+                                          <p:spTgt spid="3">
+                                            <p:txEl>
+                                              <p:pRg st="10" end="10"/>
+                                            </p:txEl>
+                                          </p:spTgt>
+                                        </p:tgtEl>
+                                      </p:cBhvr>
+                                    </p:animEffect>
+                                  </p:childTnLst>
+                                </p:cTn>
+                              </p:par>
+                            </p:childTnLst>
+                          </p:cTn>
+                        </p:par>
+                      </p:childTnLst>
+                    </p:cTn>
+                  </p:par>
+                  <p:par>
+                    <p:cTn id="33" fill="hold">
+                      <p:stCondLst>
+                        <p:cond delay="indefinite"/>
+                      </p:stCondLst>
+                      <p:childTnLst>
+                        <p:par>
+                          <p:cTn id="34" fill="hold">
+                            <p:stCondLst>
+                              <p:cond delay="0"/>
+                            </p:stCondLst>
+                            <p:childTnLst>
+                              <p:par>
+                                <p:cTn id="35" presetID="10" presetClass="entr" presetSubtype="0" fill="hold" nodeType="clickEffect">
+                                  <p:stCondLst>
+                                    <p:cond delay="0"/>
+                                  </p:stCondLst>
+                                  <p:childTnLst>
+                                    <p:set>
+                                      <p:cBhvr>
+                                        <p:cTn id="36" dur="1" fill="hold">
+                                          <p:stCondLst>
+                                            <p:cond delay="0"/>
+                                          </p:stCondLst>
+                                        </p:cTn>
+                                        <p:tgtEl>
+                                          <p:spTgt spid="3">
+                                            <p:txEl>
+                                              <p:pRg st="12" end="12"/>
+                                            </p:txEl>
+                                          </p:spTgt>
+                                        </p:tgtEl>
+                                        <p:attrNameLst>
+                                          <p:attrName>style.visibility</p:attrName>
+                                        </p:attrNameLst>
+                                      </p:cBhvr>
+                                      <p:to>
+                                        <p:strVal val="visible"/>
+                                      </p:to>
+                                    </p:set>
+                                    <p:animEffect transition="in" filter="fade">
+                                      <p:cBhvr>
+                                        <p:cTn id="37" dur="500"/>
+                                        <p:tgtEl>
+                                          <p:spTgt spid="3">
+                                            <p:txEl>
+                                              <p:pRg st="12" end="12"/>
+                                            </p:txEl>
+                                          </p:spTgt>
+                                        </p:tgtEl>
+                                      </p:cBhvr>
+                                    </p:animEffect>
+                                  </p:childTnLst>
+                                </p:cTn>
+                              </p:par>
+                            </p:childTnLst>
+                          </p:cTn>
+                        </p:par>
+                      </p:childTnLst>
+                    </p:cTn>
+                  </p:par>
+                </p:childTnLst>
+              </p:cTn>
+              <p:prevCondLst>
+                <p:cond evt="onPrev" delay="0">
+                  <p:tgtEl>
+                    <p:sldTgt/>
+                  </p:tgtEl>
+                </p:cond>
+              </p:prevCondLst>
+              <p:nextCondLst>
+                <p:cond evt="onNext" delay="0">
+                  <p:tgtEl>
+                    <p:sldTgt/>
+                  </p:tgtEl>
+                </p:cond>
+              </p:nextCondLst>
+            </p:seq>
+          </p:childTnLst>
+        </p:cTn>
+      </p:par>
+    </p:tnLst>
+  </p:timing>
 </p:sld>
 </file>
 
@@ -7172,7 +8849,11 @@
                                           </p:stCondLst>
                                         </p:cTn>
                                         <p:tgtEl>
-                                          <p:spTgt spid="14"/>
+                                          <p:spTgt spid="4">
+                                            <p:txEl>
+                                              <p:pRg st="0" end="0"/>
+                                            </p:txEl>
+                                          </p:spTgt>
                                         </p:tgtEl>
                                         <p:attrNameLst>
                                           <p:attrName>style.visibility</p:attrName>
@@ -7186,48 +8867,9 @@
                                       <p:cBhvr>
                                         <p:cTn id="7" dur="500"/>
                                         <p:tgtEl>
-                                          <p:spTgt spid="14"/>
-                                        </p:tgtEl>
-                                      </p:cBhvr>
-                                    </p:animEffect>
-                                  </p:childTnLst>
-                                </p:cTn>
-                              </p:par>
-                              <p:par>
-                                <p:cTn id="8" presetID="10" presetClass="entr" presetSubtype="0" fill="hold" nodeType="withEffect">
-                                  <p:stCondLst>
-                                    <p:cond delay="0"/>
-                                  </p:stCondLst>
-                                  <p:childTnLst>
-                                    <p:set>
-                                      <p:cBhvr>
-                                        <p:cTn id="9" dur="1" fill="hold">
-                                          <p:stCondLst>
-                                            <p:cond delay="0"/>
-                                          </p:stCondLst>
-                                        </p:cTn>
-                                        <p:tgtEl>
                                           <p:spTgt spid="4">
                                             <p:txEl>
-                                              <p:pRg st="3" end="3"/>
-                                            </p:txEl>
-                                          </p:spTgt>
-                                        </p:tgtEl>
-                                        <p:attrNameLst>
-                                          <p:attrName>style.visibility</p:attrName>
-                                        </p:attrNameLst>
-                                      </p:cBhvr>
-                                      <p:to>
-                                        <p:strVal val="visible"/>
-                                      </p:to>
-                                    </p:set>
-                                    <p:animEffect transition="in" filter="fade">
-                                      <p:cBhvr>
-                                        <p:cTn id="10" dur="500"/>
-                                        <p:tgtEl>
-                                          <p:spTgt spid="4">
-                                            <p:txEl>
-                                              <p:pRg st="3" end="3"/>
+                                              <p:pRg st="0" end="0"/>
                                             </p:txEl>
                                           </p:spTgt>
                                         </p:tgtEl>
@@ -7243,32 +8885,36 @@
                     </p:cTn>
                   </p:par>
                   <p:par>
-                    <p:cTn id="11" fill="hold">
+                    <p:cTn id="8" fill="hold">
                       <p:stCondLst>
                         <p:cond delay="indefinite"/>
                       </p:stCondLst>
                       <p:childTnLst>
                         <p:par>
-                          <p:cTn id="12" fill="hold">
+                          <p:cTn id="9" fill="hold">
                             <p:stCondLst>
                               <p:cond delay="0"/>
                             </p:stCondLst>
                             <p:childTnLst>
                               <p:par>
-                                <p:cTn id="13" presetID="10" presetClass="entr" presetSubtype="0" fill="hold" nodeType="clickEffect">
+                                <p:cTn id="10" presetID="10" presetClass="entr" presetSubtype="0" fill="hold" nodeType="clickEffect">
                                   <p:stCondLst>
                                     <p:cond delay="0"/>
                                   </p:stCondLst>
                                   <p:childTnLst>
                                     <p:set>
                                       <p:cBhvr>
-                                        <p:cTn id="14" dur="1" fill="hold">
+                                        <p:cTn id="11" dur="1" fill="hold">
                                           <p:stCondLst>
                                             <p:cond delay="0"/>
                                           </p:stCondLst>
                                         </p:cTn>
                                         <p:tgtEl>
-                                          <p:spTgt spid="15"/>
+                                          <p:spTgt spid="4">
+                                            <p:txEl>
+                                              <p:pRg st="2" end="2"/>
+                                            </p:txEl>
+                                          </p:spTgt>
                                         </p:tgtEl>
                                         <p:attrNameLst>
                                           <p:attrName>style.visibility</p:attrName>
@@ -7280,50 +8926,11 @@
                                     </p:set>
                                     <p:animEffect transition="in" filter="fade">
                                       <p:cBhvr>
-                                        <p:cTn id="15" dur="500"/>
-                                        <p:tgtEl>
-                                          <p:spTgt spid="15"/>
-                                        </p:tgtEl>
-                                      </p:cBhvr>
-                                    </p:animEffect>
-                                  </p:childTnLst>
-                                </p:cTn>
-                              </p:par>
-                              <p:par>
-                                <p:cTn id="16" presetID="10" presetClass="entr" presetSubtype="0" fill="hold" nodeType="withEffect">
-                                  <p:stCondLst>
-                                    <p:cond delay="0"/>
-                                  </p:stCondLst>
-                                  <p:childTnLst>
-                                    <p:set>
-                                      <p:cBhvr>
-                                        <p:cTn id="17" dur="1" fill="hold">
-                                          <p:stCondLst>
-                                            <p:cond delay="0"/>
-                                          </p:stCondLst>
-                                        </p:cTn>
+                                        <p:cTn id="12" dur="500"/>
                                         <p:tgtEl>
                                           <p:spTgt spid="4">
                                             <p:txEl>
-                                              <p:pRg st="4" end="4"/>
-                                            </p:txEl>
-                                          </p:spTgt>
-                                        </p:tgtEl>
-                                        <p:attrNameLst>
-                                          <p:attrName>style.visibility</p:attrName>
-                                        </p:attrNameLst>
-                                      </p:cBhvr>
-                                      <p:to>
-                                        <p:strVal val="visible"/>
-                                      </p:to>
-                                    </p:set>
-                                    <p:animEffect transition="in" filter="fade">
-                                      <p:cBhvr>
-                                        <p:cTn id="18" dur="500"/>
-                                        <p:tgtEl>
-                                          <p:spTgt spid="4">
-                                            <p:txEl>
-                                              <p:pRg st="4" end="4"/>
+                                              <p:pRg st="2" end="2"/>
                                             </p:txEl>
                                           </p:spTgt>
                                         </p:tgtEl>
@@ -7339,36 +8946,32 @@
                     </p:cTn>
                   </p:par>
                   <p:par>
-                    <p:cTn id="19" fill="hold">
+                    <p:cTn id="13" fill="hold">
                       <p:stCondLst>
                         <p:cond delay="indefinite"/>
                       </p:stCondLst>
                       <p:childTnLst>
                         <p:par>
-                          <p:cTn id="20" fill="hold">
+                          <p:cTn id="14" fill="hold">
                             <p:stCondLst>
                               <p:cond delay="0"/>
                             </p:stCondLst>
                             <p:childTnLst>
                               <p:par>
-                                <p:cTn id="21" presetID="10" presetClass="entr" presetSubtype="0" fill="hold" nodeType="clickEffect">
+                                <p:cTn id="15" presetID="10" presetClass="entr" presetSubtype="0" fill="hold" nodeType="clickEffect">
                                   <p:stCondLst>
                                     <p:cond delay="0"/>
                                   </p:stCondLst>
                                   <p:childTnLst>
                                     <p:set>
                                       <p:cBhvr>
-                                        <p:cTn id="22" dur="1" fill="hold">
+                                        <p:cTn id="16" dur="1" fill="hold">
                                           <p:stCondLst>
                                             <p:cond delay="0"/>
                                           </p:stCondLst>
                                         </p:cTn>
                                         <p:tgtEl>
-                                          <p:spTgt spid="4">
-                                            <p:txEl>
-                                              <p:pRg st="6" end="6"/>
-                                            </p:txEl>
-                                          </p:spTgt>
+                                          <p:spTgt spid="14"/>
                                         </p:tgtEl>
                                         <p:attrNameLst>
                                           <p:attrName>style.visibility</p:attrName>
@@ -7380,7 +8983,203 @@
                                     </p:set>
                                     <p:animEffect transition="in" filter="fade">
                                       <p:cBhvr>
-                                        <p:cTn id="23" dur="500"/>
+                                        <p:cTn id="17" dur="500"/>
+                                        <p:tgtEl>
+                                          <p:spTgt spid="14"/>
+                                        </p:tgtEl>
+                                      </p:cBhvr>
+                                    </p:animEffect>
+                                  </p:childTnLst>
+                                </p:cTn>
+                              </p:par>
+                              <p:par>
+                                <p:cTn id="18" presetID="10" presetClass="entr" presetSubtype="0" fill="hold" nodeType="withEffect">
+                                  <p:stCondLst>
+                                    <p:cond delay="0"/>
+                                  </p:stCondLst>
+                                  <p:childTnLst>
+                                    <p:set>
+                                      <p:cBhvr>
+                                        <p:cTn id="19" dur="1" fill="hold">
+                                          <p:stCondLst>
+                                            <p:cond delay="0"/>
+                                          </p:stCondLst>
+                                        </p:cTn>
+                                        <p:tgtEl>
+                                          <p:spTgt spid="4">
+                                            <p:txEl>
+                                              <p:pRg st="3" end="3"/>
+                                            </p:txEl>
+                                          </p:spTgt>
+                                        </p:tgtEl>
+                                        <p:attrNameLst>
+                                          <p:attrName>style.visibility</p:attrName>
+                                        </p:attrNameLst>
+                                      </p:cBhvr>
+                                      <p:to>
+                                        <p:strVal val="visible"/>
+                                      </p:to>
+                                    </p:set>
+                                    <p:animEffect transition="in" filter="fade">
+                                      <p:cBhvr>
+                                        <p:cTn id="20" dur="500"/>
+                                        <p:tgtEl>
+                                          <p:spTgt spid="4">
+                                            <p:txEl>
+                                              <p:pRg st="3" end="3"/>
+                                            </p:txEl>
+                                          </p:spTgt>
+                                        </p:tgtEl>
+                                      </p:cBhvr>
+                                    </p:animEffect>
+                                  </p:childTnLst>
+                                </p:cTn>
+                              </p:par>
+                            </p:childTnLst>
+                          </p:cTn>
+                        </p:par>
+                      </p:childTnLst>
+                    </p:cTn>
+                  </p:par>
+                  <p:par>
+                    <p:cTn id="21" fill="hold">
+                      <p:stCondLst>
+                        <p:cond delay="indefinite"/>
+                      </p:stCondLst>
+                      <p:childTnLst>
+                        <p:par>
+                          <p:cTn id="22" fill="hold">
+                            <p:stCondLst>
+                              <p:cond delay="0"/>
+                            </p:stCondLst>
+                            <p:childTnLst>
+                              <p:par>
+                                <p:cTn id="23" presetID="10" presetClass="entr" presetSubtype="0" fill="hold" nodeType="clickEffect">
+                                  <p:stCondLst>
+                                    <p:cond delay="0"/>
+                                  </p:stCondLst>
+                                  <p:childTnLst>
+                                    <p:set>
+                                      <p:cBhvr>
+                                        <p:cTn id="24" dur="1" fill="hold">
+                                          <p:stCondLst>
+                                            <p:cond delay="0"/>
+                                          </p:stCondLst>
+                                        </p:cTn>
+                                        <p:tgtEl>
+                                          <p:spTgt spid="15"/>
+                                        </p:tgtEl>
+                                        <p:attrNameLst>
+                                          <p:attrName>style.visibility</p:attrName>
+                                        </p:attrNameLst>
+                                      </p:cBhvr>
+                                      <p:to>
+                                        <p:strVal val="visible"/>
+                                      </p:to>
+                                    </p:set>
+                                    <p:animEffect transition="in" filter="fade">
+                                      <p:cBhvr>
+                                        <p:cTn id="25" dur="500"/>
+                                        <p:tgtEl>
+                                          <p:spTgt spid="15"/>
+                                        </p:tgtEl>
+                                      </p:cBhvr>
+                                    </p:animEffect>
+                                  </p:childTnLst>
+                                </p:cTn>
+                              </p:par>
+                              <p:par>
+                                <p:cTn id="26" presetID="10" presetClass="entr" presetSubtype="0" fill="hold" nodeType="withEffect">
+                                  <p:stCondLst>
+                                    <p:cond delay="0"/>
+                                  </p:stCondLst>
+                                  <p:childTnLst>
+                                    <p:set>
+                                      <p:cBhvr>
+                                        <p:cTn id="27" dur="1" fill="hold">
+                                          <p:stCondLst>
+                                            <p:cond delay="0"/>
+                                          </p:stCondLst>
+                                        </p:cTn>
+                                        <p:tgtEl>
+                                          <p:spTgt spid="4">
+                                            <p:txEl>
+                                              <p:pRg st="4" end="4"/>
+                                            </p:txEl>
+                                          </p:spTgt>
+                                        </p:tgtEl>
+                                        <p:attrNameLst>
+                                          <p:attrName>style.visibility</p:attrName>
+                                        </p:attrNameLst>
+                                      </p:cBhvr>
+                                      <p:to>
+                                        <p:strVal val="visible"/>
+                                      </p:to>
+                                    </p:set>
+                                    <p:animEffect transition="in" filter="fade">
+                                      <p:cBhvr>
+                                        <p:cTn id="28" dur="500"/>
+                                        <p:tgtEl>
+                                          <p:spTgt spid="4">
+                                            <p:txEl>
+                                              <p:pRg st="4" end="4"/>
+                                            </p:txEl>
+                                          </p:spTgt>
+                                        </p:tgtEl>
+                                      </p:cBhvr>
+                                    </p:animEffect>
+                                  </p:childTnLst>
+                                </p:cTn>
+                              </p:par>
+                            </p:childTnLst>
+                          </p:cTn>
+                        </p:par>
+                      </p:childTnLst>
+                    </p:cTn>
+                  </p:par>
+                  <p:par>
+                    <p:cTn id="29" fill="hold">
+                      <p:stCondLst>
+                        <p:cond delay="indefinite"/>
+                      </p:stCondLst>
+                      <p:childTnLst>
+                        <p:par>
+                          <p:cTn id="30" fill="hold">
+                            <p:stCondLst>
+                              <p:cond delay="0"/>
+                            </p:stCondLst>
+                            <p:childTnLst>
+                              <p:par>
+                                <p:cTn id="31" presetID="10" presetClass="entr" presetSubtype="0" fill="hold" nodeType="clickEffect">
+                                  <p:stCondLst>
+                                    <p:cond delay="0"/>
+                                  </p:stCondLst>
+                                  <p:childTnLst>
+                                    <p:set>
+                                      <p:cBhvr>
+                                        <p:cTn id="32" dur="1" fill="hold">
+                                          <p:stCondLst>
+                                            <p:cond delay="0"/>
+                                          </p:stCondLst>
+                                        </p:cTn>
+                                        <p:tgtEl>
+                                          <p:spTgt spid="4">
+                                            <p:txEl>
+                                              <p:pRg st="6" end="6"/>
+                                            </p:txEl>
+                                          </p:spTgt>
+                                        </p:tgtEl>
+                                        <p:attrNameLst>
+                                          <p:attrName>style.visibility</p:attrName>
+                                        </p:attrNameLst>
+                                      </p:cBhvr>
+                                      <p:to>
+                                        <p:strVal val="visible"/>
+                                      </p:to>
+                                    </p:set>
+                                    <p:animEffect transition="in" filter="fade">
+                                      <p:cBhvr>
+                                        <p:cTn id="33" dur="500"/>
                                         <p:tgtEl>
                                           <p:spTgt spid="4">
                                             <p:txEl>
@@ -7818,7 +9617,11 @@
                                           </p:stCondLst>
                                         </p:cTn>
                                         <p:tgtEl>
-                                          <p:spTgt spid="21"/>
+                                          <p:spTgt spid="4">
+                                            <p:txEl>
+                                              <p:pRg st="0" end="0"/>
+                                            </p:txEl>
+                                          </p:spTgt>
                                         </p:tgtEl>
                                         <p:attrNameLst>
                                           <p:attrName>style.visibility</p:attrName>
@@ -7832,7 +9635,315 @@
                                       <p:cBhvr>
                                         <p:cTn id="7" dur="500"/>
                                         <p:tgtEl>
+                                          <p:spTgt spid="4">
+                                            <p:txEl>
+                                              <p:pRg st="0" end="0"/>
+                                            </p:txEl>
+                                          </p:spTgt>
+                                        </p:tgtEl>
+                                      </p:cBhvr>
+                                    </p:animEffect>
+                                  </p:childTnLst>
+                                </p:cTn>
+                              </p:par>
+                            </p:childTnLst>
+                          </p:cTn>
+                        </p:par>
+                      </p:childTnLst>
+                    </p:cTn>
+                  </p:par>
+                  <p:par>
+                    <p:cTn id="8" fill="hold">
+                      <p:stCondLst>
+                        <p:cond delay="indefinite"/>
+                      </p:stCondLst>
+                      <p:childTnLst>
+                        <p:par>
+                          <p:cTn id="9" fill="hold">
+                            <p:stCondLst>
+                              <p:cond delay="0"/>
+                            </p:stCondLst>
+                            <p:childTnLst>
+                              <p:par>
+                                <p:cTn id="10" presetID="10" presetClass="entr" presetSubtype="0" fill="hold" nodeType="clickEffect">
+                                  <p:stCondLst>
+                                    <p:cond delay="0"/>
+                                  </p:stCondLst>
+                                  <p:childTnLst>
+                                    <p:set>
+                                      <p:cBhvr>
+                                        <p:cTn id="11" dur="1" fill="hold">
+                                          <p:stCondLst>
+                                            <p:cond delay="0"/>
+                                          </p:stCondLst>
+                                        </p:cTn>
+                                        <p:tgtEl>
+                                          <p:spTgt spid="4">
+                                            <p:txEl>
+                                              <p:pRg st="2" end="2"/>
+                                            </p:txEl>
+                                          </p:spTgt>
+                                        </p:tgtEl>
+                                        <p:attrNameLst>
+                                          <p:attrName>style.visibility</p:attrName>
+                                        </p:attrNameLst>
+                                      </p:cBhvr>
+                                      <p:to>
+                                        <p:strVal val="visible"/>
+                                      </p:to>
+                                    </p:set>
+                                    <p:animEffect transition="in" filter="fade">
+                                      <p:cBhvr>
+                                        <p:cTn id="12" dur="500"/>
+                                        <p:tgtEl>
+                                          <p:spTgt spid="4">
+                                            <p:txEl>
+                                              <p:pRg st="2" end="2"/>
+                                            </p:txEl>
+                                          </p:spTgt>
+                                        </p:tgtEl>
+                                      </p:cBhvr>
+                                    </p:animEffect>
+                                  </p:childTnLst>
+                                </p:cTn>
+                              </p:par>
+                              <p:par>
+                                <p:cTn id="13" presetID="10" presetClass="entr" presetSubtype="0" fill="hold" nodeType="withEffect">
+                                  <p:stCondLst>
+                                    <p:cond delay="0"/>
+                                  </p:stCondLst>
+                                  <p:childTnLst>
+                                    <p:set>
+                                      <p:cBhvr>
+                                        <p:cTn id="14" dur="1" fill="hold">
+                                          <p:stCondLst>
+                                            <p:cond delay="0"/>
+                                          </p:stCondLst>
+                                        </p:cTn>
+                                        <p:tgtEl>
                                           <p:spTgt spid="21"/>
+                                        </p:tgtEl>
+                                        <p:attrNameLst>
+                                          <p:attrName>style.visibility</p:attrName>
+                                        </p:attrNameLst>
+                                      </p:cBhvr>
+                                      <p:to>
+                                        <p:strVal val="visible"/>
+                                      </p:to>
+                                    </p:set>
+                                    <p:animEffect transition="in" filter="fade">
+                                      <p:cBhvr>
+                                        <p:cTn id="15" dur="500"/>
+                                        <p:tgtEl>
+                                          <p:spTgt spid="21"/>
+                                        </p:tgtEl>
+                                      </p:cBhvr>
+                                    </p:animEffect>
+                                  </p:childTnLst>
+                                </p:cTn>
+                              </p:par>
+                            </p:childTnLst>
+                          </p:cTn>
+                        </p:par>
+                      </p:childTnLst>
+                    </p:cTn>
+                  </p:par>
+                  <p:par>
+                    <p:cTn id="16" fill="hold">
+                      <p:stCondLst>
+                        <p:cond delay="indefinite"/>
+                      </p:stCondLst>
+                      <p:childTnLst>
+                        <p:par>
+                          <p:cTn id="17" fill="hold">
+                            <p:stCondLst>
+                              <p:cond delay="0"/>
+                            </p:stCondLst>
+                            <p:childTnLst>
+                              <p:par>
+                                <p:cTn id="18" presetID="10" presetClass="entr" presetSubtype="0" fill="hold" nodeType="clickEffect">
+                                  <p:stCondLst>
+                                    <p:cond delay="0"/>
+                                  </p:stCondLst>
+                                  <p:childTnLst>
+                                    <p:set>
+                                      <p:cBhvr>
+                                        <p:cTn id="19" dur="1" fill="hold">
+                                          <p:stCondLst>
+                                            <p:cond delay="0"/>
+                                          </p:stCondLst>
+                                        </p:cTn>
+                                        <p:tgtEl>
+                                          <p:spTgt spid="4">
+                                            <p:txEl>
+                                              <p:pRg st="4" end="4"/>
+                                            </p:txEl>
+                                          </p:spTgt>
+                                        </p:tgtEl>
+                                        <p:attrNameLst>
+                                          <p:attrName>style.visibility</p:attrName>
+                                        </p:attrNameLst>
+                                      </p:cBhvr>
+                                      <p:to>
+                                        <p:strVal val="visible"/>
+                                      </p:to>
+                                    </p:set>
+                                    <p:animEffect transition="in" filter="fade">
+                                      <p:cBhvr>
+                                        <p:cTn id="20" dur="500"/>
+                                        <p:tgtEl>
+                                          <p:spTgt spid="4">
+                                            <p:txEl>
+                                              <p:pRg st="4" end="4"/>
+                                            </p:txEl>
+                                          </p:spTgt>
+                                        </p:tgtEl>
+                                      </p:cBhvr>
+                                    </p:animEffect>
+                                  </p:childTnLst>
+                                </p:cTn>
+                              </p:par>
+                              <p:par>
+                                <p:cTn id="21" presetID="10" presetClass="entr" presetSubtype="0" fill="hold" nodeType="withEffect">
+                                  <p:stCondLst>
+                                    <p:cond delay="0"/>
+                                  </p:stCondLst>
+                                  <p:childTnLst>
+                                    <p:set>
+                                      <p:cBhvr>
+                                        <p:cTn id="22" dur="1" fill="hold">
+                                          <p:stCondLst>
+                                            <p:cond delay="0"/>
+                                          </p:stCondLst>
+                                        </p:cTn>
+                                        <p:tgtEl>
+                                          <p:spTgt spid="4">
+                                            <p:txEl>
+                                              <p:pRg st="5" end="5"/>
+                                            </p:txEl>
+                                          </p:spTgt>
+                                        </p:tgtEl>
+                                        <p:attrNameLst>
+                                          <p:attrName>style.visibility</p:attrName>
+                                        </p:attrNameLst>
+                                      </p:cBhvr>
+                                      <p:to>
+                                        <p:strVal val="visible"/>
+                                      </p:to>
+                                    </p:set>
+                                    <p:animEffect transition="in" filter="fade">
+                                      <p:cBhvr>
+                                        <p:cTn id="23" dur="500"/>
+                                        <p:tgtEl>
+                                          <p:spTgt spid="4">
+                                            <p:txEl>
+                                              <p:pRg st="5" end="5"/>
+                                            </p:txEl>
+                                          </p:spTgt>
+                                        </p:tgtEl>
+                                      </p:cBhvr>
+                                    </p:animEffect>
+                                  </p:childTnLst>
+                                </p:cTn>
+                              </p:par>
+                              <p:par>
+                                <p:cTn id="24" presetID="10" presetClass="entr" presetSubtype="0" fill="hold" nodeType="withEffect">
+                                  <p:stCondLst>
+                                    <p:cond delay="0"/>
+                                  </p:stCondLst>
+                                  <p:childTnLst>
+                                    <p:set>
+                                      <p:cBhvr>
+                                        <p:cTn id="25" dur="1" fill="hold">
+                                          <p:stCondLst>
+                                            <p:cond delay="0"/>
+                                          </p:stCondLst>
+                                        </p:cTn>
+                                        <p:tgtEl>
+                                          <p:spTgt spid="4">
+                                            <p:txEl>
+                                              <p:pRg st="6" end="6"/>
+                                            </p:txEl>
+                                          </p:spTgt>
+                                        </p:tgtEl>
+                                        <p:attrNameLst>
+                                          <p:attrName>style.visibility</p:attrName>
+                                        </p:attrNameLst>
+                                      </p:cBhvr>
+                                      <p:to>
+                                        <p:strVal val="visible"/>
+                                      </p:to>
+                                    </p:set>
+                                    <p:animEffect transition="in" filter="fade">
+                                      <p:cBhvr>
+                                        <p:cTn id="26" dur="500"/>
+                                        <p:tgtEl>
+                                          <p:spTgt spid="4">
+                                            <p:txEl>
+                                              <p:pRg st="6" end="6"/>
+                                            </p:txEl>
+                                          </p:spTgt>
+                                        </p:tgtEl>
+                                      </p:cBhvr>
+                                    </p:animEffect>
+                                  </p:childTnLst>
+                                </p:cTn>
+                              </p:par>
+                            </p:childTnLst>
+                          </p:cTn>
+                        </p:par>
+                      </p:childTnLst>
+                    </p:cTn>
+                  </p:par>
+                  <p:par>
+                    <p:cTn id="27" fill="hold">
+                      <p:stCondLst>
+                        <p:cond delay="indefinite"/>
+                      </p:stCondLst>
+                      <p:childTnLst>
+                        <p:par>
+                          <p:cTn id="28" fill="hold">
+                            <p:stCondLst>
+                              <p:cond delay="0"/>
+                            </p:stCondLst>
+                            <p:childTnLst>
+                              <p:par>
+                                <p:cTn id="29" presetID="10" presetClass="entr" presetSubtype="0" fill="hold" nodeType="clickEffect">
+                                  <p:stCondLst>
+                                    <p:cond delay="0"/>
+                                  </p:stCondLst>
+                                  <p:childTnLst>
+                                    <p:set>
+                                      <p:cBhvr>
+                                        <p:cTn id="30" dur="1" fill="hold">
+                                          <p:stCondLst>
+                                            <p:cond delay="0"/>
+                                          </p:stCondLst>
+                                        </p:cTn>
+                                        <p:tgtEl>
+                                          <p:spTgt spid="4">
+                                            <p:txEl>
+                                              <p:pRg st="8" end="8"/>
+                                            </p:txEl>
+                                          </p:spTgt>
+                                        </p:tgtEl>
+                                        <p:attrNameLst>
+                                          <p:attrName>style.visibility</p:attrName>
+                                        </p:attrNameLst>
+                                      </p:cBhvr>
+                                      <p:to>
+                                        <p:strVal val="visible"/>
+                                      </p:to>
+                                    </p:set>
+                                    <p:animEffect transition="in" filter="fade">
+                                      <p:cBhvr>
+                                        <p:cTn id="31" dur="500"/>
+                                        <p:tgtEl>
+                                          <p:spTgt spid="4">
+                                            <p:txEl>
+                                              <p:pRg st="8" end="8"/>
+                                            </p:txEl>
+                                          </p:spTgt>
                                         </p:tgtEl>
                                       </p:cBhvr>
                                     </p:animEffect>
@@ -8199,6 +10310,201 @@
   <p:clrMapOvr>
     <a:masterClrMapping/>
   </p:clrMapOvr>
+  <p:timing>
+    <p:tnLst>
+      <p:par>
+        <p:cTn id="1" dur="indefinite" restart="never" nodeType="tmRoot">
+          <p:childTnLst>
+            <p:seq concurrent="1" nextAc="seek">
+              <p:cTn id="2" dur="indefinite" nodeType="mainSeq">
+                <p:childTnLst>
+                  <p:par>
+                    <p:cTn id="3" fill="hold">
+                      <p:stCondLst>
+                        <p:cond delay="indefinite"/>
+                      </p:stCondLst>
+                      <p:childTnLst>
+                        <p:par>
+                          <p:cTn id="4" fill="hold">
+                            <p:stCondLst>
+                              <p:cond delay="0"/>
+                            </p:stCondLst>
+                            <p:childTnLst>
+                              <p:par>
+                                <p:cTn id="5" presetID="10" presetClass="entr" presetSubtype="0" fill="hold" nodeType="clickEffect">
+                                  <p:stCondLst>
+                                    <p:cond delay="0"/>
+                                  </p:stCondLst>
+                                  <p:childTnLst>
+                                    <p:set>
+                                      <p:cBhvr>
+                                        <p:cTn id="6" dur="1" fill="hold">
+                                          <p:stCondLst>
+                                            <p:cond delay="0"/>
+                                          </p:stCondLst>
+                                        </p:cTn>
+                                        <p:tgtEl>
+                                          <p:spTgt spid="4">
+                                            <p:txEl>
+                                              <p:pRg st="0" end="0"/>
+                                            </p:txEl>
+                                          </p:spTgt>
+                                        </p:tgtEl>
+                                        <p:attrNameLst>
+                                          <p:attrName>style.visibility</p:attrName>
+                                        </p:attrNameLst>
+                                      </p:cBhvr>
+                                      <p:to>
+                                        <p:strVal val="visible"/>
+                                      </p:to>
+                                    </p:set>
+                                    <p:animEffect transition="in" filter="fade">
+                                      <p:cBhvr>
+                                        <p:cTn id="7" dur="500"/>
+                                        <p:tgtEl>
+                                          <p:spTgt spid="4">
+                                            <p:txEl>
+                                              <p:pRg st="0" end="0"/>
+                                            </p:txEl>
+                                          </p:spTgt>
+                                        </p:tgtEl>
+                                      </p:cBhvr>
+                                    </p:animEffect>
+                                  </p:childTnLst>
+                                </p:cTn>
+                              </p:par>
+                            </p:childTnLst>
+                          </p:cTn>
+                        </p:par>
+                      </p:childTnLst>
+                    </p:cTn>
+                  </p:par>
+                  <p:par>
+                    <p:cTn id="8" fill="hold">
+                      <p:stCondLst>
+                        <p:cond delay="indefinite"/>
+                      </p:stCondLst>
+                      <p:childTnLst>
+                        <p:par>
+                          <p:cTn id="9" fill="hold">
+                            <p:stCondLst>
+                              <p:cond delay="0"/>
+                            </p:stCondLst>
+                            <p:childTnLst>
+                              <p:par>
+                                <p:cTn id="10" presetID="10" presetClass="entr" presetSubtype="0" fill="hold" nodeType="clickEffect">
+                                  <p:stCondLst>
+                                    <p:cond delay="0"/>
+                                  </p:stCondLst>
+                                  <p:childTnLst>
+                                    <p:set>
+                                      <p:cBhvr>
+                                        <p:cTn id="11" dur="1" fill="hold">
+                                          <p:stCondLst>
+                                            <p:cond delay="0"/>
+                                          </p:stCondLst>
+                                        </p:cTn>
+                                        <p:tgtEl>
+                                          <p:spTgt spid="4">
+                                            <p:txEl>
+                                              <p:pRg st="2" end="2"/>
+                                            </p:txEl>
+                                          </p:spTgt>
+                                        </p:tgtEl>
+                                        <p:attrNameLst>
+                                          <p:attrName>style.visibility</p:attrName>
+                                        </p:attrNameLst>
+                                      </p:cBhvr>
+                                      <p:to>
+                                        <p:strVal val="visible"/>
+                                      </p:to>
+                                    </p:set>
+                                    <p:animEffect transition="in" filter="fade">
+                                      <p:cBhvr>
+                                        <p:cTn id="12" dur="500"/>
+                                        <p:tgtEl>
+                                          <p:spTgt spid="4">
+                                            <p:txEl>
+                                              <p:pRg st="2" end="2"/>
+                                            </p:txEl>
+                                          </p:spTgt>
+                                        </p:tgtEl>
+                                      </p:cBhvr>
+                                    </p:animEffect>
+                                  </p:childTnLst>
+                                </p:cTn>
+                              </p:par>
+                              <p:par>
+                                <p:cTn id="13" presetID="10" presetClass="entr" presetSubtype="0" fill="hold" nodeType="withEffect">
+                                  <p:stCondLst>
+                                    <p:cond delay="0"/>
+                                  </p:stCondLst>
+                                  <p:childTnLst>
+                                    <p:set>
+                                      <p:cBhvr>
+                                        <p:cTn id="14" dur="1" fill="hold">
+                                          <p:stCondLst>
+                                            <p:cond delay="0"/>
+                                          </p:stCondLst>
+                                        </p:cTn>
+                                        <p:tgtEl>
+                                          <p:spTgt spid="4">
+                                            <p:txEl>
+                                              <p:pRg st="4" end="4"/>
+                                            </p:txEl>
+                                          </p:spTgt>
+                                        </p:tgtEl>
+                                        <p:attrNameLst>
+                                          <p:attrName>style.visibility</p:attrName>
+                                        </p:attrNameLst>
+                                      </p:cBhvr>
+                                      <p:to>
+                                        <p:strVal val="visible"/>
+                                      </p:to>
+                                    </p:set>
+                                    <p:animEffect transition="in" filter="fade">
+                                      <p:cBhvr>
+                                        <p:cTn id="15" dur="500"/>
+                                        <p:tgtEl>
+                                          <p:spTgt spid="4">
+                                            <p:txEl>
+                                              <p:pRg st="4" end="4"/>
+                                            </p:txEl>
+                                          </p:spTgt>
+                                        </p:tgtEl>
+                                      </p:cBhvr>
+                                    </p:animEffect>
+                                  </p:childTnLst>
+                                </p:cTn>
+                              </p:par>
+                            </p:childTnLst>
+                          </p:cTn>
+                        </p:par>
+                      </p:childTnLst>
+                    </p:cTn>
+                  </p:par>
+                </p:childTnLst>
+              </p:cTn>
+              <p:prevCondLst>
+                <p:cond evt="onPrev" delay="0">
+                  <p:tgtEl>
+                    <p:sldTgt/>
+                  </p:tgtEl>
+                </p:cond>
+              </p:prevCondLst>
+              <p:nextCondLst>
+                <p:cond evt="onNext" delay="0">
+                  <p:tgtEl>
+                    <p:sldTgt/>
+                  </p:tgtEl>
+                </p:cond>
+              </p:nextCondLst>
+            </p:seq>
+          </p:childTnLst>
+        </p:cTn>
+      </p:par>
+    </p:tnLst>
+  </p:timing>
 </p:sld>
 </file>
 
@@ -8649,6 +10955,463 @@
   <p:clrMapOvr>
     <a:masterClrMapping/>
   </p:clrMapOvr>
+  <p:timing>
+    <p:tnLst>
+      <p:par>
+        <p:cTn id="1" dur="indefinite" restart="never" nodeType="tmRoot">
+          <p:childTnLst>
+            <p:seq concurrent="1" nextAc="seek">
+              <p:cTn id="2" dur="indefinite" nodeType="mainSeq">
+                <p:childTnLst>
+                  <p:par>
+                    <p:cTn id="3" fill="hold">
+                      <p:stCondLst>
+                        <p:cond delay="indefinite"/>
+                      </p:stCondLst>
+                      <p:childTnLst>
+                        <p:par>
+                          <p:cTn id="4" fill="hold">
+                            <p:stCondLst>
+                              <p:cond delay="0"/>
+                            </p:stCondLst>
+                            <p:childTnLst>
+                              <p:par>
+                                <p:cTn id="5" presetID="10" presetClass="entr" presetSubtype="0" fill="hold" nodeType="clickEffect">
+                                  <p:stCondLst>
+                                    <p:cond delay="0"/>
+                                  </p:stCondLst>
+                                  <p:childTnLst>
+                                    <p:set>
+                                      <p:cBhvr>
+                                        <p:cTn id="6" dur="1" fill="hold">
+                                          <p:stCondLst>
+                                            <p:cond delay="0"/>
+                                          </p:stCondLst>
+                                        </p:cTn>
+                                        <p:tgtEl>
+                                          <p:spTgt spid="3">
+                                            <p:txEl>
+                                              <p:pRg st="0" end="0"/>
+                                            </p:txEl>
+                                          </p:spTgt>
+                                        </p:tgtEl>
+                                        <p:attrNameLst>
+                                          <p:attrName>style.visibility</p:attrName>
+                                        </p:attrNameLst>
+                                      </p:cBhvr>
+                                      <p:to>
+                                        <p:strVal val="visible"/>
+                                      </p:to>
+                                    </p:set>
+                                    <p:animEffect transition="in" filter="fade">
+                                      <p:cBhvr>
+                                        <p:cTn id="7" dur="500"/>
+                                        <p:tgtEl>
+                                          <p:spTgt spid="3">
+                                            <p:txEl>
+                                              <p:pRg st="0" end="0"/>
+                                            </p:txEl>
+                                          </p:spTgt>
+                                        </p:tgtEl>
+                                      </p:cBhvr>
+                                    </p:animEffect>
+                                  </p:childTnLst>
+                                </p:cTn>
+                              </p:par>
+                            </p:childTnLst>
+                          </p:cTn>
+                        </p:par>
+                      </p:childTnLst>
+                    </p:cTn>
+                  </p:par>
+                  <p:par>
+                    <p:cTn id="8" fill="hold">
+                      <p:stCondLst>
+                        <p:cond delay="indefinite"/>
+                      </p:stCondLst>
+                      <p:childTnLst>
+                        <p:par>
+                          <p:cTn id="9" fill="hold">
+                            <p:stCondLst>
+                              <p:cond delay="0"/>
+                            </p:stCondLst>
+                            <p:childTnLst>
+                              <p:par>
+                                <p:cTn id="10" presetID="10" presetClass="entr" presetSubtype="0" fill="hold" nodeType="clickEffect">
+                                  <p:stCondLst>
+                                    <p:cond delay="0"/>
+                                  </p:stCondLst>
+                                  <p:childTnLst>
+                                    <p:set>
+                                      <p:cBhvr>
+                                        <p:cTn id="11" dur="1" fill="hold">
+                                          <p:stCondLst>
+                                            <p:cond delay="0"/>
+                                          </p:stCondLst>
+                                        </p:cTn>
+                                        <p:tgtEl>
+                                          <p:spTgt spid="3">
+                                            <p:txEl>
+                                              <p:pRg st="2" end="2"/>
+                                            </p:txEl>
+                                          </p:spTgt>
+                                        </p:tgtEl>
+                                        <p:attrNameLst>
+                                          <p:attrName>style.visibility</p:attrName>
+                                        </p:attrNameLst>
+                                      </p:cBhvr>
+                                      <p:to>
+                                        <p:strVal val="visible"/>
+                                      </p:to>
+                                    </p:set>
+                                    <p:animEffect transition="in" filter="fade">
+                                      <p:cBhvr>
+                                        <p:cTn id="12" dur="500"/>
+                                        <p:tgtEl>
+                                          <p:spTgt spid="3">
+                                            <p:txEl>
+                                              <p:pRg st="2" end="2"/>
+                                            </p:txEl>
+                                          </p:spTgt>
+                                        </p:tgtEl>
+                                      </p:cBhvr>
+                                    </p:animEffect>
+                                  </p:childTnLst>
+                                </p:cTn>
+                              </p:par>
+                            </p:childTnLst>
+                          </p:cTn>
+                        </p:par>
+                      </p:childTnLst>
+                    </p:cTn>
+                  </p:par>
+                  <p:par>
+                    <p:cTn id="13" fill="hold">
+                      <p:stCondLst>
+                        <p:cond delay="indefinite"/>
+                      </p:stCondLst>
+                      <p:childTnLst>
+                        <p:par>
+                          <p:cTn id="14" fill="hold">
+                            <p:stCondLst>
+                              <p:cond delay="0"/>
+                            </p:stCondLst>
+                            <p:childTnLst>
+                              <p:par>
+                                <p:cTn id="15" presetID="10" presetClass="entr" presetSubtype="0" fill="hold" nodeType="clickEffect">
+                                  <p:stCondLst>
+                                    <p:cond delay="0"/>
+                                  </p:stCondLst>
+                                  <p:childTnLst>
+                                    <p:set>
+                                      <p:cBhvr>
+                                        <p:cTn id="16" dur="1" fill="hold">
+                                          <p:stCondLst>
+                                            <p:cond delay="0"/>
+                                          </p:stCondLst>
+                                        </p:cTn>
+                                        <p:tgtEl>
+                                          <p:spTgt spid="3">
+                                            <p:txEl>
+                                              <p:pRg st="4" end="4"/>
+                                            </p:txEl>
+                                          </p:spTgt>
+                                        </p:tgtEl>
+                                        <p:attrNameLst>
+                                          <p:attrName>style.visibility</p:attrName>
+                                        </p:attrNameLst>
+                                      </p:cBhvr>
+                                      <p:to>
+                                        <p:strVal val="visible"/>
+                                      </p:to>
+                                    </p:set>
+                                    <p:animEffect transition="in" filter="fade">
+                                      <p:cBhvr>
+                                        <p:cTn id="17" dur="500"/>
+                                        <p:tgtEl>
+                                          <p:spTgt spid="3">
+                                            <p:txEl>
+                                              <p:pRg st="4" end="4"/>
+                                            </p:txEl>
+                                          </p:spTgt>
+                                        </p:tgtEl>
+                                      </p:cBhvr>
+                                    </p:animEffect>
+                                  </p:childTnLst>
+                                </p:cTn>
+                              </p:par>
+                            </p:childTnLst>
+                          </p:cTn>
+                        </p:par>
+                      </p:childTnLst>
+                    </p:cTn>
+                  </p:par>
+                  <p:par>
+                    <p:cTn id="18" fill="hold">
+                      <p:stCondLst>
+                        <p:cond delay="indefinite"/>
+                      </p:stCondLst>
+                      <p:childTnLst>
+                        <p:par>
+                          <p:cTn id="19" fill="hold">
+                            <p:stCondLst>
+                              <p:cond delay="0"/>
+                            </p:stCondLst>
+                            <p:childTnLst>
+                              <p:par>
+                                <p:cTn id="20" presetID="10" presetClass="entr" presetSubtype="0" fill="hold" nodeType="clickEffect">
+                                  <p:stCondLst>
+                                    <p:cond delay="0"/>
+                                  </p:stCondLst>
+                                  <p:childTnLst>
+                                    <p:set>
+                                      <p:cBhvr>
+                                        <p:cTn id="21" dur="1" fill="hold">
+                                          <p:stCondLst>
+                                            <p:cond delay="0"/>
+                                          </p:stCondLst>
+                                        </p:cTn>
+                                        <p:tgtEl>
+                                          <p:spTgt spid="3">
+                                            <p:txEl>
+                                              <p:pRg st="6" end="6"/>
+                                            </p:txEl>
+                                          </p:spTgt>
+                                        </p:tgtEl>
+                                        <p:attrNameLst>
+                                          <p:attrName>style.visibility</p:attrName>
+                                        </p:attrNameLst>
+                                      </p:cBhvr>
+                                      <p:to>
+                                        <p:strVal val="visible"/>
+                                      </p:to>
+                                    </p:set>
+                                    <p:animEffect transition="in" filter="fade">
+                                      <p:cBhvr>
+                                        <p:cTn id="22" dur="500"/>
+                                        <p:tgtEl>
+                                          <p:spTgt spid="3">
+                                            <p:txEl>
+                                              <p:pRg st="6" end="6"/>
+                                            </p:txEl>
+                                          </p:spTgt>
+                                        </p:tgtEl>
+                                      </p:cBhvr>
+                                    </p:animEffect>
+                                  </p:childTnLst>
+                                </p:cTn>
+                              </p:par>
+                            </p:childTnLst>
+                          </p:cTn>
+                        </p:par>
+                      </p:childTnLst>
+                    </p:cTn>
+                  </p:par>
+                  <p:par>
+                    <p:cTn id="23" fill="hold">
+                      <p:stCondLst>
+                        <p:cond delay="indefinite"/>
+                      </p:stCondLst>
+                      <p:childTnLst>
+                        <p:par>
+                          <p:cTn id="24" fill="hold">
+                            <p:stCondLst>
+                              <p:cond delay="0"/>
+                            </p:stCondLst>
+                            <p:childTnLst>
+                              <p:par>
+                                <p:cTn id="25" presetID="10" presetClass="entr" presetSubtype="0" fill="hold" nodeType="clickEffect">
+                                  <p:stCondLst>
+                                    <p:cond delay="0"/>
+                                  </p:stCondLst>
+                                  <p:childTnLst>
+                                    <p:set>
+                                      <p:cBhvr>
+                                        <p:cTn id="26" dur="1" fill="hold">
+                                          <p:stCondLst>
+                                            <p:cond delay="0"/>
+                                          </p:stCondLst>
+                                        </p:cTn>
+                                        <p:tgtEl>
+                                          <p:spTgt spid="3">
+                                            <p:txEl>
+                                              <p:pRg st="8" end="8"/>
+                                            </p:txEl>
+                                          </p:spTgt>
+                                        </p:tgtEl>
+                                        <p:attrNameLst>
+                                          <p:attrName>style.visibility</p:attrName>
+                                        </p:attrNameLst>
+                                      </p:cBhvr>
+                                      <p:to>
+                                        <p:strVal val="visible"/>
+                                      </p:to>
+                                    </p:set>
+                                    <p:animEffect transition="in" filter="fade">
+                                      <p:cBhvr>
+                                        <p:cTn id="27" dur="500"/>
+                                        <p:tgtEl>
+                                          <p:spTgt spid="3">
+                                            <p:txEl>
+                                              <p:pRg st="8" end="8"/>
+                                            </p:txEl>
+                                          </p:spTgt>
+                                        </p:tgtEl>
+                                      </p:cBhvr>
+                                    </p:animEffect>
+                                  </p:childTnLst>
+                                </p:cTn>
+                              </p:par>
+                            </p:childTnLst>
+                          </p:cTn>
+                        </p:par>
+                      </p:childTnLst>
+                    </p:cTn>
+                  </p:par>
+                  <p:par>
+                    <p:cTn id="28" fill="hold">
+                      <p:stCondLst>
+                        <p:cond delay="indefinite"/>
+                      </p:stCondLst>
+                      <p:childTnLst>
+                        <p:par>
+                          <p:cTn id="29" fill="hold">
+                            <p:stCondLst>
+                              <p:cond delay="0"/>
+                            </p:stCondLst>
+                            <p:childTnLst>
+                              <p:par>
+                                <p:cTn id="30" presetID="10" presetClass="entr" presetSubtype="0" fill="hold" nodeType="clickEffect">
+                                  <p:stCondLst>
+                                    <p:cond delay="0"/>
+                                  </p:stCondLst>
+                                  <p:childTnLst>
+                                    <p:set>
+                                      <p:cBhvr>
+                                        <p:cTn id="31" dur="1" fill="hold">
+                                          <p:stCondLst>
+                                            <p:cond delay="0"/>
+                                          </p:stCondLst>
+                                        </p:cTn>
+                                        <p:tgtEl>
+                                          <p:spTgt spid="3">
+                                            <p:txEl>
+                                              <p:pRg st="10" end="10"/>
+                                            </p:txEl>
+                                          </p:spTgt>
+                                        </p:tgtEl>
+                                        <p:attrNameLst>
+                                          <p:attrName>style.visibility</p:attrName>
+                                        </p:attrNameLst>
+                                      </p:cBhvr>
+                                      <p:to>
+                                        <p:strVal val="visible"/>
+                                      </p:to>
+                                    </p:set>
+                                    <p:animEffect transition="in" filter="fade">
+                                      <p:cBhvr>
+                                        <p:cTn id="32" dur="500"/>
+                                        <p:tgtEl>
+                                          <p:spTgt spid="3">
+                                            <p:txEl>
+                                              <p:pRg st="10" end="10"/>
+                                            </p:txEl>
+                                          </p:spTgt>
+                                        </p:tgtEl>
+                                      </p:cBhvr>
+                                    </p:animEffect>
+                                  </p:childTnLst>
+                                </p:cTn>
+                              </p:par>
+                            </p:childTnLst>
+                          </p:cTn>
+                        </p:par>
+                      </p:childTnLst>
+                    </p:cTn>
+                  </p:par>
+                  <p:par>
+                    <p:cTn id="33" fill="hold">
+                      <p:stCondLst>
+                        <p:cond delay="indefinite"/>
+                      </p:stCondLst>
+                      <p:childTnLst>
+                        <p:par>
+                          <p:cTn id="34" fill="hold">
+                            <p:stCondLst>
+                              <p:cond delay="0"/>
+                            </p:stCondLst>
+                            <p:childTnLst>
+                              <p:par>
+                                <p:cTn id="35" presetID="10" presetClass="entr" presetSubtype="0" fill="hold" nodeType="clickEffect">
+                                  <p:stCondLst>
+                                    <p:cond delay="0"/>
+                                  </p:stCondLst>
+                                  <p:childTnLst>
+                                    <p:set>
+                                      <p:cBhvr>
+                                        <p:cTn id="36" dur="1" fill="hold">
+                                          <p:stCondLst>
+                                            <p:cond delay="0"/>
+                                          </p:stCondLst>
+                                        </p:cTn>
+                                        <p:tgtEl>
+                                          <p:spTgt spid="3">
+                                            <p:txEl>
+                                              <p:pRg st="12" end="12"/>
+                                            </p:txEl>
+                                          </p:spTgt>
+                                        </p:tgtEl>
+                                        <p:attrNameLst>
+                                          <p:attrName>style.visibility</p:attrName>
+                                        </p:attrNameLst>
+                                      </p:cBhvr>
+                                      <p:to>
+                                        <p:strVal val="visible"/>
+                                      </p:to>
+                                    </p:set>
+                                    <p:animEffect transition="in" filter="fade">
+                                      <p:cBhvr>
+                                        <p:cTn id="37" dur="500"/>
+                                        <p:tgtEl>
+                                          <p:spTgt spid="3">
+                                            <p:txEl>
+                                              <p:pRg st="12" end="12"/>
+                                            </p:txEl>
+                                          </p:spTgt>
+                                        </p:tgtEl>
+                                      </p:cBhvr>
+                                    </p:animEffect>
+                                  </p:childTnLst>
+                                </p:cTn>
+                              </p:par>
+                            </p:childTnLst>
+                          </p:cTn>
+                        </p:par>
+                      </p:childTnLst>
+                    </p:cTn>
+                  </p:par>
+                </p:childTnLst>
+              </p:cTn>
+              <p:prevCondLst>
+                <p:cond evt="onPrev" delay="0">
+                  <p:tgtEl>
+                    <p:sldTgt/>
+                  </p:tgtEl>
+                </p:cond>
+              </p:prevCondLst>
+              <p:nextCondLst>
+                <p:cond evt="onNext" delay="0">
+                  <p:tgtEl>
+                    <p:sldTgt/>
+                  </p:tgtEl>
+                </p:cond>
+              </p:nextCondLst>
+            </p:seq>
+          </p:childTnLst>
+        </p:cTn>
+      </p:par>
+    </p:tnLst>
+  </p:timing>
 </p:sld>
 </file>
 
@@ -8955,33 +11718,15 @@
                                   </p:childTnLst>
                                 </p:cTn>
                               </p:par>
-                            </p:childTnLst>
-                          </p:cTn>
-                        </p:par>
-                      </p:childTnLst>
-                    </p:cTn>
-                  </p:par>
-                  <p:par>
-                    <p:cTn id="8" fill="hold">
-                      <p:stCondLst>
-                        <p:cond delay="indefinite"/>
-                      </p:stCondLst>
-                      <p:childTnLst>
-                        <p:par>
-                          <p:cTn id="9" fill="hold">
-                            <p:stCondLst>
-                              <p:cond delay="0"/>
-                            </p:stCondLst>
-                            <p:childTnLst>
                               <p:par>
-                                <p:cTn id="10" presetID="10" presetClass="entr" presetSubtype="0" fill="hold" nodeType="clickEffect">
+                                <p:cTn id="8" presetID="10" presetClass="entr" presetSubtype="0" fill="hold" nodeType="withEffect">
                                   <p:stCondLst>
                                     <p:cond delay="0"/>
                                   </p:stCondLst>
                                   <p:childTnLst>
                                     <p:set>
                                       <p:cBhvr>
-                                        <p:cTn id="11" dur="1" fill="hold">
+                                        <p:cTn id="9" dur="1" fill="hold">
                                           <p:stCondLst>
                                             <p:cond delay="0"/>
                                           </p:stCondLst>
@@ -9003,11 +11748,54 @@
                                     </p:set>
                                     <p:animEffect transition="in" filter="fade">
                                       <p:cBhvr>
-                                        <p:cTn id="12" dur="500"/>
+                                        <p:cTn id="10" dur="500"/>
                                         <p:tgtEl>
                                           <p:spTgt spid="3">
                                             <p:txEl>
                                               <p:pRg st="1" end="1"/>
+                                            </p:txEl>
+                                          </p:spTgt>
+                                        </p:tgtEl>
+                                      </p:cBhvr>
+                                    </p:animEffect>
+                                  </p:childTnLst>
+                                </p:cTn>
+                              </p:par>
+                              <p:par>
+                                <p:cTn id="11" presetID="10" presetClass="entr" presetSubtype="0" fill="hold" nodeType="withEffect">
+                                  <p:stCondLst>
+                                    <p:cond delay="0"/>
+                                  </p:stCondLst>
+                                  <p:childTnLst>
+                                    <p:set>
+                                      <p:cBhvr>
+                                        <p:cTn id="12" dur="1" fill="hold">
+                                          <p:stCondLst>
+                                            <p:cond delay="0"/>
+                                          </p:stCondLst>
+                                        </p:cTn>
+                                        <p:tgtEl>
+                                          <p:spTgt spid="3">
+                                            <p:txEl>
+                                              <p:pRg st="2" end="2"/>
+                                            </p:txEl>
+                                          </p:spTgt>
+                                        </p:tgtEl>
+                                        <p:attrNameLst>
+                                          <p:attrName>style.visibility</p:attrName>
+                                        </p:attrNameLst>
+                                      </p:cBhvr>
+                                      <p:to>
+                                        <p:strVal val="visible"/>
+                                      </p:to>
+                                    </p:set>
+                                    <p:animEffect transition="in" filter="fade">
+                                      <p:cBhvr>
+                                        <p:cTn id="13" dur="500"/>
+                                        <p:tgtEl>
+                                          <p:spTgt spid="3">
+                                            <p:txEl>
+                                              <p:pRg st="2" end="2"/>
                                             </p:txEl>
                                           </p:spTgt>
                                         </p:tgtEl>
@@ -9023,26 +11811,26 @@
                     </p:cTn>
                   </p:par>
                   <p:par>
-                    <p:cTn id="13" fill="hold">
+                    <p:cTn id="14" fill="hold">
                       <p:stCondLst>
                         <p:cond delay="indefinite"/>
                       </p:stCondLst>
                       <p:childTnLst>
                         <p:par>
-                          <p:cTn id="14" fill="hold">
+                          <p:cTn id="15" fill="hold">
                             <p:stCondLst>
                               <p:cond delay="0"/>
                             </p:stCondLst>
                             <p:childTnLst>
                               <p:par>
-                                <p:cTn id="15" presetID="10" presetClass="entr" presetSubtype="0" fill="hold" nodeType="clickEffect">
+                                <p:cTn id="16" presetID="10" presetClass="entr" presetSubtype="0" fill="hold" nodeType="clickEffect">
                                   <p:stCondLst>
                                     <p:cond delay="0"/>
                                   </p:stCondLst>
                                   <p:childTnLst>
                                     <p:set>
                                       <p:cBhvr>
-                                        <p:cTn id="16" dur="1" fill="hold">
+                                        <p:cTn id="17" dur="1" fill="hold">
                                           <p:stCondLst>
                                             <p:cond delay="0"/>
                                           </p:stCondLst>
@@ -9050,7 +11838,7 @@
                                         <p:tgtEl>
                                           <p:spTgt spid="3">
                                             <p:txEl>
-                                              <p:pRg st="2" end="2"/>
+                                              <p:pRg st="4" end="4"/>
                                             </p:txEl>
                                           </p:spTgt>
                                         </p:tgtEl>
@@ -9064,11 +11852,97 @@
                                     </p:set>
                                     <p:animEffect transition="in" filter="fade">
                                       <p:cBhvr>
-                                        <p:cTn id="17" dur="500"/>
+                                        <p:cTn id="18" dur="500"/>
                                         <p:tgtEl>
                                           <p:spTgt spid="3">
                                             <p:txEl>
-                                              <p:pRg st="2" end="2"/>
+                                              <p:pRg st="4" end="4"/>
+                                            </p:txEl>
+                                          </p:spTgt>
+                                        </p:tgtEl>
+                                      </p:cBhvr>
+                                    </p:animEffect>
+                                  </p:childTnLst>
+                                </p:cTn>
+                              </p:par>
+                              <p:par>
+                                <p:cTn id="19" presetID="10" presetClass="entr" presetSubtype="0" fill="hold" nodeType="withEffect">
+                                  <p:stCondLst>
+                                    <p:cond delay="0"/>
+                                  </p:stCondLst>
+                                  <p:childTnLst>
+                                    <p:set>
+                                      <p:cBhvr>
+                                        <p:cTn id="20" dur="1" fill="hold">
+                                          <p:stCondLst>
+                                            <p:cond delay="0"/>
+                                          </p:stCondLst>
+                                        </p:cTn>
+                                        <p:tgtEl>
+                                          <p:spTgt spid="3">
+                                            <p:txEl>
+                                              <p:pRg st="5" end="5"/>
+                                            </p:txEl>
+                                          </p:spTgt>
+                                        </p:tgtEl>
+                                        <p:attrNameLst>
+                                          <p:attrName>style.visibility</p:attrName>
+                                        </p:attrNameLst>
+                                      </p:cBhvr>
+                                      <p:to>
+                                        <p:strVal val="visible"/>
+                                      </p:to>
+                                    </p:set>
+                                    <p:animEffect transition="in" filter="fade">
+                                      <p:cBhvr>
+                                        <p:cTn id="21" dur="500"/>
+                                        <p:tgtEl>
+                                          <p:spTgt spid="3">
+                                            <p:txEl>
+                                              <p:pRg st="5" end="5"/>
+                                            </p:txEl>
+                                          </p:spTgt>
+                                        </p:tgtEl>
+                                      </p:cBhvr>
+                                    </p:animEffect>
+                                  </p:childTnLst>
+                                </p:cTn>
+                              </p:par>
+                              <p:par>
+                                <p:cTn id="22" presetID="10" presetClass="entr" presetSubtype="0" fill="hold" nodeType="withEffect">
+                                  <p:stCondLst>
+                                    <p:cond delay="0"/>
+                                  </p:stCondLst>
+                                  <p:childTnLst>
+                                    <p:set>
+                                      <p:cBhvr>
+                                        <p:cTn id="23" dur="1" fill="hold">
+                                          <p:stCondLst>
+                                            <p:cond delay="0"/>
+                                          </p:stCondLst>
+                                        </p:cTn>
+                                        <p:tgtEl>
+                                          <p:spTgt spid="3">
+                                            <p:txEl>
+                                              <p:pRg st="6" end="6"/>
+                                            </p:txEl>
+                                          </p:spTgt>
+                                        </p:tgtEl>
+                                        <p:attrNameLst>
+                                          <p:attrName>style.visibility</p:attrName>
+                                        </p:attrNameLst>
+                                      </p:cBhvr>
+                                      <p:to>
+                                        <p:strVal val="visible"/>
+                                      </p:to>
+                                    </p:set>
+                                    <p:animEffect transition="in" filter="fade">
+                                      <p:cBhvr>
+                                        <p:cTn id="24" dur="500"/>
+                                        <p:tgtEl>
+                                          <p:spTgt spid="3">
+                                            <p:txEl>
+                                              <p:pRg st="6" end="6"/>
                                             </p:txEl>
                                           </p:spTgt>
                                         </p:tgtEl>
@@ -9084,26 +11958,26 @@
                     </p:cTn>
                   </p:par>
                   <p:par>
-                    <p:cTn id="18" fill="hold">
+                    <p:cTn id="25" fill="hold">
                       <p:stCondLst>
                         <p:cond delay="indefinite"/>
                       </p:stCondLst>
                       <p:childTnLst>
                         <p:par>
-                          <p:cTn id="19" fill="hold">
+                          <p:cTn id="26" fill="hold">
                             <p:stCondLst>
                               <p:cond delay="0"/>
                             </p:stCondLst>
                             <p:childTnLst>
                               <p:par>
-                                <p:cTn id="20" presetID="10" presetClass="entr" presetSubtype="0" fill="hold" nodeType="clickEffect">
+                                <p:cTn id="27" presetID="10" presetClass="entr" presetSubtype="0" fill="hold" nodeType="clickEffect">
                                   <p:stCondLst>
                                     <p:cond delay="0"/>
                                   </p:stCondLst>
                                   <p:childTnLst>
                                     <p:set>
                                       <p:cBhvr>
-                                        <p:cTn id="21" dur="1" fill="hold">
+                                        <p:cTn id="28" dur="1" fill="hold">
                                           <p:stCondLst>
                                             <p:cond delay="0"/>
                                           </p:stCondLst>
@@ -9111,7 +11985,7 @@
                                         <p:tgtEl>
                                           <p:spTgt spid="3">
                                             <p:txEl>
-                                              <p:pRg st="4" end="4"/>
+                                              <p:pRg st="8" end="8"/>
                                             </p:txEl>
                                           </p:spTgt>
                                         </p:tgtEl>
@@ -9125,11 +11999,11 @@
                                     </p:set>
                                     <p:animEffect transition="in" filter="fade">
                                       <p:cBhvr>
-                                        <p:cTn id="22" dur="500"/>
+                                        <p:cTn id="29" dur="500"/>
                                         <p:tgtEl>
                                           <p:spTgt spid="3">
                                             <p:txEl>
-                                              <p:pRg st="4" end="4"/>
+                                              <p:pRg st="8" end="8"/>
                                             </p:txEl>
                                           </p:spTgt>
                                         </p:tgtEl>
@@ -9138,33 +12012,15 @@
                                   </p:childTnLst>
                                 </p:cTn>
                               </p:par>
-                            </p:childTnLst>
-                          </p:cTn>
-                        </p:par>
-                      </p:childTnLst>
-                    </p:cTn>
-                  </p:par>
-                  <p:par>
-                    <p:cTn id="23" fill="hold">
-                      <p:stCondLst>
-                        <p:cond delay="indefinite"/>
-                      </p:stCondLst>
-                      <p:childTnLst>
-                        <p:par>
-                          <p:cTn id="24" fill="hold">
-                            <p:stCondLst>
-                              <p:cond delay="0"/>
-                            </p:stCondLst>
-                            <p:childTnLst>
                               <p:par>
-                                <p:cTn id="25" presetID="10" presetClass="entr" presetSubtype="0" fill="hold" nodeType="clickEffect">
+                                <p:cTn id="30" presetID="10" presetClass="entr" presetSubtype="0" fill="hold" nodeType="withEffect">
                                   <p:stCondLst>
                                     <p:cond delay="0"/>
                                   </p:stCondLst>
                                   <p:childTnLst>
                                     <p:set>
                                       <p:cBhvr>
-                                        <p:cTn id="26" dur="1" fill="hold">
+                                        <p:cTn id="31" dur="1" fill="hold">
                                           <p:stCondLst>
                                             <p:cond delay="0"/>
                                           </p:stCondLst>
@@ -9172,7 +12028,7 @@
                                         <p:tgtEl>
                                           <p:spTgt spid="3">
                                             <p:txEl>
-                                              <p:pRg st="5" end="5"/>
+                                              <p:pRg st="9" end="9"/>
                                             </p:txEl>
                                           </p:spTgt>
                                         </p:tgtEl>
@@ -9186,190 +12042,7 @@
                                     </p:set>
                                     <p:animEffect transition="in" filter="fade">
                                       <p:cBhvr>
-                                        <p:cTn id="27" dur="500"/>
-                                        <p:tgtEl>
-                                          <p:spTgt spid="3">
-                                            <p:txEl>
-                                              <p:pRg st="5" end="5"/>
-                                            </p:txEl>
-                                          </p:spTgt>
-                                        </p:tgtEl>
-                                      </p:cBhvr>
-                                    </p:animEffect>
-                                  </p:childTnLst>
-                                </p:cTn>
-                              </p:par>
-                            </p:childTnLst>
-                          </p:cTn>
-                        </p:par>
-                      </p:childTnLst>
-                    </p:cTn>
-                  </p:par>
-                  <p:par>
-                    <p:cTn id="28" fill="hold">
-                      <p:stCondLst>
-                        <p:cond delay="indefinite"/>
-                      </p:stCondLst>
-                      <p:childTnLst>
-                        <p:par>
-                          <p:cTn id="29" fill="hold">
-                            <p:stCondLst>
-                              <p:cond delay="0"/>
-                            </p:stCondLst>
-                            <p:childTnLst>
-                              <p:par>
-                                <p:cTn id="30" presetID="10" presetClass="entr" presetSubtype="0" fill="hold" nodeType="clickEffect">
-                                  <p:stCondLst>
-                                    <p:cond delay="0"/>
-                                  </p:stCondLst>
-                                  <p:childTnLst>
-                                    <p:set>
-                                      <p:cBhvr>
-                                        <p:cTn id="31" dur="1" fill="hold">
-                                          <p:stCondLst>
-                                            <p:cond delay="0"/>
-                                          </p:stCondLst>
-                                        </p:cTn>
-                                        <p:tgtEl>
-                                          <p:spTgt spid="3">
-                                            <p:txEl>
-                                              <p:pRg st="6" end="6"/>
-                                            </p:txEl>
-                                          </p:spTgt>
-                                        </p:tgtEl>
-                                        <p:attrNameLst>
-                                          <p:attrName>style.visibility</p:attrName>
-                                        </p:attrNameLst>
-                                      </p:cBhvr>
-                                      <p:to>
-                                        <p:strVal val="visible"/>
-                                      </p:to>
-                                    </p:set>
-                                    <p:animEffect transition="in" filter="fade">
-                                      <p:cBhvr>
                                         <p:cTn id="32" dur="500"/>
-                                        <p:tgtEl>
-                                          <p:spTgt spid="3">
-                                            <p:txEl>
-                                              <p:pRg st="6" end="6"/>
-                                            </p:txEl>
-                                          </p:spTgt>
-                                        </p:tgtEl>
-                                      </p:cBhvr>
-                                    </p:animEffect>
-                                  </p:childTnLst>
-                                </p:cTn>
-                              </p:par>
-                            </p:childTnLst>
-                          </p:cTn>
-                        </p:par>
-                      </p:childTnLst>
-                    </p:cTn>
-                  </p:par>
-                  <p:par>
-                    <p:cTn id="33" fill="hold">
-                      <p:stCondLst>
-                        <p:cond delay="indefinite"/>
-                      </p:stCondLst>
-                      <p:childTnLst>
-                        <p:par>
-                          <p:cTn id="34" fill="hold">
-                            <p:stCondLst>
-                              <p:cond delay="0"/>
-                            </p:stCondLst>
-                            <p:childTnLst>
-                              <p:par>
-                                <p:cTn id="35" presetID="10" presetClass="entr" presetSubtype="0" fill="hold" nodeType="clickEffect">
-                                  <p:stCondLst>
-                                    <p:cond delay="0"/>
-                                  </p:stCondLst>
-                                  <p:childTnLst>
-                                    <p:set>
-                                      <p:cBhvr>
-                                        <p:cTn id="36" dur="1" fill="hold">
-                                          <p:stCondLst>
-                                            <p:cond delay="0"/>
-                                          </p:stCondLst>
-                                        </p:cTn>
-                                        <p:tgtEl>
-                                          <p:spTgt spid="3">
-                                            <p:txEl>
-                                              <p:pRg st="8" end="8"/>
-                                            </p:txEl>
-                                          </p:spTgt>
-                                        </p:tgtEl>
-                                        <p:attrNameLst>
-                                          <p:attrName>style.visibility</p:attrName>
-                                        </p:attrNameLst>
-                                      </p:cBhvr>
-                                      <p:to>
-                                        <p:strVal val="visible"/>
-                                      </p:to>
-                                    </p:set>
-                                    <p:animEffect transition="in" filter="fade">
-                                      <p:cBhvr>
-                                        <p:cTn id="37" dur="500"/>
-                                        <p:tgtEl>
-                                          <p:spTgt spid="3">
-                                            <p:txEl>
-                                              <p:pRg st="8" end="8"/>
-                                            </p:txEl>
-                                          </p:spTgt>
-                                        </p:tgtEl>
-                                      </p:cBhvr>
-                                    </p:animEffect>
-                                  </p:childTnLst>
-                                </p:cTn>
-                              </p:par>
-                            </p:childTnLst>
-                          </p:cTn>
-                        </p:par>
-                      </p:childTnLst>
-                    </p:cTn>
-                  </p:par>
-                  <p:par>
-                    <p:cTn id="38" fill="hold">
-                      <p:stCondLst>
-                        <p:cond delay="indefinite"/>
-                      </p:stCondLst>
-                      <p:childTnLst>
-                        <p:par>
-                          <p:cTn id="39" fill="hold">
-                            <p:stCondLst>
-                              <p:cond delay="0"/>
-                            </p:stCondLst>
-                            <p:childTnLst>
-                              <p:par>
-                                <p:cTn id="40" presetID="10" presetClass="entr" presetSubtype="0" fill="hold" nodeType="clickEffect">
-                                  <p:stCondLst>
-                                    <p:cond delay="0"/>
-                                  </p:stCondLst>
-                                  <p:childTnLst>
-                                    <p:set>
-                                      <p:cBhvr>
-                                        <p:cTn id="41" dur="1" fill="hold">
-                                          <p:stCondLst>
-                                            <p:cond delay="0"/>
-                                          </p:stCondLst>
-                                        </p:cTn>
-                                        <p:tgtEl>
-                                          <p:spTgt spid="3">
-                                            <p:txEl>
-                                              <p:pRg st="9" end="9"/>
-                                            </p:txEl>
-                                          </p:spTgt>
-                                        </p:tgtEl>
-                                        <p:attrNameLst>
-                                          <p:attrName>style.visibility</p:attrName>
-                                        </p:attrNameLst>
-                                      </p:cBhvr>
-                                      <p:to>
-                                        <p:strVal val="visible"/>
-                                      </p:to>
-                                    </p:set>
-                                    <p:animEffect transition="in" filter="fade">
-                                      <p:cBhvr>
-                                        <p:cTn id="42" dur="500"/>
                                         <p:tgtEl>
                                           <p:spTgt spid="3">
                                             <p:txEl>
@@ -9797,6 +12470,262 @@
   <p:clrMapOvr>
     <a:masterClrMapping/>
   </p:clrMapOvr>
+  <p:timing>
+    <p:tnLst>
+      <p:par>
+        <p:cTn id="1" dur="indefinite" restart="never" nodeType="tmRoot">
+          <p:childTnLst>
+            <p:seq concurrent="1" nextAc="seek">
+              <p:cTn id="2" dur="indefinite" nodeType="mainSeq">
+                <p:childTnLst>
+                  <p:par>
+                    <p:cTn id="3" fill="hold">
+                      <p:stCondLst>
+                        <p:cond delay="indefinite"/>
+                      </p:stCondLst>
+                      <p:childTnLst>
+                        <p:par>
+                          <p:cTn id="4" fill="hold">
+                            <p:stCondLst>
+                              <p:cond delay="0"/>
+                            </p:stCondLst>
+                            <p:childTnLst>
+                              <p:par>
+                                <p:cTn id="5" presetID="10" presetClass="entr" presetSubtype="0" fill="hold" nodeType="clickEffect">
+                                  <p:stCondLst>
+                                    <p:cond delay="0"/>
+                                  </p:stCondLst>
+                                  <p:childTnLst>
+                                    <p:set>
+                                      <p:cBhvr>
+                                        <p:cTn id="6" dur="1" fill="hold">
+                                          <p:stCondLst>
+                                            <p:cond delay="0"/>
+                                          </p:stCondLst>
+                                        </p:cTn>
+                                        <p:tgtEl>
+                                          <p:spTgt spid="4">
+                                            <p:txEl>
+                                              <p:pRg st="0" end="0"/>
+                                            </p:txEl>
+                                          </p:spTgt>
+                                        </p:tgtEl>
+                                        <p:attrNameLst>
+                                          <p:attrName>style.visibility</p:attrName>
+                                        </p:attrNameLst>
+                                      </p:cBhvr>
+                                      <p:to>
+                                        <p:strVal val="visible"/>
+                                      </p:to>
+                                    </p:set>
+                                    <p:animEffect transition="in" filter="fade">
+                                      <p:cBhvr>
+                                        <p:cTn id="7" dur="500"/>
+                                        <p:tgtEl>
+                                          <p:spTgt spid="4">
+                                            <p:txEl>
+                                              <p:pRg st="0" end="0"/>
+                                            </p:txEl>
+                                          </p:spTgt>
+                                        </p:tgtEl>
+                                      </p:cBhvr>
+                                    </p:animEffect>
+                                  </p:childTnLst>
+                                </p:cTn>
+                              </p:par>
+                            </p:childTnLst>
+                          </p:cTn>
+                        </p:par>
+                      </p:childTnLst>
+                    </p:cTn>
+                  </p:par>
+                  <p:par>
+                    <p:cTn id="8" fill="hold">
+                      <p:stCondLst>
+                        <p:cond delay="indefinite"/>
+                      </p:stCondLst>
+                      <p:childTnLst>
+                        <p:par>
+                          <p:cTn id="9" fill="hold">
+                            <p:stCondLst>
+                              <p:cond delay="0"/>
+                            </p:stCondLst>
+                            <p:childTnLst>
+                              <p:par>
+                                <p:cTn id="10" presetID="10" presetClass="entr" presetSubtype="0" fill="hold" nodeType="clickEffect">
+                                  <p:stCondLst>
+                                    <p:cond delay="0"/>
+                                  </p:stCondLst>
+                                  <p:childTnLst>
+                                    <p:set>
+                                      <p:cBhvr>
+                                        <p:cTn id="11" dur="1" fill="hold">
+                                          <p:stCondLst>
+                                            <p:cond delay="0"/>
+                                          </p:stCondLst>
+                                        </p:cTn>
+                                        <p:tgtEl>
+                                          <p:spTgt spid="4">
+                                            <p:txEl>
+                                              <p:pRg st="2" end="2"/>
+                                            </p:txEl>
+                                          </p:spTgt>
+                                        </p:tgtEl>
+                                        <p:attrNameLst>
+                                          <p:attrName>style.visibility</p:attrName>
+                                        </p:attrNameLst>
+                                      </p:cBhvr>
+                                      <p:to>
+                                        <p:strVal val="visible"/>
+                                      </p:to>
+                                    </p:set>
+                                    <p:animEffect transition="in" filter="fade">
+                                      <p:cBhvr>
+                                        <p:cTn id="12" dur="500"/>
+                                        <p:tgtEl>
+                                          <p:spTgt spid="4">
+                                            <p:txEl>
+                                              <p:pRg st="2" end="2"/>
+                                            </p:txEl>
+                                          </p:spTgt>
+                                        </p:tgtEl>
+                                      </p:cBhvr>
+                                    </p:animEffect>
+                                  </p:childTnLst>
+                                </p:cTn>
+                              </p:par>
+                            </p:childTnLst>
+                          </p:cTn>
+                        </p:par>
+                      </p:childTnLst>
+                    </p:cTn>
+                  </p:par>
+                  <p:par>
+                    <p:cTn id="13" fill="hold">
+                      <p:stCondLst>
+                        <p:cond delay="indefinite"/>
+                      </p:stCondLst>
+                      <p:childTnLst>
+                        <p:par>
+                          <p:cTn id="14" fill="hold">
+                            <p:stCondLst>
+                              <p:cond delay="0"/>
+                            </p:stCondLst>
+                            <p:childTnLst>
+                              <p:par>
+                                <p:cTn id="15" presetID="10" presetClass="entr" presetSubtype="0" fill="hold" nodeType="clickEffect">
+                                  <p:stCondLst>
+                                    <p:cond delay="0"/>
+                                  </p:stCondLst>
+                                  <p:childTnLst>
+                                    <p:set>
+                                      <p:cBhvr>
+                                        <p:cTn id="16" dur="1" fill="hold">
+                                          <p:stCondLst>
+                                            <p:cond delay="0"/>
+                                          </p:stCondLst>
+                                        </p:cTn>
+                                        <p:tgtEl>
+                                          <p:spTgt spid="4">
+                                            <p:txEl>
+                                              <p:pRg st="4" end="4"/>
+                                            </p:txEl>
+                                          </p:spTgt>
+                                        </p:tgtEl>
+                                        <p:attrNameLst>
+                                          <p:attrName>style.visibility</p:attrName>
+                                        </p:attrNameLst>
+                                      </p:cBhvr>
+                                      <p:to>
+                                        <p:strVal val="visible"/>
+                                      </p:to>
+                                    </p:set>
+                                    <p:animEffect transition="in" filter="fade">
+                                      <p:cBhvr>
+                                        <p:cTn id="17" dur="500"/>
+                                        <p:tgtEl>
+                                          <p:spTgt spid="4">
+                                            <p:txEl>
+                                              <p:pRg st="4" end="4"/>
+                                            </p:txEl>
+                                          </p:spTgt>
+                                        </p:tgtEl>
+                                      </p:cBhvr>
+                                    </p:animEffect>
+                                  </p:childTnLst>
+                                </p:cTn>
+                              </p:par>
+                              <p:par>
+                                <p:cTn id="18" presetID="10" presetClass="entr" presetSubtype="0" fill="hold" nodeType="withEffect">
+                                  <p:stCondLst>
+                                    <p:cond delay="0"/>
+                                  </p:stCondLst>
+                                  <p:childTnLst>
+                                    <p:set>
+                                      <p:cBhvr>
+                                        <p:cTn id="19" dur="1" fill="hold">
+                                          <p:stCondLst>
+                                            <p:cond delay="0"/>
+                                          </p:stCondLst>
+                                        </p:cTn>
+                                        <p:tgtEl>
+                                          <p:spTgt spid="4">
+                                            <p:txEl>
+                                              <p:pRg st="6" end="6"/>
+                                            </p:txEl>
+                                          </p:spTgt>
+                                        </p:tgtEl>
+                                        <p:attrNameLst>
+                                          <p:attrName>style.visibility</p:attrName>
+                                        </p:attrNameLst>
+                                      </p:cBhvr>
+                                      <p:to>
+                                        <p:strVal val="visible"/>
+                                      </p:to>
+                                    </p:set>
+                                    <p:animEffect transition="in" filter="fade">
+                                      <p:cBhvr>
+                                        <p:cTn id="20" dur="500"/>
+                                        <p:tgtEl>
+                                          <p:spTgt spid="4">
+                                            <p:txEl>
+                                              <p:pRg st="6" end="6"/>
+                                            </p:txEl>
+                                          </p:spTgt>
+                                        </p:tgtEl>
+                                      </p:cBhvr>
+                                    </p:animEffect>
+                                  </p:childTnLst>
+                                </p:cTn>
+                              </p:par>
+                            </p:childTnLst>
+                          </p:cTn>
+                        </p:par>
+                      </p:childTnLst>
+                    </p:cTn>
+                  </p:par>
+                </p:childTnLst>
+              </p:cTn>
+              <p:prevCondLst>
+                <p:cond evt="onPrev" delay="0">
+                  <p:tgtEl>
+                    <p:sldTgt/>
+                  </p:tgtEl>
+                </p:cond>
+              </p:prevCondLst>
+              <p:nextCondLst>
+                <p:cond evt="onNext" delay="0">
+                  <p:tgtEl>
+                    <p:sldTgt/>
+                  </p:tgtEl>
+                </p:cond>
+              </p:nextCondLst>
+            </p:seq>
+          </p:childTnLst>
+        </p:cTn>
+      </p:par>
+    </p:tnLst>
+  </p:timing>
 </p:sld>
 </file>
 
@@ -10156,6 +13085,348 @@
   <p:clrMapOvr>
     <a:masterClrMapping/>
   </p:clrMapOvr>
+  <p:timing>
+    <p:tnLst>
+      <p:par>
+        <p:cTn id="1" dur="indefinite" restart="never" nodeType="tmRoot">
+          <p:childTnLst>
+            <p:seq concurrent="1" nextAc="seek">
+              <p:cTn id="2" dur="indefinite" nodeType="mainSeq">
+                <p:childTnLst>
+                  <p:par>
+                    <p:cTn id="3" fill="hold">
+                      <p:stCondLst>
+                        <p:cond delay="indefinite"/>
+                      </p:stCondLst>
+                      <p:childTnLst>
+                        <p:par>
+                          <p:cTn id="4" fill="hold">
+                            <p:stCondLst>
+                              <p:cond delay="0"/>
+                            </p:stCondLst>
+                            <p:childTnLst>
+                              <p:par>
+                                <p:cTn id="5" presetID="10" presetClass="entr" presetSubtype="0" fill="hold" nodeType="clickEffect">
+                                  <p:stCondLst>
+                                    <p:cond delay="0"/>
+                                  </p:stCondLst>
+                                  <p:childTnLst>
+                                    <p:set>
+                                      <p:cBhvr>
+                                        <p:cTn id="6" dur="1" fill="hold">
+                                          <p:stCondLst>
+                                            <p:cond delay="0"/>
+                                          </p:stCondLst>
+                                        </p:cTn>
+                                        <p:tgtEl>
+                                          <p:spTgt spid="4">
+                                            <p:txEl>
+                                              <p:pRg st="0" end="0"/>
+                                            </p:txEl>
+                                          </p:spTgt>
+                                        </p:tgtEl>
+                                        <p:attrNameLst>
+                                          <p:attrName>style.visibility</p:attrName>
+                                        </p:attrNameLst>
+                                      </p:cBhvr>
+                                      <p:to>
+                                        <p:strVal val="visible"/>
+                                      </p:to>
+                                    </p:set>
+                                    <p:animEffect transition="in" filter="fade">
+                                      <p:cBhvr>
+                                        <p:cTn id="7" dur="500"/>
+                                        <p:tgtEl>
+                                          <p:spTgt spid="4">
+                                            <p:txEl>
+                                              <p:pRg st="0" end="0"/>
+                                            </p:txEl>
+                                          </p:spTgt>
+                                        </p:tgtEl>
+                                      </p:cBhvr>
+                                    </p:animEffect>
+                                  </p:childTnLst>
+                                </p:cTn>
+                              </p:par>
+                            </p:childTnLst>
+                          </p:cTn>
+                        </p:par>
+                      </p:childTnLst>
+                    </p:cTn>
+                  </p:par>
+                  <p:par>
+                    <p:cTn id="8" fill="hold">
+                      <p:stCondLst>
+                        <p:cond delay="indefinite"/>
+                      </p:stCondLst>
+                      <p:childTnLst>
+                        <p:par>
+                          <p:cTn id="9" fill="hold">
+                            <p:stCondLst>
+                              <p:cond delay="0"/>
+                            </p:stCondLst>
+                            <p:childTnLst>
+                              <p:par>
+                                <p:cTn id="10" presetID="10" presetClass="entr" presetSubtype="0" fill="hold" nodeType="clickEffect">
+                                  <p:stCondLst>
+                                    <p:cond delay="0"/>
+                                  </p:stCondLst>
+                                  <p:childTnLst>
+                                    <p:set>
+                                      <p:cBhvr>
+                                        <p:cTn id="11" dur="1" fill="hold">
+                                          <p:stCondLst>
+                                            <p:cond delay="0"/>
+                                          </p:stCondLst>
+                                        </p:cTn>
+                                        <p:tgtEl>
+                                          <p:spTgt spid="4">
+                                            <p:txEl>
+                                              <p:pRg st="2" end="2"/>
+                                            </p:txEl>
+                                          </p:spTgt>
+                                        </p:tgtEl>
+                                        <p:attrNameLst>
+                                          <p:attrName>style.visibility</p:attrName>
+                                        </p:attrNameLst>
+                                      </p:cBhvr>
+                                      <p:to>
+                                        <p:strVal val="visible"/>
+                                      </p:to>
+                                    </p:set>
+                                    <p:animEffect transition="in" filter="fade">
+                                      <p:cBhvr>
+                                        <p:cTn id="12" dur="500"/>
+                                        <p:tgtEl>
+                                          <p:spTgt spid="4">
+                                            <p:txEl>
+                                              <p:pRg st="2" end="2"/>
+                                            </p:txEl>
+                                          </p:spTgt>
+                                        </p:tgtEl>
+                                      </p:cBhvr>
+                                    </p:animEffect>
+                                  </p:childTnLst>
+                                </p:cTn>
+                              </p:par>
+                            </p:childTnLst>
+                          </p:cTn>
+                        </p:par>
+                      </p:childTnLst>
+                    </p:cTn>
+                  </p:par>
+                  <p:par>
+                    <p:cTn id="13" fill="hold">
+                      <p:stCondLst>
+                        <p:cond delay="indefinite"/>
+                      </p:stCondLst>
+                      <p:childTnLst>
+                        <p:par>
+                          <p:cTn id="14" fill="hold">
+                            <p:stCondLst>
+                              <p:cond delay="0"/>
+                            </p:stCondLst>
+                            <p:childTnLst>
+                              <p:par>
+                                <p:cTn id="15" presetID="10" presetClass="entr" presetSubtype="0" fill="hold" nodeType="clickEffect">
+                                  <p:stCondLst>
+                                    <p:cond delay="0"/>
+                                  </p:stCondLst>
+                                  <p:childTnLst>
+                                    <p:set>
+                                      <p:cBhvr>
+                                        <p:cTn id="16" dur="1" fill="hold">
+                                          <p:stCondLst>
+                                            <p:cond delay="0"/>
+                                          </p:stCondLst>
+                                        </p:cTn>
+                                        <p:tgtEl>
+                                          <p:spTgt spid="4">
+                                            <p:txEl>
+                                              <p:pRg st="4" end="4"/>
+                                            </p:txEl>
+                                          </p:spTgt>
+                                        </p:tgtEl>
+                                        <p:attrNameLst>
+                                          <p:attrName>style.visibility</p:attrName>
+                                        </p:attrNameLst>
+                                      </p:cBhvr>
+                                      <p:to>
+                                        <p:strVal val="visible"/>
+                                      </p:to>
+                                    </p:set>
+                                    <p:animEffect transition="in" filter="fade">
+                                      <p:cBhvr>
+                                        <p:cTn id="17" dur="500"/>
+                                        <p:tgtEl>
+                                          <p:spTgt spid="4">
+                                            <p:txEl>
+                                              <p:pRg st="4" end="4"/>
+                                            </p:txEl>
+                                          </p:spTgt>
+                                        </p:tgtEl>
+                                      </p:cBhvr>
+                                    </p:animEffect>
+                                  </p:childTnLst>
+                                </p:cTn>
+                              </p:par>
+                              <p:par>
+                                <p:cTn id="18" presetID="10" presetClass="entr" presetSubtype="0" fill="hold" nodeType="withEffect">
+                                  <p:stCondLst>
+                                    <p:cond delay="0"/>
+                                  </p:stCondLst>
+                                  <p:childTnLst>
+                                    <p:set>
+                                      <p:cBhvr>
+                                        <p:cTn id="19" dur="1" fill="hold">
+                                          <p:stCondLst>
+                                            <p:cond delay="0"/>
+                                          </p:stCondLst>
+                                        </p:cTn>
+                                        <p:tgtEl>
+                                          <p:spTgt spid="4">
+                                            <p:txEl>
+                                              <p:pRg st="5" end="5"/>
+                                            </p:txEl>
+                                          </p:spTgt>
+                                        </p:tgtEl>
+                                        <p:attrNameLst>
+                                          <p:attrName>style.visibility</p:attrName>
+                                        </p:attrNameLst>
+                                      </p:cBhvr>
+                                      <p:to>
+                                        <p:strVal val="visible"/>
+                                      </p:to>
+                                    </p:set>
+                                    <p:animEffect transition="in" filter="fade">
+                                      <p:cBhvr>
+                                        <p:cTn id="20" dur="500"/>
+                                        <p:tgtEl>
+                                          <p:spTgt spid="4">
+                                            <p:txEl>
+                                              <p:pRg st="5" end="5"/>
+                                            </p:txEl>
+                                          </p:spTgt>
+                                        </p:tgtEl>
+                                      </p:cBhvr>
+                                    </p:animEffect>
+                                  </p:childTnLst>
+                                </p:cTn>
+                              </p:par>
+                              <p:par>
+                                <p:cTn id="21" presetID="10" presetClass="entr" presetSubtype="0" fill="hold" nodeType="withEffect">
+                                  <p:stCondLst>
+                                    <p:cond delay="0"/>
+                                  </p:stCondLst>
+                                  <p:childTnLst>
+                                    <p:set>
+                                      <p:cBhvr>
+                                        <p:cTn id="22" dur="1" fill="hold">
+                                          <p:stCondLst>
+                                            <p:cond delay="0"/>
+                                          </p:stCondLst>
+                                        </p:cTn>
+                                        <p:tgtEl>
+                                          <p:spTgt spid="4">
+                                            <p:txEl>
+                                              <p:pRg st="6" end="6"/>
+                                            </p:txEl>
+                                          </p:spTgt>
+                                        </p:tgtEl>
+                                        <p:attrNameLst>
+                                          <p:attrName>style.visibility</p:attrName>
+                                        </p:attrNameLst>
+                                      </p:cBhvr>
+                                      <p:to>
+                                        <p:strVal val="visible"/>
+                                      </p:to>
+                                    </p:set>
+                                    <p:animEffect transition="in" filter="fade">
+                                      <p:cBhvr>
+                                        <p:cTn id="23" dur="500"/>
+                                        <p:tgtEl>
+                                          <p:spTgt spid="4">
+                                            <p:txEl>
+                                              <p:pRg st="6" end="6"/>
+                                            </p:txEl>
+                                          </p:spTgt>
+                                        </p:tgtEl>
+                                      </p:cBhvr>
+                                    </p:animEffect>
+                                  </p:childTnLst>
+                                </p:cTn>
+                              </p:par>
+                              <p:par>
+                                <p:cTn id="24" presetID="10" presetClass="entr" presetSubtype="0" fill="hold" nodeType="withEffect">
+                                  <p:stCondLst>
+                                    <p:cond delay="0"/>
+                                  </p:stCondLst>
+                                  <p:childTnLst>
+                                    <p:set>
+                                      <p:cBhvr>
+                                        <p:cTn id="25" dur="1" fill="hold">
+                                          <p:stCondLst>
+                                            <p:cond delay="0"/>
+                                          </p:stCondLst>
+                                        </p:cTn>
+                                        <p:tgtEl>
+                                          <p:spTgt spid="4">
+                                            <p:txEl>
+                                              <p:pRg st="7" end="7"/>
+                                            </p:txEl>
+                                          </p:spTgt>
+                                        </p:tgtEl>
+                                        <p:attrNameLst>
+                                          <p:attrName>style.visibility</p:attrName>
+                                        </p:attrNameLst>
+                                      </p:cBhvr>
+                                      <p:to>
+                                        <p:strVal val="visible"/>
+                                      </p:to>
+                                    </p:set>
+                                    <p:animEffect transition="in" filter="fade">
+                                      <p:cBhvr>
+                                        <p:cTn id="26" dur="500"/>
+                                        <p:tgtEl>
+                                          <p:spTgt spid="4">
+                                            <p:txEl>
+                                              <p:pRg st="7" end="7"/>
+                                            </p:txEl>
+                                          </p:spTgt>
+                                        </p:tgtEl>
+                                      </p:cBhvr>
+                                    </p:animEffect>
+                                  </p:childTnLst>
+                                </p:cTn>
+                              </p:par>
+                            </p:childTnLst>
+                          </p:cTn>
+                        </p:par>
+                      </p:childTnLst>
+                    </p:cTn>
+                  </p:par>
+                </p:childTnLst>
+              </p:cTn>
+              <p:prevCondLst>
+                <p:cond evt="onPrev" delay="0">
+                  <p:tgtEl>
+                    <p:sldTgt/>
+                  </p:tgtEl>
+                </p:cond>
+              </p:prevCondLst>
+              <p:nextCondLst>
+                <p:cond evt="onNext" delay="0">
+                  <p:tgtEl>
+                    <p:sldTgt/>
+                  </p:tgtEl>
+                </p:cond>
+              </p:nextCondLst>
+            </p:seq>
+          </p:childTnLst>
+        </p:cTn>
+      </p:par>
+    </p:tnLst>
+  </p:timing>
 </p:sld>
 </file>
 
@@ -10382,6 +13653,341 @@
   <p:clrMapOvr>
     <a:masterClrMapping/>
   </p:clrMapOvr>
+  <p:timing>
+    <p:tnLst>
+      <p:par>
+        <p:cTn id="1" dur="indefinite" restart="never" nodeType="tmRoot">
+          <p:childTnLst>
+            <p:seq concurrent="1" nextAc="seek">
+              <p:cTn id="2" dur="indefinite" nodeType="mainSeq">
+                <p:childTnLst>
+                  <p:par>
+                    <p:cTn id="3" fill="hold">
+                      <p:stCondLst>
+                        <p:cond delay="indefinite"/>
+                      </p:stCondLst>
+                      <p:childTnLst>
+                        <p:par>
+                          <p:cTn id="4" fill="hold">
+                            <p:stCondLst>
+                              <p:cond delay="0"/>
+                            </p:stCondLst>
+                            <p:childTnLst>
+                              <p:par>
+                                <p:cTn id="5" presetID="10" presetClass="entr" presetSubtype="0" fill="hold" nodeType="clickEffect">
+                                  <p:stCondLst>
+                                    <p:cond delay="0"/>
+                                  </p:stCondLst>
+                                  <p:childTnLst>
+                                    <p:set>
+                                      <p:cBhvr>
+                                        <p:cTn id="6" dur="1" fill="hold">
+                                          <p:stCondLst>
+                                            <p:cond delay="0"/>
+                                          </p:stCondLst>
+                                        </p:cTn>
+                                        <p:tgtEl>
+                                          <p:spTgt spid="3">
+                                            <p:txEl>
+                                              <p:pRg st="0" end="0"/>
+                                            </p:txEl>
+                                          </p:spTgt>
+                                        </p:tgtEl>
+                                        <p:attrNameLst>
+                                          <p:attrName>style.visibility</p:attrName>
+                                        </p:attrNameLst>
+                                      </p:cBhvr>
+                                      <p:to>
+                                        <p:strVal val="visible"/>
+                                      </p:to>
+                                    </p:set>
+                                    <p:animEffect transition="in" filter="fade">
+                                      <p:cBhvr>
+                                        <p:cTn id="7" dur="500"/>
+                                        <p:tgtEl>
+                                          <p:spTgt spid="3">
+                                            <p:txEl>
+                                              <p:pRg st="0" end="0"/>
+                                            </p:txEl>
+                                          </p:spTgt>
+                                        </p:tgtEl>
+                                      </p:cBhvr>
+                                    </p:animEffect>
+                                  </p:childTnLst>
+                                </p:cTn>
+                              </p:par>
+                            </p:childTnLst>
+                          </p:cTn>
+                        </p:par>
+                      </p:childTnLst>
+                    </p:cTn>
+                  </p:par>
+                  <p:par>
+                    <p:cTn id="8" fill="hold">
+                      <p:stCondLst>
+                        <p:cond delay="indefinite"/>
+                      </p:stCondLst>
+                      <p:childTnLst>
+                        <p:par>
+                          <p:cTn id="9" fill="hold">
+                            <p:stCondLst>
+                              <p:cond delay="0"/>
+                            </p:stCondLst>
+                            <p:childTnLst>
+                              <p:par>
+                                <p:cTn id="10" presetID="10" presetClass="entr" presetSubtype="0" fill="hold" nodeType="clickEffect">
+                                  <p:stCondLst>
+                                    <p:cond delay="0"/>
+                                  </p:stCondLst>
+                                  <p:childTnLst>
+                                    <p:set>
+                                      <p:cBhvr>
+                                        <p:cTn id="11" dur="1" fill="hold">
+                                          <p:stCondLst>
+                                            <p:cond delay="0"/>
+                                          </p:stCondLst>
+                                        </p:cTn>
+                                        <p:tgtEl>
+                                          <p:spTgt spid="3">
+                                            <p:txEl>
+                                              <p:pRg st="2" end="2"/>
+                                            </p:txEl>
+                                          </p:spTgt>
+                                        </p:tgtEl>
+                                        <p:attrNameLst>
+                                          <p:attrName>style.visibility</p:attrName>
+                                        </p:attrNameLst>
+                                      </p:cBhvr>
+                                      <p:to>
+                                        <p:strVal val="visible"/>
+                                      </p:to>
+                                    </p:set>
+                                    <p:animEffect transition="in" filter="fade">
+                                      <p:cBhvr>
+                                        <p:cTn id="12" dur="500"/>
+                                        <p:tgtEl>
+                                          <p:spTgt spid="3">
+                                            <p:txEl>
+                                              <p:pRg st="2" end="2"/>
+                                            </p:txEl>
+                                          </p:spTgt>
+                                        </p:tgtEl>
+                                      </p:cBhvr>
+                                    </p:animEffect>
+                                  </p:childTnLst>
+                                </p:cTn>
+                              </p:par>
+                            </p:childTnLst>
+                          </p:cTn>
+                        </p:par>
+                      </p:childTnLst>
+                    </p:cTn>
+                  </p:par>
+                  <p:par>
+                    <p:cTn id="13" fill="hold">
+                      <p:stCondLst>
+                        <p:cond delay="indefinite"/>
+                      </p:stCondLst>
+                      <p:childTnLst>
+                        <p:par>
+                          <p:cTn id="14" fill="hold">
+                            <p:stCondLst>
+                              <p:cond delay="0"/>
+                            </p:stCondLst>
+                            <p:childTnLst>
+                              <p:par>
+                                <p:cTn id="15" presetID="10" presetClass="entr" presetSubtype="0" fill="hold" nodeType="clickEffect">
+                                  <p:stCondLst>
+                                    <p:cond delay="0"/>
+                                  </p:stCondLst>
+                                  <p:childTnLst>
+                                    <p:set>
+                                      <p:cBhvr>
+                                        <p:cTn id="16" dur="1" fill="hold">
+                                          <p:stCondLst>
+                                            <p:cond delay="0"/>
+                                          </p:stCondLst>
+                                        </p:cTn>
+                                        <p:tgtEl>
+                                          <p:spTgt spid="3">
+                                            <p:txEl>
+                                              <p:pRg st="4" end="4"/>
+                                            </p:txEl>
+                                          </p:spTgt>
+                                        </p:tgtEl>
+                                        <p:attrNameLst>
+                                          <p:attrName>style.visibility</p:attrName>
+                                        </p:attrNameLst>
+                                      </p:cBhvr>
+                                      <p:to>
+                                        <p:strVal val="visible"/>
+                                      </p:to>
+                                    </p:set>
+                                    <p:animEffect transition="in" filter="fade">
+                                      <p:cBhvr>
+                                        <p:cTn id="17" dur="500"/>
+                                        <p:tgtEl>
+                                          <p:spTgt spid="3">
+                                            <p:txEl>
+                                              <p:pRg st="4" end="4"/>
+                                            </p:txEl>
+                                          </p:spTgt>
+                                        </p:tgtEl>
+                                      </p:cBhvr>
+                                    </p:animEffect>
+                                  </p:childTnLst>
+                                </p:cTn>
+                              </p:par>
+                            </p:childTnLst>
+                          </p:cTn>
+                        </p:par>
+                      </p:childTnLst>
+                    </p:cTn>
+                  </p:par>
+                  <p:par>
+                    <p:cTn id="18" fill="hold">
+                      <p:stCondLst>
+                        <p:cond delay="indefinite"/>
+                      </p:stCondLst>
+                      <p:childTnLst>
+                        <p:par>
+                          <p:cTn id="19" fill="hold">
+                            <p:stCondLst>
+                              <p:cond delay="0"/>
+                            </p:stCondLst>
+                            <p:childTnLst>
+                              <p:par>
+                                <p:cTn id="20" presetID="10" presetClass="entr" presetSubtype="0" fill="hold" nodeType="clickEffect">
+                                  <p:stCondLst>
+                                    <p:cond delay="0"/>
+                                  </p:stCondLst>
+                                  <p:childTnLst>
+                                    <p:set>
+                                      <p:cBhvr>
+                                        <p:cTn id="21" dur="1" fill="hold">
+                                          <p:stCondLst>
+                                            <p:cond delay="0"/>
+                                          </p:stCondLst>
+                                        </p:cTn>
+                                        <p:tgtEl>
+                                          <p:spTgt spid="3">
+                                            <p:txEl>
+                                              <p:pRg st="6" end="6"/>
+                                            </p:txEl>
+                                          </p:spTgt>
+                                        </p:tgtEl>
+                                        <p:attrNameLst>
+                                          <p:attrName>style.visibility</p:attrName>
+                                        </p:attrNameLst>
+                                      </p:cBhvr>
+                                      <p:to>
+                                        <p:strVal val="visible"/>
+                                      </p:to>
+                                    </p:set>
+                                    <p:animEffect transition="in" filter="fade">
+                                      <p:cBhvr>
+                                        <p:cTn id="22" dur="500"/>
+                                        <p:tgtEl>
+                                          <p:spTgt spid="3">
+                                            <p:txEl>
+                                              <p:pRg st="6" end="6"/>
+                                            </p:txEl>
+                                          </p:spTgt>
+                                        </p:tgtEl>
+                                      </p:cBhvr>
+                                    </p:animEffect>
+                                  </p:childTnLst>
+                                </p:cTn>
+                              </p:par>
+                            </p:childTnLst>
+                          </p:cTn>
+                        </p:par>
+                      </p:childTnLst>
+                    </p:cTn>
+                  </p:par>
+                  <p:par>
+                    <p:cTn id="23" fill="hold">
+                      <p:stCondLst>
+                        <p:cond delay="indefinite"/>
+                      </p:stCondLst>
+                      <p:childTnLst>
+                        <p:par>
+                          <p:cTn id="24" fill="hold">
+                            <p:stCondLst>
+                              <p:cond delay="0"/>
+                            </p:stCondLst>
+                            <p:childTnLst>
+                              <p:par>
+                                <p:cTn id="25" presetID="10" presetClass="entr" presetSubtype="0" fill="hold" nodeType="clickEffect">
+                                  <p:stCondLst>
+                                    <p:cond delay="0"/>
+                                  </p:stCondLst>
+                                  <p:childTnLst>
+                                    <p:set>
+                                      <p:cBhvr>
+                                        <p:cTn id="26" dur="1" fill="hold">
+                                          <p:stCondLst>
+                                            <p:cond delay="0"/>
+                                          </p:stCondLst>
+                                        </p:cTn>
+                                        <p:tgtEl>
+                                          <p:spTgt spid="3">
+                                            <p:txEl>
+                                              <p:pRg st="8" end="8"/>
+                                            </p:txEl>
+                                          </p:spTgt>
+                                        </p:tgtEl>
+                                        <p:attrNameLst>
+                                          <p:attrName>style.visibility</p:attrName>
+                                        </p:attrNameLst>
+                                      </p:cBhvr>
+                                      <p:to>
+                                        <p:strVal val="visible"/>
+                                      </p:to>
+                                    </p:set>
+                                    <p:animEffect transition="in" filter="fade">
+                                      <p:cBhvr>
+                                        <p:cTn id="27" dur="500"/>
+                                        <p:tgtEl>
+                                          <p:spTgt spid="3">
+                                            <p:txEl>
+                                              <p:pRg st="8" end="8"/>
+                                            </p:txEl>
+                                          </p:spTgt>
+                                        </p:tgtEl>
+                                      </p:cBhvr>
+                                    </p:animEffect>
+                                  </p:childTnLst>
+                                </p:cTn>
+                              </p:par>
+                            </p:childTnLst>
+                          </p:cTn>
+                        </p:par>
+                      </p:childTnLst>
+                    </p:cTn>
+                  </p:par>
+                </p:childTnLst>
+              </p:cTn>
+              <p:prevCondLst>
+                <p:cond evt="onPrev" delay="0">
+                  <p:tgtEl>
+                    <p:sldTgt/>
+                  </p:tgtEl>
+                </p:cond>
+              </p:prevCondLst>
+              <p:nextCondLst>
+                <p:cond evt="onNext" delay="0">
+                  <p:tgtEl>
+                    <p:sldTgt/>
+                  </p:tgtEl>
+                </p:cond>
+              </p:nextCondLst>
+            </p:seq>
+          </p:childTnLst>
+        </p:cTn>
+      </p:par>
+    </p:tnLst>
+  </p:timing>
 </p:sld>
 </file>
 
@@ -10740,7 +14346,11 @@
                                           </p:stCondLst>
                                         </p:cTn>
                                         <p:tgtEl>
-                                          <p:spTgt spid="11"/>
+                                          <p:spTgt spid="4">
+                                            <p:txEl>
+                                              <p:pRg st="0" end="0"/>
+                                            </p:txEl>
+                                          </p:spTgt>
                                         </p:tgtEl>
                                         <p:attrNameLst>
                                           <p:attrName>style.visibility</p:attrName>
@@ -10753,6 +14363,45 @@
                                     <p:animEffect transition="in" filter="fade">
                                       <p:cBhvr>
                                         <p:cTn id="7" dur="500"/>
+                                        <p:tgtEl>
+                                          <p:spTgt spid="4">
+                                            <p:txEl>
+                                              <p:pRg st="0" end="0"/>
+                                            </p:txEl>
+                                          </p:spTgt>
+                                        </p:tgtEl>
+                                      </p:cBhvr>
+                                    </p:animEffect>
+                                  </p:childTnLst>
+                                </p:cTn>
+                              </p:par>
+                              <p:par>
+                                <p:cTn id="8" presetID="10" presetClass="entr" presetSubtype="0" fill="hold" nodeType="withEffect">
+                                  <p:stCondLst>
+                                    <p:cond delay="0"/>
+                                  </p:stCondLst>
+                                  <p:childTnLst>
+                                    <p:set>
+                                      <p:cBhvr>
+                                        <p:cTn id="9" dur="1" fill="hold">
+                                          <p:stCondLst>
+                                            <p:cond delay="0"/>
+                                          </p:stCondLst>
+                                        </p:cTn>
+                                        <p:tgtEl>
+                                          <p:spTgt spid="11"/>
+                                        </p:tgtEl>
+                                        <p:attrNameLst>
+                                          <p:attrName>style.visibility</p:attrName>
+                                        </p:attrNameLst>
+                                      </p:cBhvr>
+                                      <p:to>
+                                        <p:strVal val="visible"/>
+                                      </p:to>
+                                    </p:set>
+                                    <p:animEffect transition="in" filter="fade">
+                                      <p:cBhvr>
+                                        <p:cTn id="10" dur="500"/>
                                         <p:tgtEl>
                                           <p:spTgt spid="11"/>
                                         </p:tgtEl>
@@ -10768,32 +14417,36 @@
                     </p:cTn>
                   </p:par>
                   <p:par>
-                    <p:cTn id="8" fill="hold">
+                    <p:cTn id="11" fill="hold">
                       <p:stCondLst>
                         <p:cond delay="indefinite"/>
                       </p:stCondLst>
                       <p:childTnLst>
                         <p:par>
-                          <p:cTn id="9" fill="hold">
+                          <p:cTn id="12" fill="hold">
                             <p:stCondLst>
                               <p:cond delay="0"/>
                             </p:stCondLst>
                             <p:childTnLst>
                               <p:par>
-                                <p:cTn id="10" presetID="10" presetClass="entr" presetSubtype="0" fill="hold" nodeType="clickEffect">
+                                <p:cTn id="13" presetID="10" presetClass="entr" presetSubtype="0" fill="hold" nodeType="clickEffect">
                                   <p:stCondLst>
                                     <p:cond delay="0"/>
                                   </p:stCondLst>
                                   <p:childTnLst>
                                     <p:set>
                                       <p:cBhvr>
-                                        <p:cTn id="11" dur="1" fill="hold">
+                                        <p:cTn id="14" dur="1" fill="hold">
                                           <p:stCondLst>
                                             <p:cond delay="0"/>
                                           </p:stCondLst>
                                         </p:cTn>
                                         <p:tgtEl>
-                                          <p:spTgt spid="12"/>
+                                          <p:spTgt spid="4">
+                                            <p:txEl>
+                                              <p:pRg st="2" end="2"/>
+                                            </p:txEl>
+                                          </p:spTgt>
                                         </p:tgtEl>
                                         <p:attrNameLst>
                                           <p:attrName>style.visibility</p:attrName>
@@ -10805,9 +14458,170 @@
                                     </p:set>
                                     <p:animEffect transition="in" filter="fade">
                                       <p:cBhvr>
-                                        <p:cTn id="12" dur="500"/>
+                                        <p:cTn id="15" dur="500"/>
+                                        <p:tgtEl>
+                                          <p:spTgt spid="4">
+                                            <p:txEl>
+                                              <p:pRg st="2" end="2"/>
+                                            </p:txEl>
+                                          </p:spTgt>
+                                        </p:tgtEl>
+                                      </p:cBhvr>
+                                    </p:animEffect>
+                                  </p:childTnLst>
+                                </p:cTn>
+                              </p:par>
+                              <p:par>
+                                <p:cTn id="16" presetID="10" presetClass="entr" presetSubtype="0" fill="hold" nodeType="withEffect">
+                                  <p:stCondLst>
+                                    <p:cond delay="0"/>
+                                  </p:stCondLst>
+                                  <p:childTnLst>
+                                    <p:set>
+                                      <p:cBhvr>
+                                        <p:cTn id="17" dur="1" fill="hold">
+                                          <p:stCondLst>
+                                            <p:cond delay="0"/>
+                                          </p:stCondLst>
+                                        </p:cTn>
                                         <p:tgtEl>
                                           <p:spTgt spid="12"/>
+                                        </p:tgtEl>
+                                        <p:attrNameLst>
+                                          <p:attrName>style.visibility</p:attrName>
+                                        </p:attrNameLst>
+                                      </p:cBhvr>
+                                      <p:to>
+                                        <p:strVal val="visible"/>
+                                      </p:to>
+                                    </p:set>
+                                    <p:animEffect transition="in" filter="fade">
+                                      <p:cBhvr>
+                                        <p:cTn id="18" dur="500"/>
+                                        <p:tgtEl>
+                                          <p:spTgt spid="12"/>
+                                        </p:tgtEl>
+                                      </p:cBhvr>
+                                    </p:animEffect>
+                                  </p:childTnLst>
+                                </p:cTn>
+                              </p:par>
+                            </p:childTnLst>
+                          </p:cTn>
+                        </p:par>
+                      </p:childTnLst>
+                    </p:cTn>
+                  </p:par>
+                  <p:par>
+                    <p:cTn id="19" fill="hold">
+                      <p:stCondLst>
+                        <p:cond delay="indefinite"/>
+                      </p:stCondLst>
+                      <p:childTnLst>
+                        <p:par>
+                          <p:cTn id="20" fill="hold">
+                            <p:stCondLst>
+                              <p:cond delay="0"/>
+                            </p:stCondLst>
+                            <p:childTnLst>
+                              <p:par>
+                                <p:cTn id="21" presetID="10" presetClass="entr" presetSubtype="0" fill="hold" nodeType="clickEffect">
+                                  <p:stCondLst>
+                                    <p:cond delay="0"/>
+                                  </p:stCondLst>
+                                  <p:childTnLst>
+                                    <p:set>
+                                      <p:cBhvr>
+                                        <p:cTn id="22" dur="1" fill="hold">
+                                          <p:stCondLst>
+                                            <p:cond delay="0"/>
+                                          </p:stCondLst>
+                                        </p:cTn>
+                                        <p:tgtEl>
+                                          <p:spTgt spid="4">
+                                            <p:txEl>
+                                              <p:pRg st="4" end="4"/>
+                                            </p:txEl>
+                                          </p:spTgt>
+                                        </p:tgtEl>
+                                        <p:attrNameLst>
+                                          <p:attrName>style.visibility</p:attrName>
+                                        </p:attrNameLst>
+                                      </p:cBhvr>
+                                      <p:to>
+                                        <p:strVal val="visible"/>
+                                      </p:to>
+                                    </p:set>
+                                    <p:animEffect transition="in" filter="fade">
+                                      <p:cBhvr>
+                                        <p:cTn id="23" dur="500"/>
+                                        <p:tgtEl>
+                                          <p:spTgt spid="4">
+                                            <p:txEl>
+                                              <p:pRg st="4" end="4"/>
+                                            </p:txEl>
+                                          </p:spTgt>
+                                        </p:tgtEl>
+                                      </p:cBhvr>
+                                    </p:animEffect>
+                                  </p:childTnLst>
+                                </p:cTn>
+                              </p:par>
+                            </p:childTnLst>
+                          </p:cTn>
+                        </p:par>
+                      </p:childTnLst>
+                    </p:cTn>
+                  </p:par>
+                  <p:par>
+                    <p:cTn id="24" fill="hold">
+                      <p:stCondLst>
+                        <p:cond delay="indefinite"/>
+                      </p:stCondLst>
+                      <p:childTnLst>
+                        <p:par>
+                          <p:cTn id="25" fill="hold">
+                            <p:stCondLst>
+                              <p:cond delay="0"/>
+                            </p:stCondLst>
+                            <p:childTnLst>
+                              <p:par>
+                                <p:cTn id="26" presetID="10" presetClass="entr" presetSubtype="0" fill="hold" nodeType="clickEffect">
+                                  <p:stCondLst>
+                                    <p:cond delay="0"/>
+                                  </p:stCondLst>
+                                  <p:childTnLst>
+                                    <p:set>
+                                      <p:cBhvr>
+                                        <p:cTn id="27" dur="1" fill="hold">
+                                          <p:stCondLst>
+                                            <p:cond delay="0"/>
+                                          </p:stCondLst>
+                                        </p:cTn>
+                                        <p:tgtEl>
+                                          <p:spTgt spid="4">
+                                            <p:txEl>
+                                              <p:pRg st="6" end="6"/>
+                                            </p:txEl>
+                                          </p:spTgt>
+                                        </p:tgtEl>
+                                        <p:attrNameLst>
+                                          <p:attrName>style.visibility</p:attrName>
+                                        </p:attrNameLst>
+                                      </p:cBhvr>
+                                      <p:to>
+                                        <p:strVal val="visible"/>
+                                      </p:to>
+                                    </p:set>
+                                    <p:animEffect transition="in" filter="fade">
+                                      <p:cBhvr>
+                                        <p:cTn id="28" dur="500"/>
+                                        <p:tgtEl>
+                                          <p:spTgt spid="4">
+                                            <p:txEl>
+                                              <p:pRg st="6" end="6"/>
+                                            </p:txEl>
+                                          </p:spTgt>
                                         </p:tgtEl>
                                       </p:cBhvr>
                                     </p:animEffect>
@@ -11275,6 +15089,9 @@
                     <p:cTn id="3" fill="hold">
                       <p:stCondLst>
                         <p:cond delay="indefinite"/>
+                        <p:cond evt="onBegin" delay="0">
+                          <p:tn val="2"/>
+                        </p:cond>
                       </p:stCondLst>
                       <p:childTnLst>
                         <p:par>
@@ -11284,7 +15101,7 @@
                             </p:stCondLst>
                             <p:childTnLst>
                               <p:par>
-                                <p:cTn id="5" presetID="10" presetClass="entr" presetSubtype="0" fill="hold" nodeType="clickEffect">
+                                <p:cTn id="5" presetID="10" presetClass="entr" presetSubtype="0" fill="hold" nodeType="withEffect">
                                   <p:stCondLst>
                                     <p:cond delay="0"/>
                                   </p:stCondLst>
@@ -11312,6 +15129,41 @@
                                         <p:cTn id="7" dur="500"/>
                                         <p:tgtEl>
                                           <p:spTgt spid="11"/>
+                                        </p:tgtEl>
+                                      </p:cBhvr>
+                                    </p:animEffect>
+                                  </p:childTnLst>
+                                </p:cTn>
+                              </p:par>
+                              <p:par>
+                                <p:cTn id="8" presetID="10" presetClass="entr" presetSubtype="0" fill="hold" nodeType="withEffect">
+                                  <p:stCondLst>
+                                    <p:cond delay="0"/>
+                                  </p:stCondLst>
+                                  <p:childTnLst>
+                                    <p:set>
+                                      <p:cBhvr>
+                                        <p:cTn id="9" dur="1" fill="hold">
+                                          <p:stCondLst>
+                                            <p:cond delay="0"/>
+                                          </p:stCondLst>
+                                        </p:cTn>
+                                        <p:tgtEl>
+                                          <p:spTgt spid="12"/>
+                                        </p:tgtEl>
+                                        <p:attrNameLst>
+                                          <p:attrName>style.visibility</p:attrName>
+                                        </p:attrNameLst>
+                                      </p:cBhvr>
+                                      <p:to>
+                                        <p:strVal val="visible"/>
+                                      </p:to>
+                                    </p:set>
+                                    <p:animEffect transition="in" filter="fade">
+                                      <p:cBhvr>
+                                        <p:cTn id="10" dur="500"/>
+                                        <p:tgtEl>
+                                          <p:spTgt spid="12"/>
                                         </p:tgtEl>
                                       </p:cBhvr>
                                     </p:animEffect>
@@ -11325,32 +15177,36 @@
                     </p:cTn>
                   </p:par>
                   <p:par>
-                    <p:cTn id="8" fill="hold">
+                    <p:cTn id="11" fill="hold">
                       <p:stCondLst>
                         <p:cond delay="indefinite"/>
                       </p:stCondLst>
                       <p:childTnLst>
                         <p:par>
-                          <p:cTn id="9" fill="hold">
+                          <p:cTn id="12" fill="hold">
                             <p:stCondLst>
                               <p:cond delay="0"/>
                             </p:stCondLst>
                             <p:childTnLst>
                               <p:par>
-                                <p:cTn id="10" presetID="10" presetClass="entr" presetSubtype="0" fill="hold" nodeType="clickEffect">
+                                <p:cTn id="13" presetID="10" presetClass="entr" presetSubtype="0" fill="hold" nodeType="clickEffect">
                                   <p:stCondLst>
                                     <p:cond delay="0"/>
                                   </p:stCondLst>
                                   <p:childTnLst>
                                     <p:set>
                                       <p:cBhvr>
-                                        <p:cTn id="11" dur="1" fill="hold">
+                                        <p:cTn id="14" dur="1" fill="hold">
                                           <p:stCondLst>
                                             <p:cond delay="0"/>
                                           </p:stCondLst>
                                         </p:cTn>
                                         <p:tgtEl>
-                                          <p:spTgt spid="12"/>
+                                          <p:spTgt spid="4">
+                                            <p:txEl>
+                                              <p:pRg st="0" end="0"/>
+                                            </p:txEl>
+                                          </p:spTgt>
                                         </p:tgtEl>
                                         <p:attrNameLst>
                                           <p:attrName>style.visibility</p:attrName>
@@ -11362,9 +15218,48 @@
                                     </p:set>
                                     <p:animEffect transition="in" filter="fade">
                                       <p:cBhvr>
-                                        <p:cTn id="12" dur="500"/>
-                                        <p:tgtEl>
-                                          <p:spTgt spid="12"/>
+                                        <p:cTn id="15" dur="500"/>
+                                        <p:tgtEl>
+                                          <p:spTgt spid="4">
+                                            <p:txEl>
+                                              <p:pRg st="0" end="0"/>
+                                            </p:txEl>
+                                          </p:spTgt>
+                                        </p:tgtEl>
+                                      </p:cBhvr>
+                                    </p:animEffect>
+                                  </p:childTnLst>
+                                </p:cTn>
+                              </p:par>
+                              <p:par>
+                                <p:cTn id="16" presetID="10" presetClass="entr" presetSubtype="0" fill="hold" nodeType="withEffect">
+                                  <p:stCondLst>
+                                    <p:cond delay="0"/>
+                                  </p:stCondLst>
+                                  <p:childTnLst>
+                                    <p:set>
+                                      <p:cBhvr>
+                                        <p:cTn id="17" dur="1" fill="hold">
+                                          <p:stCondLst>
+                                            <p:cond delay="0"/>
+                                          </p:stCondLst>
+                                        </p:cTn>
+                                        <p:tgtEl>
+                                          <p:spTgt spid="3"/>
+                                        </p:tgtEl>
+                                        <p:attrNameLst>
+                                          <p:attrName>style.visibility</p:attrName>
+                                        </p:attrNameLst>
+                                      </p:cBhvr>
+                                      <p:to>
+                                        <p:strVal val="visible"/>
+                                      </p:to>
+                                    </p:set>
+                                    <p:animEffect transition="in" filter="fade">
+                                      <p:cBhvr>
+                                        <p:cTn id="18" dur="500"/>
+                                        <p:tgtEl>
+                                          <p:spTgt spid="3"/>
                                         </p:tgtEl>
                                       </p:cBhvr>
                                     </p:animEffect>
@@ -11378,32 +15273,36 @@
                     </p:cTn>
                   </p:par>
                   <p:par>
-                    <p:cTn id="13" fill="hold">
+                    <p:cTn id="19" fill="hold">
                       <p:stCondLst>
                         <p:cond delay="indefinite"/>
                       </p:stCondLst>
                       <p:childTnLst>
                         <p:par>
-                          <p:cTn id="14" fill="hold">
+                          <p:cTn id="20" fill="hold">
                             <p:stCondLst>
                               <p:cond delay="0"/>
                             </p:stCondLst>
                             <p:childTnLst>
                               <p:par>
-                                <p:cTn id="15" presetID="10" presetClass="entr" presetSubtype="0" fill="hold" nodeType="clickEffect">
+                                <p:cTn id="21" presetID="10" presetClass="entr" presetSubtype="0" fill="hold" nodeType="clickEffect">
                                   <p:stCondLst>
                                     <p:cond delay="0"/>
                                   </p:stCondLst>
                                   <p:childTnLst>
                                     <p:set>
                                       <p:cBhvr>
-                                        <p:cTn id="16" dur="1" fill="hold">
+                                        <p:cTn id="22" dur="1" fill="hold">
                                           <p:stCondLst>
                                             <p:cond delay="0"/>
                                           </p:stCondLst>
                                         </p:cTn>
                                         <p:tgtEl>
-                                          <p:spTgt spid="3"/>
+                                          <p:spTgt spid="4">
+                                            <p:txEl>
+                                              <p:pRg st="2" end="2"/>
+                                            </p:txEl>
+                                          </p:spTgt>
                                         </p:tgtEl>
                                         <p:attrNameLst>
                                           <p:attrName>style.visibility</p:attrName>
@@ -11415,9 +15314,48 @@
                                     </p:set>
                                     <p:animEffect transition="in" filter="fade">
                                       <p:cBhvr>
-                                        <p:cTn id="17" dur="500"/>
-                                        <p:tgtEl>
-                                          <p:spTgt spid="3"/>
+                                        <p:cTn id="23" dur="500"/>
+                                        <p:tgtEl>
+                                          <p:spTgt spid="4">
+                                            <p:txEl>
+                                              <p:pRg st="2" end="2"/>
+                                            </p:txEl>
+                                          </p:spTgt>
+                                        </p:tgtEl>
+                                      </p:cBhvr>
+                                    </p:animEffect>
+                                  </p:childTnLst>
+                                </p:cTn>
+                              </p:par>
+                              <p:par>
+                                <p:cTn id="24" presetID="10" presetClass="entr" presetSubtype="0" fill="hold" nodeType="withEffect">
+                                  <p:stCondLst>
+                                    <p:cond delay="0"/>
+                                  </p:stCondLst>
+                                  <p:childTnLst>
+                                    <p:set>
+                                      <p:cBhvr>
+                                        <p:cTn id="25" dur="1" fill="hold">
+                                          <p:stCondLst>
+                                            <p:cond delay="0"/>
+                                          </p:stCondLst>
+                                        </p:cTn>
+                                        <p:tgtEl>
+                                          <p:spTgt spid="8"/>
+                                        </p:tgtEl>
+                                        <p:attrNameLst>
+                                          <p:attrName>style.visibility</p:attrName>
+                                        </p:attrNameLst>
+                                      </p:cBhvr>
+                                      <p:to>
+                                        <p:strVal val="visible"/>
+                                      </p:to>
+                                    </p:set>
+                                    <p:animEffect transition="in" filter="fade">
+                                      <p:cBhvr>
+                                        <p:cTn id="26" dur="500"/>
+                                        <p:tgtEl>
+                                          <p:spTgt spid="8"/>
                                         </p:tgtEl>
                                       </p:cBhvr>
                                     </p:animEffect>
@@ -11431,32 +15369,36 @@
                     </p:cTn>
                   </p:par>
                   <p:par>
-                    <p:cTn id="18" fill="hold">
+                    <p:cTn id="27" fill="hold">
                       <p:stCondLst>
                         <p:cond delay="indefinite"/>
                       </p:stCondLst>
                       <p:childTnLst>
                         <p:par>
-                          <p:cTn id="19" fill="hold">
+                          <p:cTn id="28" fill="hold">
                             <p:stCondLst>
                               <p:cond delay="0"/>
                             </p:stCondLst>
                             <p:childTnLst>
                               <p:par>
-                                <p:cTn id="20" presetID="10" presetClass="entr" presetSubtype="0" fill="hold" nodeType="clickEffect">
+                                <p:cTn id="29" presetID="10" presetClass="entr" presetSubtype="0" fill="hold" nodeType="clickEffect">
                                   <p:stCondLst>
                                     <p:cond delay="0"/>
                                   </p:stCondLst>
                                   <p:childTnLst>
                                     <p:set>
                                       <p:cBhvr>
-                                        <p:cTn id="21" dur="1" fill="hold">
+                                        <p:cTn id="30" dur="1" fill="hold">
                                           <p:stCondLst>
                                             <p:cond delay="0"/>
                                           </p:stCondLst>
                                         </p:cTn>
                                         <p:tgtEl>
-                                          <p:spTgt spid="8"/>
+                                          <p:spTgt spid="4">
+                                            <p:txEl>
+                                              <p:pRg st="4" end="4"/>
+                                            </p:txEl>
+                                          </p:spTgt>
                                         </p:tgtEl>
                                         <p:attrNameLst>
                                           <p:attrName>style.visibility</p:attrName>
@@ -11468,42 +15410,28 @@
                                     </p:set>
                                     <p:animEffect transition="in" filter="fade">
                                       <p:cBhvr>
-                                        <p:cTn id="22" dur="500"/>
-                                        <p:tgtEl>
-                                          <p:spTgt spid="8"/>
+                                        <p:cTn id="31" dur="500"/>
+                                        <p:tgtEl>
+                                          <p:spTgt spid="4">
+                                            <p:txEl>
+                                              <p:pRg st="4" end="4"/>
+                                            </p:txEl>
+                                          </p:spTgt>
                                         </p:tgtEl>
                                       </p:cBhvr>
                                     </p:animEffect>
                                   </p:childTnLst>
                                 </p:cTn>
                               </p:par>
-                            </p:childTnLst>
-                          </p:cTn>
-                        </p:par>
-                      </p:childTnLst>
-                    </p:cTn>
-                  </p:par>
-                  <p:par>
-                    <p:cTn id="23" fill="hold">
-                      <p:stCondLst>
-                        <p:cond delay="indefinite"/>
-                      </p:stCondLst>
-                      <p:childTnLst>
-                        <p:par>
-                          <p:cTn id="24" fill="hold">
-                            <p:stCondLst>
-                              <p:cond delay="0"/>
-                            </p:stCondLst>
-                            <p:childTnLst>
                               <p:par>
-                                <p:cTn id="25" presetID="10" presetClass="entr" presetSubtype="0" fill="hold" nodeType="clickEffect">
+                                <p:cTn id="32" presetID="10" presetClass="entr" presetSubtype="0" fill="hold" nodeType="withEffect">
                                   <p:stCondLst>
                                     <p:cond delay="0"/>
                                   </p:stCondLst>
                                   <p:childTnLst>
                                     <p:set>
                                       <p:cBhvr>
-                                        <p:cTn id="26" dur="1" fill="hold">
+                                        <p:cTn id="33" dur="1" fill="hold">
                                           <p:stCondLst>
                                             <p:cond delay="0"/>
                                           </p:stCondLst>
@@ -11521,7 +15449,7 @@
                                     </p:set>
                                     <p:animEffect transition="in" filter="fade">
                                       <p:cBhvr>
-                                        <p:cTn id="27" dur="500"/>
+                                        <p:cTn id="34" dur="500"/>
                                         <p:tgtEl>
                                           <p:spTgt spid="9"/>
                                         </p:tgtEl>
@@ -11965,7 +15893,11 @@
                                           </p:stCondLst>
                                         </p:cTn>
                                         <p:tgtEl>
-                                          <p:spTgt spid="18"/>
+                                          <p:spTgt spid="4">
+                                            <p:txEl>
+                                              <p:pRg st="0" end="0"/>
+                                            </p:txEl>
+                                          </p:spTgt>
                                         </p:tgtEl>
                                         <p:attrNameLst>
                                           <p:attrName>style.visibility</p:attrName>
@@ -11979,7 +15911,11 @@
                                       <p:cBhvr>
                                         <p:cTn id="7" dur="500"/>
                                         <p:tgtEl>
-                                          <p:spTgt spid="18"/>
+                                          <p:spTgt spid="4">
+                                            <p:txEl>
+                                              <p:pRg st="0" end="0"/>
+                                            </p:txEl>
+                                          </p:spTgt>
                                         </p:tgtEl>
                                       </p:cBhvr>
                                     </p:animEffect>
@@ -12018,7 +15954,11 @@
                                           </p:stCondLst>
                                         </p:cTn>
                                         <p:tgtEl>
-                                          <p:spTgt spid="19"/>
+                                          <p:spTgt spid="4">
+                                            <p:txEl>
+                                              <p:pRg st="2" end="2"/>
+                                            </p:txEl>
+                                          </p:spTgt>
                                         </p:tgtEl>
                                         <p:attrNameLst>
                                           <p:attrName>style.visibility</p:attrName>
@@ -12032,7 +15972,11 @@
                                       <p:cBhvr>
                                         <p:cTn id="12" dur="500"/>
                                         <p:tgtEl>
-                                          <p:spTgt spid="19"/>
+                                          <p:spTgt spid="4">
+                                            <p:txEl>
+                                              <p:pRg st="2" end="2"/>
+                                            </p:txEl>
+                                          </p:spTgt>
                                         </p:tgtEl>
                                       </p:cBhvr>
                                     </p:animEffect>
@@ -12071,7 +16015,11 @@
                                           </p:stCondLst>
                                         </p:cTn>
                                         <p:tgtEl>
-                                          <p:spTgt spid="20"/>
+                                          <p:spTgt spid="4">
+                                            <p:txEl>
+                                              <p:pRg st="4" end="4"/>
+                                            </p:txEl>
+                                          </p:spTgt>
                                         </p:tgtEl>
                                         <p:attrNameLst>
                                           <p:attrName>style.visibility</p:attrName>
@@ -12084,6 +16032,212 @@
                                     <p:animEffect transition="in" filter="fade">
                                       <p:cBhvr>
                                         <p:cTn id="17" dur="500"/>
+                                        <p:tgtEl>
+                                          <p:spTgt spid="4">
+                                            <p:txEl>
+                                              <p:pRg st="4" end="4"/>
+                                            </p:txEl>
+                                          </p:spTgt>
+                                        </p:tgtEl>
+                                      </p:cBhvr>
+                                    </p:animEffect>
+                                  </p:childTnLst>
+                                </p:cTn>
+                              </p:par>
+                            </p:childTnLst>
+                          </p:cTn>
+                        </p:par>
+                      </p:childTnLst>
+                    </p:cTn>
+                  </p:par>
+                  <p:par>
+                    <p:cTn id="18" fill="hold">
+                      <p:stCondLst>
+                        <p:cond delay="indefinite"/>
+                      </p:stCondLst>
+                      <p:childTnLst>
+                        <p:par>
+                          <p:cTn id="19" fill="hold">
+                            <p:stCondLst>
+                              <p:cond delay="0"/>
+                            </p:stCondLst>
+                            <p:childTnLst>
+                              <p:par>
+                                <p:cTn id="20" presetID="10" presetClass="entr" presetSubtype="0" fill="hold" nodeType="clickEffect">
+                                  <p:stCondLst>
+                                    <p:cond delay="0"/>
+                                  </p:stCondLst>
+                                  <p:childTnLst>
+                                    <p:set>
+                                      <p:cBhvr>
+                                        <p:cTn id="21" dur="1" fill="hold">
+                                          <p:stCondLst>
+                                            <p:cond delay="0"/>
+                                          </p:stCondLst>
+                                        </p:cTn>
+                                        <p:tgtEl>
+                                          <p:spTgt spid="4">
+                                            <p:txEl>
+                                              <p:pRg st="6" end="6"/>
+                                            </p:txEl>
+                                          </p:spTgt>
+                                        </p:tgtEl>
+                                        <p:attrNameLst>
+                                          <p:attrName>style.visibility</p:attrName>
+                                        </p:attrNameLst>
+                                      </p:cBhvr>
+                                      <p:to>
+                                        <p:strVal val="visible"/>
+                                      </p:to>
+                                    </p:set>
+                                    <p:animEffect transition="in" filter="fade">
+                                      <p:cBhvr>
+                                        <p:cTn id="22" dur="500"/>
+                                        <p:tgtEl>
+                                          <p:spTgt spid="4">
+                                            <p:txEl>
+                                              <p:pRg st="6" end="6"/>
+                                            </p:txEl>
+                                          </p:spTgt>
+                                        </p:tgtEl>
+                                      </p:cBhvr>
+                                    </p:animEffect>
+                                  </p:childTnLst>
+                                </p:cTn>
+                              </p:par>
+                              <p:par>
+                                <p:cTn id="23" presetID="10" presetClass="entr" presetSubtype="0" fill="hold" nodeType="withEffect">
+                                  <p:stCondLst>
+                                    <p:cond delay="0"/>
+                                  </p:stCondLst>
+                                  <p:childTnLst>
+                                    <p:set>
+                                      <p:cBhvr>
+                                        <p:cTn id="24" dur="1" fill="hold">
+                                          <p:stCondLst>
+                                            <p:cond delay="0"/>
+                                          </p:stCondLst>
+                                        </p:cTn>
+                                        <p:tgtEl>
+                                          <p:spTgt spid="18"/>
+                                        </p:tgtEl>
+                                        <p:attrNameLst>
+                                          <p:attrName>style.visibility</p:attrName>
+                                        </p:attrNameLst>
+                                      </p:cBhvr>
+                                      <p:to>
+                                        <p:strVal val="visible"/>
+                                      </p:to>
+                                    </p:set>
+                                    <p:animEffect transition="in" filter="fade">
+                                      <p:cBhvr>
+                                        <p:cTn id="25" dur="500"/>
+                                        <p:tgtEl>
+                                          <p:spTgt spid="18"/>
+                                        </p:tgtEl>
+                                      </p:cBhvr>
+                                    </p:animEffect>
+                                  </p:childTnLst>
+                                </p:cTn>
+                              </p:par>
+                            </p:childTnLst>
+                          </p:cTn>
+                        </p:par>
+                      </p:childTnLst>
+                    </p:cTn>
+                  </p:par>
+                  <p:par>
+                    <p:cTn id="26" fill="hold">
+                      <p:stCondLst>
+                        <p:cond delay="indefinite"/>
+                      </p:stCondLst>
+                      <p:childTnLst>
+                        <p:par>
+                          <p:cTn id="27" fill="hold">
+                            <p:stCondLst>
+                              <p:cond delay="0"/>
+                            </p:stCondLst>
+                            <p:childTnLst>
+                              <p:par>
+                                <p:cTn id="28" presetID="10" presetClass="entr" presetSubtype="0" fill="hold" nodeType="clickEffect">
+                                  <p:stCondLst>
+                                    <p:cond delay="0"/>
+                                  </p:stCondLst>
+                                  <p:childTnLst>
+                                    <p:set>
+                                      <p:cBhvr>
+                                        <p:cTn id="29" dur="1" fill="hold">
+                                          <p:stCondLst>
+                                            <p:cond delay="0"/>
+                                          </p:stCondLst>
+                                        </p:cTn>
+                                        <p:tgtEl>
+                                          <p:spTgt spid="19"/>
+                                        </p:tgtEl>
+                                        <p:attrNameLst>
+                                          <p:attrName>style.visibility</p:attrName>
+                                        </p:attrNameLst>
+                                      </p:cBhvr>
+                                      <p:to>
+                                        <p:strVal val="visible"/>
+                                      </p:to>
+                                    </p:set>
+                                    <p:animEffect transition="in" filter="fade">
+                                      <p:cBhvr>
+                                        <p:cTn id="30" dur="500"/>
+                                        <p:tgtEl>
+                                          <p:spTgt spid="19"/>
+                                        </p:tgtEl>
+                                      </p:cBhvr>
+                                    </p:animEffect>
+                                  </p:childTnLst>
+                                </p:cTn>
+                              </p:par>
+                            </p:childTnLst>
+                          </p:cTn>
+                        </p:par>
+                      </p:childTnLst>
+                    </p:cTn>
+                  </p:par>
+                  <p:par>
+                    <p:cTn id="31" fill="hold">
+                      <p:stCondLst>
+                        <p:cond delay="indefinite"/>
+                      </p:stCondLst>
+                      <p:childTnLst>
+                        <p:par>
+                          <p:cTn id="32" fill="hold">
+                            <p:stCondLst>
+                              <p:cond delay="0"/>
+                            </p:stCondLst>
+                            <p:childTnLst>
+                              <p:par>
+                                <p:cTn id="33" presetID="10" presetClass="entr" presetSubtype="0" fill="hold" nodeType="clickEffect">
+                                  <p:stCondLst>
+                                    <p:cond delay="0"/>
+                                  </p:stCondLst>
+                                  <p:childTnLst>
+                                    <p:set>
+                                      <p:cBhvr>
+                                        <p:cTn id="34" dur="1" fill="hold">
+                                          <p:stCondLst>
+                                            <p:cond delay="0"/>
+                                          </p:stCondLst>
+                                        </p:cTn>
+                                        <p:tgtEl>
+                                          <p:spTgt spid="20"/>
+                                        </p:tgtEl>
+                                        <p:attrNameLst>
+                                          <p:attrName>style.visibility</p:attrName>
+                                        </p:attrNameLst>
+                                      </p:cBhvr>
+                                      <p:to>
+                                        <p:strVal val="visible"/>
+                                      </p:to>
+                                    </p:set>
+                                    <p:animEffect transition="in" filter="fade">
+                                      <p:cBhvr>
+                                        <p:cTn id="35" dur="500"/>
                                         <p:tgtEl>
                                           <p:spTgt spid="20"/>
                                         </p:tgtEl>
@@ -12317,6 +16471,140 @@
   <p:clrMapOvr>
     <a:masterClrMapping/>
   </p:clrMapOvr>
+  <p:timing>
+    <p:tnLst>
+      <p:par>
+        <p:cTn id="1" dur="indefinite" restart="never" nodeType="tmRoot">
+          <p:childTnLst>
+            <p:seq concurrent="1" nextAc="seek">
+              <p:cTn id="2" dur="indefinite" nodeType="mainSeq">
+                <p:childTnLst>
+                  <p:par>
+                    <p:cTn id="3" fill="hold">
+                      <p:stCondLst>
+                        <p:cond delay="indefinite"/>
+                      </p:stCondLst>
+                      <p:childTnLst>
+                        <p:par>
+                          <p:cTn id="4" fill="hold">
+                            <p:stCondLst>
+                              <p:cond delay="0"/>
+                            </p:stCondLst>
+                            <p:childTnLst>
+                              <p:par>
+                                <p:cTn id="5" presetID="10" presetClass="entr" presetSubtype="0" fill="hold" nodeType="clickEffect">
+                                  <p:stCondLst>
+                                    <p:cond delay="0"/>
+                                  </p:stCondLst>
+                                  <p:childTnLst>
+                                    <p:set>
+                                      <p:cBhvr>
+                                        <p:cTn id="6" dur="1" fill="hold">
+                                          <p:stCondLst>
+                                            <p:cond delay="0"/>
+                                          </p:stCondLst>
+                                        </p:cTn>
+                                        <p:tgtEl>
+                                          <p:spTgt spid="3">
+                                            <p:txEl>
+                                              <p:pRg st="0" end="0"/>
+                                            </p:txEl>
+                                          </p:spTgt>
+                                        </p:tgtEl>
+                                        <p:attrNameLst>
+                                          <p:attrName>style.visibility</p:attrName>
+                                        </p:attrNameLst>
+                                      </p:cBhvr>
+                                      <p:to>
+                                        <p:strVal val="visible"/>
+                                      </p:to>
+                                    </p:set>
+                                    <p:animEffect transition="in" filter="fade">
+                                      <p:cBhvr>
+                                        <p:cTn id="7" dur="500"/>
+                                        <p:tgtEl>
+                                          <p:spTgt spid="3">
+                                            <p:txEl>
+                                              <p:pRg st="0" end="0"/>
+                                            </p:txEl>
+                                          </p:spTgt>
+                                        </p:tgtEl>
+                                      </p:cBhvr>
+                                    </p:animEffect>
+                                  </p:childTnLst>
+                                </p:cTn>
+                              </p:par>
+                              <p:par>
+                                <p:cTn id="8" presetID="10" presetClass="entr" presetSubtype="0" fill="hold" nodeType="withEffect">
+                                  <p:stCondLst>
+                                    <p:cond delay="0"/>
+                                  </p:stCondLst>
+                                  <p:childTnLst>
+                                    <p:set>
+                                      <p:cBhvr>
+                                        <p:cTn id="9" dur="1" fill="hold">
+                                          <p:stCondLst>
+                                            <p:cond delay="0"/>
+                                          </p:stCondLst>
+                                        </p:cTn>
+                                        <p:tgtEl>
+                                          <p:spTgt spid="3">
+                                            <p:txEl>
+                                              <p:pRg st="2" end="2"/>
+                                            </p:txEl>
+                                          </p:spTgt>
+                                        </p:tgtEl>
+                                        <p:attrNameLst>
+                                          <p:attrName>style.visibility</p:attrName>
+                                        </p:attrNameLst>
+                                      </p:cBhvr>
+                                      <p:to>
+                                        <p:strVal val="visible"/>
+                                      </p:to>
+                                    </p:set>
+                                    <p:animEffect transition="in" filter="fade">
+                                      <p:cBhvr>
+                                        <p:cTn id="10" dur="500"/>
+                                        <p:tgtEl>
+                                          <p:spTgt spid="3">
+                                            <p:txEl>
+                                              <p:pRg st="2" end="2"/>
+                                            </p:txEl>
+                                          </p:spTgt>
+                                        </p:tgtEl>
+                                      </p:cBhvr>
+                                    </p:animEffect>
+                                  </p:childTnLst>
+                                </p:cTn>
+                              </p:par>
+                            </p:childTnLst>
+                          </p:cTn>
+                        </p:par>
+                      </p:childTnLst>
+                    </p:cTn>
+                  </p:par>
+                </p:childTnLst>
+              </p:cTn>
+              <p:prevCondLst>
+                <p:cond evt="onPrev" delay="0">
+                  <p:tgtEl>
+                    <p:sldTgt/>
+                  </p:tgtEl>
+                </p:cond>
+              </p:prevCondLst>
+              <p:nextCondLst>
+                <p:cond evt="onNext" delay="0">
+                  <p:tgtEl>
+                    <p:sldTgt/>
+                  </p:tgtEl>
+                </p:cond>
+              </p:nextCondLst>
+            </p:seq>
+          </p:childTnLst>
+        </p:cTn>
+      </p:par>
+    </p:tnLst>
+  </p:timing>
 </p:sld>
 </file>
 
@@ -12613,6 +16901,9 @@
                     <p:cTn id="3" fill="hold">
                       <p:stCondLst>
                         <p:cond delay="indefinite"/>
+                        <p:cond evt="onBegin" delay="0">
+                          <p:tn val="2"/>
+                        </p:cond>
                       </p:stCondLst>
                       <p:childTnLst>
                         <p:par>
@@ -12622,7 +16913,7 @@
                             </p:stCondLst>
                             <p:childTnLst>
                               <p:par>
-                                <p:cTn id="5" presetID="10" presetClass="entr" presetSubtype="0" fill="hold" nodeType="clickEffect">
+                                <p:cTn id="5" presetID="10" presetClass="entr" presetSubtype="0" fill="hold" nodeType="withEffect">
                                   <p:stCondLst>
                                     <p:cond delay="0"/>
                                   </p:stCondLst>
@@ -12635,7 +16926,11 @@
                                           </p:stCondLst>
                                         </p:cTn>
                                         <p:tgtEl>
-                                          <p:spTgt spid="14"/>
+                                          <p:spTgt spid="4">
+                                            <p:txEl>
+                                              <p:pRg st="0" end="0"/>
+                                            </p:txEl>
+                                          </p:spTgt>
                                         </p:tgtEl>
                                         <p:attrNameLst>
                                           <p:attrName>style.visibility</p:attrName>
@@ -12649,7 +16944,168 @@
                                       <p:cBhvr>
                                         <p:cTn id="7" dur="500"/>
                                         <p:tgtEl>
+                                          <p:spTgt spid="4">
+                                            <p:txEl>
+                                              <p:pRg st="0" end="0"/>
+                                            </p:txEl>
+                                          </p:spTgt>
+                                        </p:tgtEl>
+                                      </p:cBhvr>
+                                    </p:animEffect>
+                                  </p:childTnLst>
+                                </p:cTn>
+                              </p:par>
+                            </p:childTnLst>
+                          </p:cTn>
+                        </p:par>
+                      </p:childTnLst>
+                    </p:cTn>
+                  </p:par>
+                  <p:par>
+                    <p:cTn id="8" fill="hold">
+                      <p:stCondLst>
+                        <p:cond delay="indefinite"/>
+                      </p:stCondLst>
+                      <p:childTnLst>
+                        <p:par>
+                          <p:cTn id="9" fill="hold">
+                            <p:stCondLst>
+                              <p:cond delay="0"/>
+                            </p:stCondLst>
+                            <p:childTnLst>
+                              <p:par>
+                                <p:cTn id="10" presetID="10" presetClass="entr" presetSubtype="0" fill="hold" nodeType="clickEffect">
+                                  <p:stCondLst>
+                                    <p:cond delay="0"/>
+                                  </p:stCondLst>
+                                  <p:childTnLst>
+                                    <p:set>
+                                      <p:cBhvr>
+                                        <p:cTn id="11" dur="1" fill="hold">
+                                          <p:stCondLst>
+                                            <p:cond delay="0"/>
+                                          </p:stCondLst>
+                                        </p:cTn>
+                                        <p:tgtEl>
+                                          <p:spTgt spid="4">
+                                            <p:txEl>
+                                              <p:pRg st="2" end="2"/>
+                                            </p:txEl>
+                                          </p:spTgt>
+                                        </p:tgtEl>
+                                        <p:attrNameLst>
+                                          <p:attrName>style.visibility</p:attrName>
+                                        </p:attrNameLst>
+                                      </p:cBhvr>
+                                      <p:to>
+                                        <p:strVal val="visible"/>
+                                      </p:to>
+                                    </p:set>
+                                    <p:animEffect transition="in" filter="fade">
+                                      <p:cBhvr>
+                                        <p:cTn id="12" dur="500"/>
+                                        <p:tgtEl>
+                                          <p:spTgt spid="4">
+                                            <p:txEl>
+                                              <p:pRg st="2" end="2"/>
+                                            </p:txEl>
+                                          </p:spTgt>
+                                        </p:tgtEl>
+                                      </p:cBhvr>
+                                    </p:animEffect>
+                                  </p:childTnLst>
+                                </p:cTn>
+                              </p:par>
+                              <p:par>
+                                <p:cTn id="13" presetID="10" presetClass="entr" presetSubtype="0" fill="hold" nodeType="withEffect">
+                                  <p:stCondLst>
+                                    <p:cond delay="0"/>
+                                  </p:stCondLst>
+                                  <p:childTnLst>
+                                    <p:set>
+                                      <p:cBhvr>
+                                        <p:cTn id="14" dur="1" fill="hold">
+                                          <p:stCondLst>
+                                            <p:cond delay="0"/>
+                                          </p:stCondLst>
+                                        </p:cTn>
+                                        <p:tgtEl>
                                           <p:spTgt spid="14"/>
+                                        </p:tgtEl>
+                                        <p:attrNameLst>
+                                          <p:attrName>style.visibility</p:attrName>
+                                        </p:attrNameLst>
+                                      </p:cBhvr>
+                                      <p:to>
+                                        <p:strVal val="visible"/>
+                                      </p:to>
+                                    </p:set>
+                                    <p:animEffect transition="in" filter="fade">
+                                      <p:cBhvr>
+                                        <p:cTn id="15" dur="500"/>
+                                        <p:tgtEl>
+                                          <p:spTgt spid="14"/>
+                                        </p:tgtEl>
+                                      </p:cBhvr>
+                                    </p:animEffect>
+                                  </p:childTnLst>
+                                </p:cTn>
+                              </p:par>
+                            </p:childTnLst>
+                          </p:cTn>
+                        </p:par>
+                      </p:childTnLst>
+                    </p:cTn>
+                  </p:par>
+                  <p:par>
+                    <p:cTn id="16" fill="hold">
+                      <p:stCondLst>
+                        <p:cond delay="indefinite"/>
+                      </p:stCondLst>
+                      <p:childTnLst>
+                        <p:par>
+                          <p:cTn id="17" fill="hold">
+                            <p:stCondLst>
+                              <p:cond delay="0"/>
+                            </p:stCondLst>
+                            <p:childTnLst>
+                              <p:par>
+                                <p:cTn id="18" presetID="10" presetClass="entr" presetSubtype="0" fill="hold" nodeType="clickEffect">
+                                  <p:stCondLst>
+                                    <p:cond delay="0"/>
+                                  </p:stCondLst>
+                                  <p:childTnLst>
+                                    <p:set>
+                                      <p:cBhvr>
+                                        <p:cTn id="19" dur="1" fill="hold">
+                                          <p:stCondLst>
+                                            <p:cond delay="0"/>
+                                          </p:stCondLst>
+                                        </p:cTn>
+                                        <p:tgtEl>
+                                          <p:spTgt spid="4">
+                                            <p:txEl>
+                                              <p:pRg st="4" end="4"/>
+                                            </p:txEl>
+                                          </p:spTgt>
+                                        </p:tgtEl>
+                                        <p:attrNameLst>
+                                          <p:attrName>style.visibility</p:attrName>
+                                        </p:attrNameLst>
+                                      </p:cBhvr>
+                                      <p:to>
+                                        <p:strVal val="visible"/>
+                                      </p:to>
+                                    </p:set>
+                                    <p:animEffect transition="in" filter="fade">
+                                      <p:cBhvr>
+                                        <p:cTn id="20" dur="500"/>
+                                        <p:tgtEl>
+                                          <p:spTgt spid="4">
+                                            <p:txEl>
+                                              <p:pRg st="4" end="4"/>
+                                            </p:txEl>
+                                          </p:spTgt>
                                         </p:tgtEl>
                                       </p:cBhvr>
                                     </p:animEffect>
@@ -12739,8 +17195,8 @@
           </a:p>
         </p:txBody>
       </p:sp>
-      <mc:AlternateContent xmlns:mc="http://schemas.openxmlformats.org/markup-compatibility/2006">
-        <mc:Choice xmlns:a14="http://schemas.microsoft.com/office/drawing/2010/main" Requires="a14">
+      <mc:AlternateContent xmlns:mc="http://schemas.openxmlformats.org/markup-compatibility/2006" xmlns:a14="http://schemas.microsoft.com/office/drawing/2010/main">
+        <mc:Choice Requires="a14">
           <p:sp>
             <p:nvSpPr>
               <p:cNvPr id="4" name="Content Placeholder 3">
@@ -12964,7 +17420,7 @@
             </p:txBody>
           </p:sp>
         </mc:Choice>
-        <mc:Fallback>
+        <mc:Fallback xmlns="">
           <p:sp>
             <p:nvSpPr>
               <p:cNvPr id="4" name="Content Placeholder 3">
@@ -13260,6 +17716,9 @@
                     <p:cTn id="3" fill="hold">
                       <p:stCondLst>
                         <p:cond delay="indefinite"/>
+                        <p:cond evt="onBegin" delay="0">
+                          <p:tn val="2"/>
+                        </p:cond>
                       </p:stCondLst>
                       <p:childTnLst>
                         <p:par>
@@ -13269,7 +17728,7 @@
                             </p:stCondLst>
                             <p:childTnLst>
                               <p:par>
-                                <p:cTn id="5" presetID="10" presetClass="entr" presetSubtype="0" fill="hold" nodeType="clickEffect">
+                                <p:cTn id="5" presetID="10" presetClass="entr" presetSubtype="0" fill="hold" nodeType="withEffect">
                                   <p:stCondLst>
                                     <p:cond delay="0"/>
                                   </p:stCondLst>
@@ -13335,7 +17794,11 @@
                                           </p:stCondLst>
                                         </p:cTn>
                                         <p:tgtEl>
-                                          <p:spTgt spid="15"/>
+                                          <p:spTgt spid="4">
+                                            <p:txEl>
+                                              <p:pRg st="0" end="0"/>
+                                            </p:txEl>
+                                          </p:spTgt>
                                         </p:tgtEl>
                                         <p:attrNameLst>
                                           <p:attrName>style.visibility</p:attrName>
@@ -13348,6 +17811,174 @@
                                     <p:animEffect transition="in" filter="fade">
                                       <p:cBhvr>
                                         <p:cTn id="12" dur="500"/>
+                                        <p:tgtEl>
+                                          <p:spTgt spid="4">
+                                            <p:txEl>
+                                              <p:pRg st="0" end="0"/>
+                                            </p:txEl>
+                                          </p:spTgt>
+                                        </p:tgtEl>
+                                      </p:cBhvr>
+                                    </p:animEffect>
+                                  </p:childTnLst>
+                                </p:cTn>
+                              </p:par>
+                              <p:par>
+                                <p:cTn id="13" presetID="10" presetClass="entr" presetSubtype="0" fill="hold" nodeType="withEffect">
+                                  <p:stCondLst>
+                                    <p:cond delay="0"/>
+                                  </p:stCondLst>
+                                  <p:childTnLst>
+                                    <p:set>
+                                      <p:cBhvr>
+                                        <p:cTn id="14" dur="1" fill="hold">
+                                          <p:stCondLst>
+                                            <p:cond delay="0"/>
+                                          </p:stCondLst>
+                                        </p:cTn>
+                                        <p:tgtEl>
+                                          <p:spTgt spid="4">
+                                            <p:txEl>
+                                              <p:pRg st="1" end="1"/>
+                                            </p:txEl>
+                                          </p:spTgt>
+                                        </p:tgtEl>
+                                        <p:attrNameLst>
+                                          <p:attrName>style.visibility</p:attrName>
+                                        </p:attrNameLst>
+                                      </p:cBhvr>
+                                      <p:to>
+                                        <p:strVal val="visible"/>
+                                      </p:to>
+                                    </p:set>
+                                    <p:animEffect transition="in" filter="fade">
+                                      <p:cBhvr>
+                                        <p:cTn id="15" dur="500"/>
+                                        <p:tgtEl>
+                                          <p:spTgt spid="4">
+                                            <p:txEl>
+                                              <p:pRg st="1" end="1"/>
+                                            </p:txEl>
+                                          </p:spTgt>
+                                        </p:tgtEl>
+                                      </p:cBhvr>
+                                    </p:animEffect>
+                                  </p:childTnLst>
+                                </p:cTn>
+                              </p:par>
+                              <p:par>
+                                <p:cTn id="16" presetID="10" presetClass="entr" presetSubtype="0" fill="hold" nodeType="withEffect">
+                                  <p:stCondLst>
+                                    <p:cond delay="0"/>
+                                  </p:stCondLst>
+                                  <p:childTnLst>
+                                    <p:set>
+                                      <p:cBhvr>
+                                        <p:cTn id="17" dur="1" fill="hold">
+                                          <p:stCondLst>
+                                            <p:cond delay="0"/>
+                                          </p:stCondLst>
+                                        </p:cTn>
+                                        <p:tgtEl>
+                                          <p:spTgt spid="4">
+                                            <p:txEl>
+                                              <p:pRg st="2" end="2"/>
+                                            </p:txEl>
+                                          </p:spTgt>
+                                        </p:tgtEl>
+                                        <p:attrNameLst>
+                                          <p:attrName>style.visibility</p:attrName>
+                                        </p:attrNameLst>
+                                      </p:cBhvr>
+                                      <p:to>
+                                        <p:strVal val="visible"/>
+                                      </p:to>
+                                    </p:set>
+                                    <p:animEffect transition="in" filter="fade">
+                                      <p:cBhvr>
+                                        <p:cTn id="18" dur="500"/>
+                                        <p:tgtEl>
+                                          <p:spTgt spid="4">
+                                            <p:txEl>
+                                              <p:pRg st="2" end="2"/>
+                                            </p:txEl>
+                                          </p:spTgt>
+                                        </p:tgtEl>
+                                      </p:cBhvr>
+                                    </p:animEffect>
+                                  </p:childTnLst>
+                                </p:cTn>
+                              </p:par>
+                              <p:par>
+                                <p:cTn id="19" presetID="10" presetClass="entr" presetSubtype="0" fill="hold" nodeType="withEffect">
+                                  <p:stCondLst>
+                                    <p:cond delay="0"/>
+                                  </p:stCondLst>
+                                  <p:childTnLst>
+                                    <p:set>
+                                      <p:cBhvr>
+                                        <p:cTn id="20" dur="1" fill="hold">
+                                          <p:stCondLst>
+                                            <p:cond delay="0"/>
+                                          </p:stCondLst>
+                                        </p:cTn>
+                                        <p:tgtEl>
+                                          <p:spTgt spid="4">
+                                            <p:txEl>
+                                              <p:pRg st="3" end="3"/>
+                                            </p:txEl>
+                                          </p:spTgt>
+                                        </p:tgtEl>
+                                        <p:attrNameLst>
+                                          <p:attrName>style.visibility</p:attrName>
+                                        </p:attrNameLst>
+                                      </p:cBhvr>
+                                      <p:to>
+                                        <p:strVal val="visible"/>
+                                      </p:to>
+                                    </p:set>
+                                    <p:animEffect transition="in" filter="fade">
+                                      <p:cBhvr>
+                                        <p:cTn id="21" dur="500"/>
+                                        <p:tgtEl>
+                                          <p:spTgt spid="4">
+                                            <p:txEl>
+                                              <p:pRg st="3" end="3"/>
+                                            </p:txEl>
+                                          </p:spTgt>
+                                        </p:tgtEl>
+                                      </p:cBhvr>
+                                    </p:animEffect>
+                                  </p:childTnLst>
+                                </p:cTn>
+                              </p:par>
+                              <p:par>
+                                <p:cTn id="22" presetID="10" presetClass="entr" presetSubtype="0" fill="hold" nodeType="withEffect">
+                                  <p:stCondLst>
+                                    <p:cond delay="0"/>
+                                  </p:stCondLst>
+                                  <p:childTnLst>
+                                    <p:set>
+                                      <p:cBhvr>
+                                        <p:cTn id="23" dur="1" fill="hold">
+                                          <p:stCondLst>
+                                            <p:cond delay="0"/>
+                                          </p:stCondLst>
+                                        </p:cTn>
+                                        <p:tgtEl>
+                                          <p:spTgt spid="15"/>
+                                        </p:tgtEl>
+                                        <p:attrNameLst>
+                                          <p:attrName>style.visibility</p:attrName>
+                                        </p:attrNameLst>
+                                      </p:cBhvr>
+                                      <p:to>
+                                        <p:strVal val="visible"/>
+                                      </p:to>
+                                    </p:set>
+                                    <p:animEffect transition="in" filter="fade">
+                                      <p:cBhvr>
+                                        <p:cTn id="24" dur="500"/>
                                         <p:tgtEl>
                                           <p:spTgt spid="15"/>
                                         </p:tgtEl>
@@ -13363,32 +17994,36 @@
                     </p:cTn>
                   </p:par>
                   <p:par>
-                    <p:cTn id="13" fill="hold">
+                    <p:cTn id="25" fill="hold">
                       <p:stCondLst>
                         <p:cond delay="indefinite"/>
                       </p:stCondLst>
                       <p:childTnLst>
                         <p:par>
-                          <p:cTn id="14" fill="hold">
+                          <p:cTn id="26" fill="hold">
                             <p:stCondLst>
                               <p:cond delay="0"/>
                             </p:stCondLst>
                             <p:childTnLst>
                               <p:par>
-                                <p:cTn id="15" presetID="10" presetClass="entr" presetSubtype="0" fill="hold" nodeType="clickEffect">
+                                <p:cTn id="27" presetID="10" presetClass="entr" presetSubtype="0" fill="hold" nodeType="clickEffect">
                                   <p:stCondLst>
                                     <p:cond delay="0"/>
                                   </p:stCondLst>
                                   <p:childTnLst>
                                     <p:set>
                                       <p:cBhvr>
-                                        <p:cTn id="16" dur="1" fill="hold">
+                                        <p:cTn id="28" dur="1" fill="hold">
                                           <p:stCondLst>
                                             <p:cond delay="0"/>
                                           </p:stCondLst>
                                         </p:cTn>
                                         <p:tgtEl>
-                                          <p:spTgt spid="16"/>
+                                          <p:spTgt spid="4">
+                                            <p:txEl>
+                                              <p:pRg st="5" end="5"/>
+                                            </p:txEl>
+                                          </p:spTgt>
                                         </p:tgtEl>
                                         <p:attrNameLst>
                                           <p:attrName>style.visibility</p:attrName>
@@ -13400,7 +18035,175 @@
                                     </p:set>
                                     <p:animEffect transition="in" filter="fade">
                                       <p:cBhvr>
-                                        <p:cTn id="17" dur="500"/>
+                                        <p:cTn id="29" dur="500"/>
+                                        <p:tgtEl>
+                                          <p:spTgt spid="4">
+                                            <p:txEl>
+                                              <p:pRg st="5" end="5"/>
+                                            </p:txEl>
+                                          </p:spTgt>
+                                        </p:tgtEl>
+                                      </p:cBhvr>
+                                    </p:animEffect>
+                                  </p:childTnLst>
+                                </p:cTn>
+                              </p:par>
+                              <p:par>
+                                <p:cTn id="30" presetID="10" presetClass="entr" presetSubtype="0" fill="hold" nodeType="withEffect">
+                                  <p:stCondLst>
+                                    <p:cond delay="0"/>
+                                  </p:stCondLst>
+                                  <p:childTnLst>
+                                    <p:set>
+                                      <p:cBhvr>
+                                        <p:cTn id="31" dur="1" fill="hold">
+                                          <p:stCondLst>
+                                            <p:cond delay="0"/>
+                                          </p:stCondLst>
+                                        </p:cTn>
+                                        <p:tgtEl>
+                                          <p:spTgt spid="4">
+                                            <p:txEl>
+                                              <p:pRg st="6" end="6"/>
+                                            </p:txEl>
+                                          </p:spTgt>
+                                        </p:tgtEl>
+                                        <p:attrNameLst>
+                                          <p:attrName>style.visibility</p:attrName>
+                                        </p:attrNameLst>
+                                      </p:cBhvr>
+                                      <p:to>
+                                        <p:strVal val="visible"/>
+                                      </p:to>
+                                    </p:set>
+                                    <p:animEffect transition="in" filter="fade">
+                                      <p:cBhvr>
+                                        <p:cTn id="32" dur="500"/>
+                                        <p:tgtEl>
+                                          <p:spTgt spid="4">
+                                            <p:txEl>
+                                              <p:pRg st="6" end="6"/>
+                                            </p:txEl>
+                                          </p:spTgt>
+                                        </p:tgtEl>
+                                      </p:cBhvr>
+                                    </p:animEffect>
+                                  </p:childTnLst>
+                                </p:cTn>
+                              </p:par>
+                              <p:par>
+                                <p:cTn id="33" presetID="10" presetClass="entr" presetSubtype="0" fill="hold" nodeType="withEffect">
+                                  <p:stCondLst>
+                                    <p:cond delay="0"/>
+                                  </p:stCondLst>
+                                  <p:childTnLst>
+                                    <p:set>
+                                      <p:cBhvr>
+                                        <p:cTn id="34" dur="1" fill="hold">
+                                          <p:stCondLst>
+                                            <p:cond delay="0"/>
+                                          </p:stCondLst>
+                                        </p:cTn>
+                                        <p:tgtEl>
+                                          <p:spTgt spid="4">
+                                            <p:txEl>
+                                              <p:pRg st="7" end="7"/>
+                                            </p:txEl>
+                                          </p:spTgt>
+                                        </p:tgtEl>
+                                        <p:attrNameLst>
+                                          <p:attrName>style.visibility</p:attrName>
+                                        </p:attrNameLst>
+                                      </p:cBhvr>
+                                      <p:to>
+                                        <p:strVal val="visible"/>
+                                      </p:to>
+                                    </p:set>
+                                    <p:animEffect transition="in" filter="fade">
+                                      <p:cBhvr>
+                                        <p:cTn id="35" dur="500"/>
+                                        <p:tgtEl>
+                                          <p:spTgt spid="4">
+                                            <p:txEl>
+                                              <p:pRg st="7" end="7"/>
+                                            </p:txEl>
+                                          </p:spTgt>
+                                        </p:tgtEl>
+                                      </p:cBhvr>
+                                    </p:animEffect>
+                                  </p:childTnLst>
+                                </p:cTn>
+                              </p:par>
+                              <p:par>
+                                <p:cTn id="36" presetID="10" presetClass="entr" presetSubtype="0" fill="hold" nodeType="withEffect">
+                                  <p:stCondLst>
+                                    <p:cond delay="0"/>
+                                  </p:stCondLst>
+                                  <p:childTnLst>
+                                    <p:set>
+                                      <p:cBhvr>
+                                        <p:cTn id="37" dur="1" fill="hold">
+                                          <p:stCondLst>
+                                            <p:cond delay="0"/>
+                                          </p:stCondLst>
+                                        </p:cTn>
+                                        <p:tgtEl>
+                                          <p:spTgt spid="4">
+                                            <p:txEl>
+                                              <p:pRg st="8" end="8"/>
+                                            </p:txEl>
+                                          </p:spTgt>
+                                        </p:tgtEl>
+                                        <p:attrNameLst>
+                                          <p:attrName>style.visibility</p:attrName>
+                                        </p:attrNameLst>
+                                      </p:cBhvr>
+                                      <p:to>
+                                        <p:strVal val="visible"/>
+                                      </p:to>
+                                    </p:set>
+                                    <p:animEffect transition="in" filter="fade">
+                                      <p:cBhvr>
+                                        <p:cTn id="38" dur="500"/>
+                                        <p:tgtEl>
+                                          <p:spTgt spid="4">
+                                            <p:txEl>
+                                              <p:pRg st="8" end="8"/>
+                                            </p:txEl>
+                                          </p:spTgt>
+                                        </p:tgtEl>
+                                      </p:cBhvr>
+                                    </p:animEffect>
+                                  </p:childTnLst>
+                                </p:cTn>
+                              </p:par>
+                              <p:par>
+                                <p:cTn id="39" presetID="10" presetClass="entr" presetSubtype="0" fill="hold" nodeType="withEffect">
+                                  <p:stCondLst>
+                                    <p:cond delay="0"/>
+                                  </p:stCondLst>
+                                  <p:childTnLst>
+                                    <p:set>
+                                      <p:cBhvr>
+                                        <p:cTn id="40" dur="1" fill="hold">
+                                          <p:stCondLst>
+                                            <p:cond delay="0"/>
+                                          </p:stCondLst>
+                                        </p:cTn>
+                                        <p:tgtEl>
+                                          <p:spTgt spid="16"/>
+                                        </p:tgtEl>
+                                        <p:attrNameLst>
+                                          <p:attrName>style.visibility</p:attrName>
+                                        </p:attrNameLst>
+                                      </p:cBhvr>
+                                      <p:to>
+                                        <p:strVal val="visible"/>
+                                      </p:to>
+                                    </p:set>
+                                    <p:animEffect transition="in" filter="fade">
+                                      <p:cBhvr>
+                                        <p:cTn id="41" dur="500"/>
                                         <p:tgtEl>
                                           <p:spTgt spid="16"/>
                                         </p:tgtEl>
@@ -13492,8 +18295,8 @@
           </a:p>
         </p:txBody>
       </p:sp>
-      <mc:AlternateContent xmlns:mc="http://schemas.openxmlformats.org/markup-compatibility/2006">
-        <mc:Choice xmlns:a14="http://schemas.microsoft.com/office/drawing/2010/main" Requires="a14">
+      <mc:AlternateContent xmlns:mc="http://schemas.openxmlformats.org/markup-compatibility/2006" xmlns:a14="http://schemas.microsoft.com/office/drawing/2010/main">
+        <mc:Choice Requires="a14">
           <p:sp>
             <p:nvSpPr>
               <p:cNvPr id="4" name="Content Placeholder 3">
@@ -13594,7 +18397,7 @@
             </p:txBody>
           </p:sp>
         </mc:Choice>
-        <mc:Fallback>
+        <mc:Fallback xmlns="">
           <p:sp>
             <p:nvSpPr>
               <p:cNvPr id="4" name="Content Placeholder 3">
@@ -13770,6 +18573,201 @@
   <p:clrMapOvr>
     <a:masterClrMapping/>
   </p:clrMapOvr>
+  <p:timing>
+    <p:tnLst>
+      <p:par>
+        <p:cTn id="1" dur="indefinite" restart="never" nodeType="tmRoot">
+          <p:childTnLst>
+            <p:seq concurrent="1" nextAc="seek">
+              <p:cTn id="2" dur="indefinite" nodeType="mainSeq">
+                <p:childTnLst>
+                  <p:par>
+                    <p:cTn id="3" fill="hold">
+                      <p:stCondLst>
+                        <p:cond delay="indefinite"/>
+                      </p:stCondLst>
+                      <p:childTnLst>
+                        <p:par>
+                          <p:cTn id="4" fill="hold">
+                            <p:stCondLst>
+                              <p:cond delay="0"/>
+                            </p:stCondLst>
+                            <p:childTnLst>
+                              <p:par>
+                                <p:cTn id="5" presetID="10" presetClass="entr" presetSubtype="0" fill="hold" nodeType="clickEffect">
+                                  <p:stCondLst>
+                                    <p:cond delay="0"/>
+                                  </p:stCondLst>
+                                  <p:childTnLst>
+                                    <p:set>
+                                      <p:cBhvr>
+                                        <p:cTn id="6" dur="1" fill="hold">
+                                          <p:stCondLst>
+                                            <p:cond delay="0"/>
+                                          </p:stCondLst>
+                                        </p:cTn>
+                                        <p:tgtEl>
+                                          <p:spTgt spid="4">
+                                            <p:txEl>
+                                              <p:pRg st="0" end="0"/>
+                                            </p:txEl>
+                                          </p:spTgt>
+                                        </p:tgtEl>
+                                        <p:attrNameLst>
+                                          <p:attrName>style.visibility</p:attrName>
+                                        </p:attrNameLst>
+                                      </p:cBhvr>
+                                      <p:to>
+                                        <p:strVal val="visible"/>
+                                      </p:to>
+                                    </p:set>
+                                    <p:animEffect transition="in" filter="fade">
+                                      <p:cBhvr>
+                                        <p:cTn id="7" dur="500"/>
+                                        <p:tgtEl>
+                                          <p:spTgt spid="4">
+                                            <p:txEl>
+                                              <p:pRg st="0" end="0"/>
+                                            </p:txEl>
+                                          </p:spTgt>
+                                        </p:tgtEl>
+                                      </p:cBhvr>
+                                    </p:animEffect>
+                                  </p:childTnLst>
+                                </p:cTn>
+                              </p:par>
+                            </p:childTnLst>
+                          </p:cTn>
+                        </p:par>
+                      </p:childTnLst>
+                    </p:cTn>
+                  </p:par>
+                  <p:par>
+                    <p:cTn id="8" fill="hold">
+                      <p:stCondLst>
+                        <p:cond delay="indefinite"/>
+                      </p:stCondLst>
+                      <p:childTnLst>
+                        <p:par>
+                          <p:cTn id="9" fill="hold">
+                            <p:stCondLst>
+                              <p:cond delay="0"/>
+                            </p:stCondLst>
+                            <p:childTnLst>
+                              <p:par>
+                                <p:cTn id="10" presetID="10" presetClass="entr" presetSubtype="0" fill="hold" nodeType="clickEffect">
+                                  <p:stCondLst>
+                                    <p:cond delay="0"/>
+                                  </p:stCondLst>
+                                  <p:childTnLst>
+                                    <p:set>
+                                      <p:cBhvr>
+                                        <p:cTn id="11" dur="1" fill="hold">
+                                          <p:stCondLst>
+                                            <p:cond delay="0"/>
+                                          </p:stCondLst>
+                                        </p:cTn>
+                                        <p:tgtEl>
+                                          <p:spTgt spid="4">
+                                            <p:txEl>
+                                              <p:pRg st="2" end="2"/>
+                                            </p:txEl>
+                                          </p:spTgt>
+                                        </p:tgtEl>
+                                        <p:attrNameLst>
+                                          <p:attrName>style.visibility</p:attrName>
+                                        </p:attrNameLst>
+                                      </p:cBhvr>
+                                      <p:to>
+                                        <p:strVal val="visible"/>
+                                      </p:to>
+                                    </p:set>
+                                    <p:animEffect transition="in" filter="fade">
+                                      <p:cBhvr>
+                                        <p:cTn id="12" dur="500"/>
+                                        <p:tgtEl>
+                                          <p:spTgt spid="4">
+                                            <p:txEl>
+                                              <p:pRg st="2" end="2"/>
+                                            </p:txEl>
+                                          </p:spTgt>
+                                        </p:tgtEl>
+                                      </p:cBhvr>
+                                    </p:animEffect>
+                                  </p:childTnLst>
+                                </p:cTn>
+                              </p:par>
+                              <p:par>
+                                <p:cTn id="13" presetID="10" presetClass="entr" presetSubtype="0" fill="hold" nodeType="withEffect">
+                                  <p:stCondLst>
+                                    <p:cond delay="0"/>
+                                  </p:stCondLst>
+                                  <p:childTnLst>
+                                    <p:set>
+                                      <p:cBhvr>
+                                        <p:cTn id="14" dur="1" fill="hold">
+                                          <p:stCondLst>
+                                            <p:cond delay="0"/>
+                                          </p:stCondLst>
+                                        </p:cTn>
+                                        <p:tgtEl>
+                                          <p:spTgt spid="4">
+                                            <p:txEl>
+                                              <p:pRg st="4" end="4"/>
+                                            </p:txEl>
+                                          </p:spTgt>
+                                        </p:tgtEl>
+                                        <p:attrNameLst>
+                                          <p:attrName>style.visibility</p:attrName>
+                                        </p:attrNameLst>
+                                      </p:cBhvr>
+                                      <p:to>
+                                        <p:strVal val="visible"/>
+                                      </p:to>
+                                    </p:set>
+                                    <p:animEffect transition="in" filter="fade">
+                                      <p:cBhvr>
+                                        <p:cTn id="15" dur="500"/>
+                                        <p:tgtEl>
+                                          <p:spTgt spid="4">
+                                            <p:txEl>
+                                              <p:pRg st="4" end="4"/>
+                                            </p:txEl>
+                                          </p:spTgt>
+                                        </p:tgtEl>
+                                      </p:cBhvr>
+                                    </p:animEffect>
+                                  </p:childTnLst>
+                                </p:cTn>
+                              </p:par>
+                            </p:childTnLst>
+                          </p:cTn>
+                        </p:par>
+                      </p:childTnLst>
+                    </p:cTn>
+                  </p:par>
+                </p:childTnLst>
+              </p:cTn>
+              <p:prevCondLst>
+                <p:cond evt="onPrev" delay="0">
+                  <p:tgtEl>
+                    <p:sldTgt/>
+                  </p:tgtEl>
+                </p:cond>
+              </p:prevCondLst>
+              <p:nextCondLst>
+                <p:cond evt="onNext" delay="0">
+                  <p:tgtEl>
+                    <p:sldTgt/>
+                  </p:tgtEl>
+                </p:cond>
+              </p:nextCondLst>
+            </p:seq>
+          </p:childTnLst>
+        </p:cTn>
+      </p:par>
+    </p:tnLst>
+  </p:timing>
 </p:sld>
 </file>
 
@@ -14045,6 +19043,434 @@
   <p:clrMapOvr>
     <a:masterClrMapping/>
   </p:clrMapOvr>
+  <p:timing>
+    <p:tnLst>
+      <p:par>
+        <p:cTn id="1" dur="indefinite" restart="never" nodeType="tmRoot">
+          <p:childTnLst>
+            <p:seq concurrent="1" nextAc="seek">
+              <p:cTn id="2" dur="indefinite" nodeType="mainSeq">
+                <p:childTnLst>
+                  <p:par>
+                    <p:cTn id="3" fill="hold">
+                      <p:stCondLst>
+                        <p:cond delay="indefinite"/>
+                      </p:stCondLst>
+                      <p:childTnLst>
+                        <p:par>
+                          <p:cTn id="4" fill="hold">
+                            <p:stCondLst>
+                              <p:cond delay="0"/>
+                            </p:stCondLst>
+                            <p:childTnLst>
+                              <p:par>
+                                <p:cTn id="5" presetID="10" presetClass="entr" presetSubtype="0" fill="hold" nodeType="clickEffect">
+                                  <p:stCondLst>
+                                    <p:cond delay="0"/>
+                                  </p:stCondLst>
+                                  <p:childTnLst>
+                                    <p:set>
+                                      <p:cBhvr>
+                                        <p:cTn id="6" dur="1" fill="hold">
+                                          <p:stCondLst>
+                                            <p:cond delay="0"/>
+                                          </p:stCondLst>
+                                        </p:cTn>
+                                        <p:tgtEl>
+                                          <p:spTgt spid="4">
+                                            <p:txEl>
+                                              <p:pRg st="0" end="0"/>
+                                            </p:txEl>
+                                          </p:spTgt>
+                                        </p:tgtEl>
+                                        <p:attrNameLst>
+                                          <p:attrName>style.visibility</p:attrName>
+                                        </p:attrNameLst>
+                                      </p:cBhvr>
+                                      <p:to>
+                                        <p:strVal val="visible"/>
+                                      </p:to>
+                                    </p:set>
+                                    <p:animEffect transition="in" filter="fade">
+                                      <p:cBhvr>
+                                        <p:cTn id="7" dur="500"/>
+                                        <p:tgtEl>
+                                          <p:spTgt spid="4">
+                                            <p:txEl>
+                                              <p:pRg st="0" end="0"/>
+                                            </p:txEl>
+                                          </p:spTgt>
+                                        </p:tgtEl>
+                                      </p:cBhvr>
+                                    </p:animEffect>
+                                  </p:childTnLst>
+                                </p:cTn>
+                              </p:par>
+                              <p:par>
+                                <p:cTn id="8" presetID="10" presetClass="entr" presetSubtype="0" fill="hold" nodeType="withEffect">
+                                  <p:stCondLst>
+                                    <p:cond delay="0"/>
+                                  </p:stCondLst>
+                                  <p:childTnLst>
+                                    <p:set>
+                                      <p:cBhvr>
+                                        <p:cTn id="9" dur="1" fill="hold">
+                                          <p:stCondLst>
+                                            <p:cond delay="0"/>
+                                          </p:stCondLst>
+                                        </p:cTn>
+                                        <p:tgtEl>
+                                          <p:spTgt spid="4">
+                                            <p:txEl>
+                                              <p:pRg st="1" end="1"/>
+                                            </p:txEl>
+                                          </p:spTgt>
+                                        </p:tgtEl>
+                                        <p:attrNameLst>
+                                          <p:attrName>style.visibility</p:attrName>
+                                        </p:attrNameLst>
+                                      </p:cBhvr>
+                                      <p:to>
+                                        <p:strVal val="visible"/>
+                                      </p:to>
+                                    </p:set>
+                                    <p:animEffect transition="in" filter="fade">
+                                      <p:cBhvr>
+                                        <p:cTn id="10" dur="500"/>
+                                        <p:tgtEl>
+                                          <p:spTgt spid="4">
+                                            <p:txEl>
+                                              <p:pRg st="1" end="1"/>
+                                            </p:txEl>
+                                          </p:spTgt>
+                                        </p:tgtEl>
+                                      </p:cBhvr>
+                                    </p:animEffect>
+                                  </p:childTnLst>
+                                </p:cTn>
+                              </p:par>
+                            </p:childTnLst>
+                          </p:cTn>
+                        </p:par>
+                      </p:childTnLst>
+                    </p:cTn>
+                  </p:par>
+                  <p:par>
+                    <p:cTn id="11" fill="hold">
+                      <p:stCondLst>
+                        <p:cond delay="indefinite"/>
+                      </p:stCondLst>
+                      <p:childTnLst>
+                        <p:par>
+                          <p:cTn id="12" fill="hold">
+                            <p:stCondLst>
+                              <p:cond delay="0"/>
+                            </p:stCondLst>
+                            <p:childTnLst>
+                              <p:par>
+                                <p:cTn id="13" presetID="10" presetClass="entr" presetSubtype="0" fill="hold" nodeType="clickEffect">
+                                  <p:stCondLst>
+                                    <p:cond delay="0"/>
+                                  </p:stCondLst>
+                                  <p:childTnLst>
+                                    <p:set>
+                                      <p:cBhvr>
+                                        <p:cTn id="14" dur="1" fill="hold">
+                                          <p:stCondLst>
+                                            <p:cond delay="0"/>
+                                          </p:stCondLst>
+                                        </p:cTn>
+                                        <p:tgtEl>
+                                          <p:spTgt spid="4">
+                                            <p:txEl>
+                                              <p:pRg st="3" end="3"/>
+                                            </p:txEl>
+                                          </p:spTgt>
+                                        </p:tgtEl>
+                                        <p:attrNameLst>
+                                          <p:attrName>style.visibility</p:attrName>
+                                        </p:attrNameLst>
+                                      </p:cBhvr>
+                                      <p:to>
+                                        <p:strVal val="visible"/>
+                                      </p:to>
+                                    </p:set>
+                                    <p:animEffect transition="in" filter="fade">
+                                      <p:cBhvr>
+                                        <p:cTn id="15" dur="500"/>
+                                        <p:tgtEl>
+                                          <p:spTgt spid="4">
+                                            <p:txEl>
+                                              <p:pRg st="3" end="3"/>
+                                            </p:txEl>
+                                          </p:spTgt>
+                                        </p:tgtEl>
+                                      </p:cBhvr>
+                                    </p:animEffect>
+                                  </p:childTnLst>
+                                </p:cTn>
+                              </p:par>
+                              <p:par>
+                                <p:cTn id="16" presetID="10" presetClass="entr" presetSubtype="0" fill="hold" nodeType="withEffect">
+                                  <p:stCondLst>
+                                    <p:cond delay="0"/>
+                                  </p:stCondLst>
+                                  <p:childTnLst>
+                                    <p:set>
+                                      <p:cBhvr>
+                                        <p:cTn id="17" dur="1" fill="hold">
+                                          <p:stCondLst>
+                                            <p:cond delay="0"/>
+                                          </p:stCondLst>
+                                        </p:cTn>
+                                        <p:tgtEl>
+                                          <p:spTgt spid="4">
+                                            <p:txEl>
+                                              <p:pRg st="4" end="4"/>
+                                            </p:txEl>
+                                          </p:spTgt>
+                                        </p:tgtEl>
+                                        <p:attrNameLst>
+                                          <p:attrName>style.visibility</p:attrName>
+                                        </p:attrNameLst>
+                                      </p:cBhvr>
+                                      <p:to>
+                                        <p:strVal val="visible"/>
+                                      </p:to>
+                                    </p:set>
+                                    <p:animEffect transition="in" filter="fade">
+                                      <p:cBhvr>
+                                        <p:cTn id="18" dur="500"/>
+                                        <p:tgtEl>
+                                          <p:spTgt spid="4">
+                                            <p:txEl>
+                                              <p:pRg st="4" end="4"/>
+                                            </p:txEl>
+                                          </p:spTgt>
+                                        </p:tgtEl>
+                                      </p:cBhvr>
+                                    </p:animEffect>
+                                  </p:childTnLst>
+                                </p:cTn>
+                              </p:par>
+                              <p:par>
+                                <p:cTn id="19" presetID="10" presetClass="entr" presetSubtype="0" fill="hold" nodeType="withEffect">
+                                  <p:stCondLst>
+                                    <p:cond delay="0"/>
+                                  </p:stCondLst>
+                                  <p:childTnLst>
+                                    <p:set>
+                                      <p:cBhvr>
+                                        <p:cTn id="20" dur="1" fill="hold">
+                                          <p:stCondLst>
+                                            <p:cond delay="0"/>
+                                          </p:stCondLst>
+                                        </p:cTn>
+                                        <p:tgtEl>
+                                          <p:spTgt spid="4">
+                                            <p:txEl>
+                                              <p:pRg st="5" end="5"/>
+                                            </p:txEl>
+                                          </p:spTgt>
+                                        </p:tgtEl>
+                                        <p:attrNameLst>
+                                          <p:attrName>style.visibility</p:attrName>
+                                        </p:attrNameLst>
+                                      </p:cBhvr>
+                                      <p:to>
+                                        <p:strVal val="visible"/>
+                                      </p:to>
+                                    </p:set>
+                                    <p:animEffect transition="in" filter="fade">
+                                      <p:cBhvr>
+                                        <p:cTn id="21" dur="500"/>
+                                        <p:tgtEl>
+                                          <p:spTgt spid="4">
+                                            <p:txEl>
+                                              <p:pRg st="5" end="5"/>
+                                            </p:txEl>
+                                          </p:spTgt>
+                                        </p:tgtEl>
+                                      </p:cBhvr>
+                                    </p:animEffect>
+                                  </p:childTnLst>
+                                </p:cTn>
+                              </p:par>
+                              <p:par>
+                                <p:cTn id="22" presetID="10" presetClass="entr" presetSubtype="0" fill="hold" nodeType="withEffect">
+                                  <p:stCondLst>
+                                    <p:cond delay="0"/>
+                                  </p:stCondLst>
+                                  <p:childTnLst>
+                                    <p:set>
+                                      <p:cBhvr>
+                                        <p:cTn id="23" dur="1" fill="hold">
+                                          <p:stCondLst>
+                                            <p:cond delay="0"/>
+                                          </p:stCondLst>
+                                        </p:cTn>
+                                        <p:tgtEl>
+                                          <p:spTgt spid="4">
+                                            <p:txEl>
+                                              <p:pRg st="6" end="6"/>
+                                            </p:txEl>
+                                          </p:spTgt>
+                                        </p:tgtEl>
+                                        <p:attrNameLst>
+                                          <p:attrName>style.visibility</p:attrName>
+                                        </p:attrNameLst>
+                                      </p:cBhvr>
+                                      <p:to>
+                                        <p:strVal val="visible"/>
+                                      </p:to>
+                                    </p:set>
+                                    <p:animEffect transition="in" filter="fade">
+                                      <p:cBhvr>
+                                        <p:cTn id="24" dur="500"/>
+                                        <p:tgtEl>
+                                          <p:spTgt spid="4">
+                                            <p:txEl>
+                                              <p:pRg st="6" end="6"/>
+                                            </p:txEl>
+                                          </p:spTgt>
+                                        </p:tgtEl>
+                                      </p:cBhvr>
+                                    </p:animEffect>
+                                  </p:childTnLst>
+                                </p:cTn>
+                              </p:par>
+                              <p:par>
+                                <p:cTn id="25" presetID="10" presetClass="entr" presetSubtype="0" fill="hold" nodeType="withEffect">
+                                  <p:stCondLst>
+                                    <p:cond delay="0"/>
+                                  </p:stCondLst>
+                                  <p:childTnLst>
+                                    <p:set>
+                                      <p:cBhvr>
+                                        <p:cTn id="26" dur="1" fill="hold">
+                                          <p:stCondLst>
+                                            <p:cond delay="0"/>
+                                          </p:stCondLst>
+                                        </p:cTn>
+                                        <p:tgtEl>
+                                          <p:spTgt spid="4">
+                                            <p:txEl>
+                                              <p:pRg st="7" end="7"/>
+                                            </p:txEl>
+                                          </p:spTgt>
+                                        </p:tgtEl>
+                                        <p:attrNameLst>
+                                          <p:attrName>style.visibility</p:attrName>
+                                        </p:attrNameLst>
+                                      </p:cBhvr>
+                                      <p:to>
+                                        <p:strVal val="visible"/>
+                                      </p:to>
+                                    </p:set>
+                                    <p:animEffect transition="in" filter="fade">
+                                      <p:cBhvr>
+                                        <p:cTn id="27" dur="500"/>
+                                        <p:tgtEl>
+                                          <p:spTgt spid="4">
+                                            <p:txEl>
+                                              <p:pRg st="7" end="7"/>
+                                            </p:txEl>
+                                          </p:spTgt>
+                                        </p:tgtEl>
+                                      </p:cBhvr>
+                                    </p:animEffect>
+                                  </p:childTnLst>
+                                </p:cTn>
+                              </p:par>
+                            </p:childTnLst>
+                          </p:cTn>
+                        </p:par>
+                      </p:childTnLst>
+                    </p:cTn>
+                  </p:par>
+                  <p:par>
+                    <p:cTn id="28" fill="hold">
+                      <p:stCondLst>
+                        <p:cond delay="indefinite"/>
+                      </p:stCondLst>
+                      <p:childTnLst>
+                        <p:par>
+                          <p:cTn id="29" fill="hold">
+                            <p:stCondLst>
+                              <p:cond delay="0"/>
+                            </p:stCondLst>
+                            <p:childTnLst>
+                              <p:par>
+                                <p:cTn id="30" presetID="10" presetClass="entr" presetSubtype="0" fill="hold" nodeType="clickEffect">
+                                  <p:stCondLst>
+                                    <p:cond delay="0"/>
+                                  </p:stCondLst>
+                                  <p:childTnLst>
+                                    <p:set>
+                                      <p:cBhvr>
+                                        <p:cTn id="31" dur="1" fill="hold">
+                                          <p:stCondLst>
+                                            <p:cond delay="0"/>
+                                          </p:stCondLst>
+                                        </p:cTn>
+                                        <p:tgtEl>
+                                          <p:spTgt spid="4">
+                                            <p:txEl>
+                                              <p:pRg st="9" end="9"/>
+                                            </p:txEl>
+                                          </p:spTgt>
+                                        </p:tgtEl>
+                                        <p:attrNameLst>
+                                          <p:attrName>style.visibility</p:attrName>
+                                        </p:attrNameLst>
+                                      </p:cBhvr>
+                                      <p:to>
+                                        <p:strVal val="visible"/>
+                                      </p:to>
+                                    </p:set>
+                                    <p:animEffect transition="in" filter="fade">
+                                      <p:cBhvr>
+                                        <p:cTn id="32" dur="500"/>
+                                        <p:tgtEl>
+                                          <p:spTgt spid="4">
+                                            <p:txEl>
+                                              <p:pRg st="9" end="9"/>
+                                            </p:txEl>
+                                          </p:spTgt>
+                                        </p:tgtEl>
+                                      </p:cBhvr>
+                                    </p:animEffect>
+                                  </p:childTnLst>
+                                </p:cTn>
+                              </p:par>
+                            </p:childTnLst>
+                          </p:cTn>
+                        </p:par>
+                      </p:childTnLst>
+                    </p:cTn>
+                  </p:par>
+                </p:childTnLst>
+              </p:cTn>
+              <p:prevCondLst>
+                <p:cond evt="onPrev" delay="0">
+                  <p:tgtEl>
+                    <p:sldTgt/>
+                  </p:tgtEl>
+                </p:cond>
+              </p:prevCondLst>
+              <p:nextCondLst>
+                <p:cond evt="onNext" delay="0">
+                  <p:tgtEl>
+                    <p:sldTgt/>
+                  </p:tgtEl>
+                </p:cond>
+              </p:nextCondLst>
+            </p:seq>
+          </p:childTnLst>
+        </p:cTn>
+      </p:par>
+    </p:tnLst>
+  </p:timing>
 </p:sld>
 </file>
 
@@ -14352,33 +19778,15 @@
                                   </p:childTnLst>
                                 </p:cTn>
                               </p:par>
-                            </p:childTnLst>
-                          </p:cTn>
-                        </p:par>
-                      </p:childTnLst>
-                    </p:cTn>
-                  </p:par>
-                  <p:par>
-                    <p:cTn id="8" fill="hold">
-                      <p:stCondLst>
-                        <p:cond delay="indefinite"/>
-                      </p:stCondLst>
-                      <p:childTnLst>
-                        <p:par>
-                          <p:cTn id="9" fill="hold">
-                            <p:stCondLst>
-                              <p:cond delay="0"/>
-                            </p:stCondLst>
-                            <p:childTnLst>
                               <p:par>
-                                <p:cTn id="10" presetID="10" presetClass="entr" presetSubtype="0" fill="hold" nodeType="clickEffect">
+                                <p:cTn id="8" presetID="10" presetClass="entr" presetSubtype="0" fill="hold" nodeType="withEffect">
                                   <p:stCondLst>
                                     <p:cond delay="0"/>
                                   </p:stCondLst>
                                   <p:childTnLst>
                                     <p:set>
                                       <p:cBhvr>
-                                        <p:cTn id="11" dur="1" fill="hold">
+                                        <p:cTn id="9" dur="1" fill="hold">
                                           <p:stCondLst>
                                             <p:cond delay="0"/>
                                           </p:stCondLst>
@@ -14400,11 +19808,54 @@
                                     </p:set>
                                     <p:animEffect transition="in" filter="fade">
                                       <p:cBhvr>
-                                        <p:cTn id="12" dur="500"/>
+                                        <p:cTn id="10" dur="500"/>
                                         <p:tgtEl>
                                           <p:spTgt spid="3">
                                             <p:txEl>
                                               <p:pRg st="1" end="1"/>
+                                            </p:txEl>
+                                          </p:spTgt>
+                                        </p:tgtEl>
+                                      </p:cBhvr>
+                                    </p:animEffect>
+                                  </p:childTnLst>
+                                </p:cTn>
+                              </p:par>
+                              <p:par>
+                                <p:cTn id="11" presetID="10" presetClass="entr" presetSubtype="0" fill="hold" nodeType="withEffect">
+                                  <p:stCondLst>
+                                    <p:cond delay="0"/>
+                                  </p:stCondLst>
+                                  <p:childTnLst>
+                                    <p:set>
+                                      <p:cBhvr>
+                                        <p:cTn id="12" dur="1" fill="hold">
+                                          <p:stCondLst>
+                                            <p:cond delay="0"/>
+                                          </p:stCondLst>
+                                        </p:cTn>
+                                        <p:tgtEl>
+                                          <p:spTgt spid="3">
+                                            <p:txEl>
+                                              <p:pRg st="2" end="2"/>
+                                            </p:txEl>
+                                          </p:spTgt>
+                                        </p:tgtEl>
+                                        <p:attrNameLst>
+                                          <p:attrName>style.visibility</p:attrName>
+                                        </p:attrNameLst>
+                                      </p:cBhvr>
+                                      <p:to>
+                                        <p:strVal val="visible"/>
+                                      </p:to>
+                                    </p:set>
+                                    <p:animEffect transition="in" filter="fade">
+                                      <p:cBhvr>
+                                        <p:cTn id="13" dur="500"/>
+                                        <p:tgtEl>
+                                          <p:spTgt spid="3">
+                                            <p:txEl>
+                                              <p:pRg st="2" end="2"/>
                                             </p:txEl>
                                           </p:spTgt>
                                         </p:tgtEl>
@@ -14420,26 +19871,26 @@
                     </p:cTn>
                   </p:par>
                   <p:par>
-                    <p:cTn id="13" fill="hold">
+                    <p:cTn id="14" fill="hold">
                       <p:stCondLst>
                         <p:cond delay="indefinite"/>
                       </p:stCondLst>
                       <p:childTnLst>
                         <p:par>
-                          <p:cTn id="14" fill="hold">
+                          <p:cTn id="15" fill="hold">
                             <p:stCondLst>
                               <p:cond delay="0"/>
                             </p:stCondLst>
                             <p:childTnLst>
                               <p:par>
-                                <p:cTn id="15" presetID="10" presetClass="entr" presetSubtype="0" fill="hold" nodeType="clickEffect">
+                                <p:cTn id="16" presetID="10" presetClass="entr" presetSubtype="0" fill="hold" nodeType="clickEffect">
                                   <p:stCondLst>
                                     <p:cond delay="0"/>
                                   </p:stCondLst>
                                   <p:childTnLst>
                                     <p:set>
                                       <p:cBhvr>
-                                        <p:cTn id="16" dur="1" fill="hold">
+                                        <p:cTn id="17" dur="1" fill="hold">
                                           <p:stCondLst>
                                             <p:cond delay="0"/>
                                           </p:stCondLst>
@@ -14447,7 +19898,7 @@
                                         <p:tgtEl>
                                           <p:spTgt spid="3">
                                             <p:txEl>
-                                              <p:pRg st="2" end="2"/>
+                                              <p:pRg st="4" end="4"/>
                                             </p:txEl>
                                           </p:spTgt>
                                         </p:tgtEl>
@@ -14461,11 +19912,97 @@
                                     </p:set>
                                     <p:animEffect transition="in" filter="fade">
                                       <p:cBhvr>
-                                        <p:cTn id="17" dur="500"/>
+                                        <p:cTn id="18" dur="500"/>
                                         <p:tgtEl>
                                           <p:spTgt spid="3">
                                             <p:txEl>
-                                              <p:pRg st="2" end="2"/>
+                                              <p:pRg st="4" end="4"/>
+                                            </p:txEl>
+                                          </p:spTgt>
+                                        </p:tgtEl>
+                                      </p:cBhvr>
+                                    </p:animEffect>
+                                  </p:childTnLst>
+                                </p:cTn>
+                              </p:par>
+                              <p:par>
+                                <p:cTn id="19" presetID="10" presetClass="entr" presetSubtype="0" fill="hold" nodeType="withEffect">
+                                  <p:stCondLst>
+                                    <p:cond delay="0"/>
+                                  </p:stCondLst>
+                                  <p:childTnLst>
+                                    <p:set>
+                                      <p:cBhvr>
+                                        <p:cTn id="20" dur="1" fill="hold">
+                                          <p:stCondLst>
+                                            <p:cond delay="0"/>
+                                          </p:stCondLst>
+                                        </p:cTn>
+                                        <p:tgtEl>
+                                          <p:spTgt spid="3">
+                                            <p:txEl>
+                                              <p:pRg st="5" end="5"/>
+                                            </p:txEl>
+                                          </p:spTgt>
+                                        </p:tgtEl>
+                                        <p:attrNameLst>
+                                          <p:attrName>style.visibility</p:attrName>
+                                        </p:attrNameLst>
+                                      </p:cBhvr>
+                                      <p:to>
+                                        <p:strVal val="visible"/>
+                                      </p:to>
+                                    </p:set>
+                                    <p:animEffect transition="in" filter="fade">
+                                      <p:cBhvr>
+                                        <p:cTn id="21" dur="500"/>
+                                        <p:tgtEl>
+                                          <p:spTgt spid="3">
+                                            <p:txEl>
+                                              <p:pRg st="5" end="5"/>
+                                            </p:txEl>
+                                          </p:spTgt>
+                                        </p:tgtEl>
+                                      </p:cBhvr>
+                                    </p:animEffect>
+                                  </p:childTnLst>
+                                </p:cTn>
+                              </p:par>
+                              <p:par>
+                                <p:cTn id="22" presetID="10" presetClass="entr" presetSubtype="0" fill="hold" nodeType="withEffect">
+                                  <p:stCondLst>
+                                    <p:cond delay="0"/>
+                                  </p:stCondLst>
+                                  <p:childTnLst>
+                                    <p:set>
+                                      <p:cBhvr>
+                                        <p:cTn id="23" dur="1" fill="hold">
+                                          <p:stCondLst>
+                                            <p:cond delay="0"/>
+                                          </p:stCondLst>
+                                        </p:cTn>
+                                        <p:tgtEl>
+                                          <p:spTgt spid="3">
+                                            <p:txEl>
+                                              <p:pRg st="6" end="6"/>
+                                            </p:txEl>
+                                          </p:spTgt>
+                                        </p:tgtEl>
+                                        <p:attrNameLst>
+                                          <p:attrName>style.visibility</p:attrName>
+                                        </p:attrNameLst>
+                                      </p:cBhvr>
+                                      <p:to>
+                                        <p:strVal val="visible"/>
+                                      </p:to>
+                                    </p:set>
+                                    <p:animEffect transition="in" filter="fade">
+                                      <p:cBhvr>
+                                        <p:cTn id="24" dur="500"/>
+                                        <p:tgtEl>
+                                          <p:spTgt spid="3">
+                                            <p:txEl>
+                                              <p:pRg st="6" end="6"/>
                                             </p:txEl>
                                           </p:spTgt>
                                         </p:tgtEl>
@@ -14481,26 +20018,26 @@
                     </p:cTn>
                   </p:par>
                   <p:par>
-                    <p:cTn id="18" fill="hold">
+                    <p:cTn id="25" fill="hold">
                       <p:stCondLst>
                         <p:cond delay="indefinite"/>
                       </p:stCondLst>
                       <p:childTnLst>
                         <p:par>
-                          <p:cTn id="19" fill="hold">
+                          <p:cTn id="26" fill="hold">
                             <p:stCondLst>
                               <p:cond delay="0"/>
                             </p:stCondLst>
                             <p:childTnLst>
                               <p:par>
-                                <p:cTn id="20" presetID="10" presetClass="entr" presetSubtype="0" fill="hold" nodeType="clickEffect">
+                                <p:cTn id="27" presetID="10" presetClass="entr" presetSubtype="0" fill="hold" nodeType="clickEffect">
                                   <p:stCondLst>
                                     <p:cond delay="0"/>
                                   </p:stCondLst>
                                   <p:childTnLst>
                                     <p:set>
                                       <p:cBhvr>
-                                        <p:cTn id="21" dur="1" fill="hold">
+                                        <p:cTn id="28" dur="1" fill="hold">
                                           <p:stCondLst>
                                             <p:cond delay="0"/>
                                           </p:stCondLst>
@@ -14508,7 +20045,7 @@
                                         <p:tgtEl>
                                           <p:spTgt spid="3">
                                             <p:txEl>
-                                              <p:pRg st="4" end="4"/>
+                                              <p:pRg st="8" end="8"/>
                                             </p:txEl>
                                           </p:spTgt>
                                         </p:tgtEl>
@@ -14522,11 +20059,11 @@
                                     </p:set>
                                     <p:animEffect transition="in" filter="fade">
                                       <p:cBhvr>
-                                        <p:cTn id="22" dur="500"/>
+                                        <p:cTn id="29" dur="500"/>
                                         <p:tgtEl>
                                           <p:spTgt spid="3">
                                             <p:txEl>
-                                              <p:pRg st="4" end="4"/>
+                                              <p:pRg st="8" end="8"/>
                                             </p:txEl>
                                           </p:spTgt>
                                         </p:tgtEl>
@@ -14535,33 +20072,15 @@
                                   </p:childTnLst>
                                 </p:cTn>
                               </p:par>
-                            </p:childTnLst>
-                          </p:cTn>
-                        </p:par>
-                      </p:childTnLst>
-                    </p:cTn>
-                  </p:par>
-                  <p:par>
-                    <p:cTn id="23" fill="hold">
-                      <p:stCondLst>
-                        <p:cond delay="indefinite"/>
-                      </p:stCondLst>
-                      <p:childTnLst>
-                        <p:par>
-                          <p:cTn id="24" fill="hold">
-                            <p:stCondLst>
-                              <p:cond delay="0"/>
-                            </p:stCondLst>
-                            <p:childTnLst>
                               <p:par>
-                                <p:cTn id="25" presetID="10" presetClass="entr" presetSubtype="0" fill="hold" nodeType="clickEffect">
+                                <p:cTn id="30" presetID="10" presetClass="entr" presetSubtype="0" fill="hold" nodeType="withEffect">
                                   <p:stCondLst>
                                     <p:cond delay="0"/>
                                   </p:stCondLst>
                                   <p:childTnLst>
                                     <p:set>
                                       <p:cBhvr>
-                                        <p:cTn id="26" dur="1" fill="hold">
+                                        <p:cTn id="31" dur="1" fill="hold">
                                           <p:stCondLst>
                                             <p:cond delay="0"/>
                                           </p:stCondLst>
@@ -14569,7 +20088,7 @@
                                         <p:tgtEl>
                                           <p:spTgt spid="3">
                                             <p:txEl>
-                                              <p:pRg st="5" end="5"/>
+                                              <p:pRg st="9" end="9"/>
                                             </p:txEl>
                                           </p:spTgt>
                                         </p:tgtEl>
@@ -14583,11 +20102,11 @@
                                     </p:set>
                                     <p:animEffect transition="in" filter="fade">
                                       <p:cBhvr>
-                                        <p:cTn id="27" dur="500"/>
+                                        <p:cTn id="32" dur="500"/>
                                         <p:tgtEl>
                                           <p:spTgt spid="3">
                                             <p:txEl>
-                                              <p:pRg st="5" end="5"/>
+                                              <p:pRg st="9" end="9"/>
                                             </p:txEl>
                                           </p:spTgt>
                                         </p:tgtEl>
@@ -14596,33 +20115,15 @@
                                   </p:childTnLst>
                                 </p:cTn>
                               </p:par>
-                            </p:childTnLst>
-                          </p:cTn>
-                        </p:par>
-                      </p:childTnLst>
-                    </p:cTn>
-                  </p:par>
-                  <p:par>
-                    <p:cTn id="28" fill="hold">
-                      <p:stCondLst>
-                        <p:cond delay="indefinite"/>
-                      </p:stCondLst>
-                      <p:childTnLst>
-                        <p:par>
-                          <p:cTn id="29" fill="hold">
-                            <p:stCondLst>
-                              <p:cond delay="0"/>
-                            </p:stCondLst>
-                            <p:childTnLst>
                               <p:par>
-                                <p:cTn id="30" presetID="10" presetClass="entr" presetSubtype="0" fill="hold" nodeType="clickEffect">
+                                <p:cTn id="33" presetID="10" presetClass="entr" presetSubtype="0" fill="hold" nodeType="withEffect">
                                   <p:stCondLst>
                                     <p:cond delay="0"/>
                                   </p:stCondLst>
                                   <p:childTnLst>
                                     <p:set>
                                       <p:cBhvr>
-                                        <p:cTn id="31" dur="1" fill="hold">
+                                        <p:cTn id="34" dur="1" fill="hold">
                                           <p:stCondLst>
                                             <p:cond delay="0"/>
                                           </p:stCondLst>
@@ -14630,7 +20131,7 @@
                                         <p:tgtEl>
                                           <p:spTgt spid="3">
                                             <p:txEl>
-                                              <p:pRg st="6" end="6"/>
+                                              <p:pRg st="10" end="10"/>
                                             </p:txEl>
                                           </p:spTgt>
                                         </p:tgtEl>
@@ -14644,11 +20145,11 @@
                                     </p:set>
                                     <p:animEffect transition="in" filter="fade">
                                       <p:cBhvr>
-                                        <p:cTn id="32" dur="500"/>
+                                        <p:cTn id="35" dur="500"/>
                                         <p:tgtEl>
                                           <p:spTgt spid="3">
                                             <p:txEl>
-                                              <p:pRg st="6" end="6"/>
+                                              <p:pRg st="10" end="10"/>
                                             </p:txEl>
                                           </p:spTgt>
                                         </p:tgtEl>
@@ -14657,33 +20158,15 @@
                                   </p:childTnLst>
                                 </p:cTn>
                               </p:par>
-                            </p:childTnLst>
-                          </p:cTn>
-                        </p:par>
-                      </p:childTnLst>
-                    </p:cTn>
-                  </p:par>
-                  <p:par>
-                    <p:cTn id="33" fill="hold">
-                      <p:stCondLst>
-                        <p:cond delay="indefinite"/>
-                      </p:stCondLst>
-                      <p:childTnLst>
-                        <p:par>
-                          <p:cTn id="34" fill="hold">
-                            <p:stCondLst>
-                              <p:cond delay="0"/>
-                            </p:stCondLst>
-                            <p:childTnLst>
                               <p:par>
-                                <p:cTn id="35" presetID="10" presetClass="entr" presetSubtype="0" fill="hold" nodeType="clickEffect">
+                                <p:cTn id="36" presetID="10" presetClass="entr" presetSubtype="0" fill="hold" nodeType="withEffect">
                                   <p:stCondLst>
                                     <p:cond delay="0"/>
                                   </p:stCondLst>
                                   <p:childTnLst>
                                     <p:set>
                                       <p:cBhvr>
-                                        <p:cTn id="36" dur="1" fill="hold">
+                                        <p:cTn id="37" dur="1" fill="hold">
                                           <p:stCondLst>
                                             <p:cond delay="0"/>
                                           </p:stCondLst>
@@ -14691,7 +20174,7 @@
                                         <p:tgtEl>
                                           <p:spTgt spid="3">
                                             <p:txEl>
-                                              <p:pRg st="8" end="8"/>
+                                              <p:pRg st="11" end="11"/>
                                             </p:txEl>
                                           </p:spTgt>
                                         </p:tgtEl>
@@ -14705,190 +20188,7 @@
                                     </p:set>
                                     <p:animEffect transition="in" filter="fade">
                                       <p:cBhvr>
-                                        <p:cTn id="37" dur="500"/>
-                                        <p:tgtEl>
-                                          <p:spTgt spid="3">
-                                            <p:txEl>
-                                              <p:pRg st="8" end="8"/>
-                                            </p:txEl>
-                                          </p:spTgt>
-                                        </p:tgtEl>
-                                      </p:cBhvr>
-                                    </p:animEffect>
-                                  </p:childTnLst>
-                                </p:cTn>
-                              </p:par>
-                            </p:childTnLst>
-                          </p:cTn>
-                        </p:par>
-                      </p:childTnLst>
-                    </p:cTn>
-                  </p:par>
-                  <p:par>
-                    <p:cTn id="38" fill="hold">
-                      <p:stCondLst>
-                        <p:cond delay="indefinite"/>
-                      </p:stCondLst>
-                      <p:childTnLst>
-                        <p:par>
-                          <p:cTn id="39" fill="hold">
-                            <p:stCondLst>
-                              <p:cond delay="0"/>
-                            </p:stCondLst>
-                            <p:childTnLst>
-                              <p:par>
-                                <p:cTn id="40" presetID="10" presetClass="entr" presetSubtype="0" fill="hold" nodeType="clickEffect">
-                                  <p:stCondLst>
-                                    <p:cond delay="0"/>
-                                  </p:stCondLst>
-                                  <p:childTnLst>
-                                    <p:set>
-                                      <p:cBhvr>
-                                        <p:cTn id="41" dur="1" fill="hold">
-                                          <p:stCondLst>
-                                            <p:cond delay="0"/>
-                                          </p:stCondLst>
-                                        </p:cTn>
-                                        <p:tgtEl>
-                                          <p:spTgt spid="3">
-                                            <p:txEl>
-                                              <p:pRg st="9" end="9"/>
-                                            </p:txEl>
-                                          </p:spTgt>
-                                        </p:tgtEl>
-                                        <p:attrNameLst>
-                                          <p:attrName>style.visibility</p:attrName>
-                                        </p:attrNameLst>
-                                      </p:cBhvr>
-                                      <p:to>
-                                        <p:strVal val="visible"/>
-                                      </p:to>
-                                    </p:set>
-                                    <p:animEffect transition="in" filter="fade">
-                                      <p:cBhvr>
-                                        <p:cTn id="42" dur="500"/>
-                                        <p:tgtEl>
-                                          <p:spTgt spid="3">
-                                            <p:txEl>
-                                              <p:pRg st="9" end="9"/>
-                                            </p:txEl>
-                                          </p:spTgt>
-                                        </p:tgtEl>
-                                      </p:cBhvr>
-                                    </p:animEffect>
-                                  </p:childTnLst>
-                                </p:cTn>
-                              </p:par>
-                            </p:childTnLst>
-                          </p:cTn>
-                        </p:par>
-                      </p:childTnLst>
-                    </p:cTn>
-                  </p:par>
-                  <p:par>
-                    <p:cTn id="43" fill="hold">
-                      <p:stCondLst>
-                        <p:cond delay="indefinite"/>
-                      </p:stCondLst>
-                      <p:childTnLst>
-                        <p:par>
-                          <p:cTn id="44" fill="hold">
-                            <p:stCondLst>
-                              <p:cond delay="0"/>
-                            </p:stCondLst>
-                            <p:childTnLst>
-                              <p:par>
-                                <p:cTn id="45" presetID="10" presetClass="entr" presetSubtype="0" fill="hold" nodeType="clickEffect">
-                                  <p:stCondLst>
-                                    <p:cond delay="0"/>
-                                  </p:stCondLst>
-                                  <p:childTnLst>
-                                    <p:set>
-                                      <p:cBhvr>
-                                        <p:cTn id="46" dur="1" fill="hold">
-                                          <p:stCondLst>
-                                            <p:cond delay="0"/>
-                                          </p:stCondLst>
-                                        </p:cTn>
-                                        <p:tgtEl>
-                                          <p:spTgt spid="3">
-                                            <p:txEl>
-                                              <p:pRg st="10" end="10"/>
-                                            </p:txEl>
-                                          </p:spTgt>
-                                        </p:tgtEl>
-                                        <p:attrNameLst>
-                                          <p:attrName>style.visibility</p:attrName>
-                                        </p:attrNameLst>
-                                      </p:cBhvr>
-                                      <p:to>
-                                        <p:strVal val="visible"/>
-                                      </p:to>
-                                    </p:set>
-                                    <p:animEffect transition="in" filter="fade">
-                                      <p:cBhvr>
-                                        <p:cTn id="47" dur="500"/>
-                                        <p:tgtEl>
-                                          <p:spTgt spid="3">
-                                            <p:txEl>
-                                              <p:pRg st="10" end="10"/>
-                                            </p:txEl>
-                                          </p:spTgt>
-                                        </p:tgtEl>
-                                      </p:cBhvr>
-                                    </p:animEffect>
-                                  </p:childTnLst>
-                                </p:cTn>
-                              </p:par>
-                            </p:childTnLst>
-                          </p:cTn>
-                        </p:par>
-                      </p:childTnLst>
-                    </p:cTn>
-                  </p:par>
-                  <p:par>
-                    <p:cTn id="48" fill="hold">
-                      <p:stCondLst>
-                        <p:cond delay="indefinite"/>
-                      </p:stCondLst>
-                      <p:childTnLst>
-                        <p:par>
-                          <p:cTn id="49" fill="hold">
-                            <p:stCondLst>
-                              <p:cond delay="0"/>
-                            </p:stCondLst>
-                            <p:childTnLst>
-                              <p:par>
-                                <p:cTn id="50" presetID="10" presetClass="entr" presetSubtype="0" fill="hold" nodeType="clickEffect">
-                                  <p:stCondLst>
-                                    <p:cond delay="0"/>
-                                  </p:stCondLst>
-                                  <p:childTnLst>
-                                    <p:set>
-                                      <p:cBhvr>
-                                        <p:cTn id="51" dur="1" fill="hold">
-                                          <p:stCondLst>
-                                            <p:cond delay="0"/>
-                                          </p:stCondLst>
-                                        </p:cTn>
-                                        <p:tgtEl>
-                                          <p:spTgt spid="3">
-                                            <p:txEl>
-                                              <p:pRg st="11" end="11"/>
-                                            </p:txEl>
-                                          </p:spTgt>
-                                        </p:tgtEl>
-                                        <p:attrNameLst>
-                                          <p:attrName>style.visibility</p:attrName>
-                                        </p:attrNameLst>
-                                      </p:cBhvr>
-                                      <p:to>
-                                        <p:strVal val="visible"/>
-                                      </p:to>
-                                    </p:set>
-                                    <p:animEffect transition="in" filter="fade">
-                                      <p:cBhvr>
-                                        <p:cTn id="52" dur="500"/>
+                                        <p:cTn id="38" dur="500"/>
                                         <p:tgtEl>
                                           <p:spTgt spid="3">
                                             <p:txEl>
@@ -15037,7 +20337,7 @@
             <a:pPr lvl="1"/>
             <a:r>
               <a:rPr lang="en-US" dirty="0"/>
-              <a:t>Existence of Nash Equilibria, Mixed Strategies, Incomplete Information Games, etc.</a:t>
+              <a:t>Existence of Nash Equilibria, Mixed Strategies, Incomplete Information Games, Subgames, Information Sets, etc.</a:t>
             </a:r>
           </a:p>
         </p:txBody>
@@ -15139,6 +20439,323 @@
   <p:clrMapOvr>
     <a:masterClrMapping/>
   </p:clrMapOvr>
+  <p:timing>
+    <p:tnLst>
+      <p:par>
+        <p:cTn id="1" dur="indefinite" restart="never" nodeType="tmRoot">
+          <p:childTnLst>
+            <p:seq concurrent="1" nextAc="seek">
+              <p:cTn id="2" dur="indefinite" nodeType="mainSeq">
+                <p:childTnLst>
+                  <p:par>
+                    <p:cTn id="3" fill="hold">
+                      <p:stCondLst>
+                        <p:cond delay="indefinite"/>
+                      </p:stCondLst>
+                      <p:childTnLst>
+                        <p:par>
+                          <p:cTn id="4" fill="hold">
+                            <p:stCondLst>
+                              <p:cond delay="0"/>
+                            </p:stCondLst>
+                            <p:childTnLst>
+                              <p:par>
+                                <p:cTn id="5" presetID="10" presetClass="entr" presetSubtype="0" fill="hold" nodeType="clickEffect">
+                                  <p:stCondLst>
+                                    <p:cond delay="0"/>
+                                  </p:stCondLst>
+                                  <p:childTnLst>
+                                    <p:set>
+                                      <p:cBhvr>
+                                        <p:cTn id="6" dur="1" fill="hold">
+                                          <p:stCondLst>
+                                            <p:cond delay="0"/>
+                                          </p:stCondLst>
+                                        </p:cTn>
+                                        <p:tgtEl>
+                                          <p:spTgt spid="3">
+                                            <p:txEl>
+                                              <p:pRg st="0" end="0"/>
+                                            </p:txEl>
+                                          </p:spTgt>
+                                        </p:tgtEl>
+                                        <p:attrNameLst>
+                                          <p:attrName>style.visibility</p:attrName>
+                                        </p:attrNameLst>
+                                      </p:cBhvr>
+                                      <p:to>
+                                        <p:strVal val="visible"/>
+                                      </p:to>
+                                    </p:set>
+                                    <p:animEffect transition="in" filter="fade">
+                                      <p:cBhvr>
+                                        <p:cTn id="7" dur="500"/>
+                                        <p:tgtEl>
+                                          <p:spTgt spid="3">
+                                            <p:txEl>
+                                              <p:pRg st="0" end="0"/>
+                                            </p:txEl>
+                                          </p:spTgt>
+                                        </p:tgtEl>
+                                      </p:cBhvr>
+                                    </p:animEffect>
+                                  </p:childTnLst>
+                                </p:cTn>
+                              </p:par>
+                            </p:childTnLst>
+                          </p:cTn>
+                        </p:par>
+                      </p:childTnLst>
+                    </p:cTn>
+                  </p:par>
+                  <p:par>
+                    <p:cTn id="8" fill="hold">
+                      <p:stCondLst>
+                        <p:cond delay="indefinite"/>
+                      </p:stCondLst>
+                      <p:childTnLst>
+                        <p:par>
+                          <p:cTn id="9" fill="hold">
+                            <p:stCondLst>
+                              <p:cond delay="0"/>
+                            </p:stCondLst>
+                            <p:childTnLst>
+                              <p:par>
+                                <p:cTn id="10" presetID="10" presetClass="entr" presetSubtype="0" fill="hold" nodeType="clickEffect">
+                                  <p:stCondLst>
+                                    <p:cond delay="0"/>
+                                  </p:stCondLst>
+                                  <p:childTnLst>
+                                    <p:set>
+                                      <p:cBhvr>
+                                        <p:cTn id="11" dur="1" fill="hold">
+                                          <p:stCondLst>
+                                            <p:cond delay="0"/>
+                                          </p:stCondLst>
+                                        </p:cTn>
+                                        <p:tgtEl>
+                                          <p:spTgt spid="3">
+                                            <p:txEl>
+                                              <p:pRg st="2" end="2"/>
+                                            </p:txEl>
+                                          </p:spTgt>
+                                        </p:tgtEl>
+                                        <p:attrNameLst>
+                                          <p:attrName>style.visibility</p:attrName>
+                                        </p:attrNameLst>
+                                      </p:cBhvr>
+                                      <p:to>
+                                        <p:strVal val="visible"/>
+                                      </p:to>
+                                    </p:set>
+                                    <p:animEffect transition="in" filter="fade">
+                                      <p:cBhvr>
+                                        <p:cTn id="12" dur="500"/>
+                                        <p:tgtEl>
+                                          <p:spTgt spid="3">
+                                            <p:txEl>
+                                              <p:pRg st="2" end="2"/>
+                                            </p:txEl>
+                                          </p:spTgt>
+                                        </p:tgtEl>
+                                      </p:cBhvr>
+                                    </p:animEffect>
+                                  </p:childTnLst>
+                                </p:cTn>
+                              </p:par>
+                            </p:childTnLst>
+                          </p:cTn>
+                        </p:par>
+                      </p:childTnLst>
+                    </p:cTn>
+                  </p:par>
+                  <p:par>
+                    <p:cTn id="13" fill="hold">
+                      <p:stCondLst>
+                        <p:cond delay="indefinite"/>
+                      </p:stCondLst>
+                      <p:childTnLst>
+                        <p:par>
+                          <p:cTn id="14" fill="hold">
+                            <p:stCondLst>
+                              <p:cond delay="0"/>
+                            </p:stCondLst>
+                            <p:childTnLst>
+                              <p:par>
+                                <p:cTn id="15" presetID="10" presetClass="entr" presetSubtype="0" fill="hold" nodeType="clickEffect">
+                                  <p:stCondLst>
+                                    <p:cond delay="0"/>
+                                  </p:stCondLst>
+                                  <p:childTnLst>
+                                    <p:set>
+                                      <p:cBhvr>
+                                        <p:cTn id="16" dur="1" fill="hold">
+                                          <p:stCondLst>
+                                            <p:cond delay="0"/>
+                                          </p:stCondLst>
+                                        </p:cTn>
+                                        <p:tgtEl>
+                                          <p:spTgt spid="3">
+                                            <p:txEl>
+                                              <p:pRg st="4" end="4"/>
+                                            </p:txEl>
+                                          </p:spTgt>
+                                        </p:tgtEl>
+                                        <p:attrNameLst>
+                                          <p:attrName>style.visibility</p:attrName>
+                                        </p:attrNameLst>
+                                      </p:cBhvr>
+                                      <p:to>
+                                        <p:strVal val="visible"/>
+                                      </p:to>
+                                    </p:set>
+                                    <p:animEffect transition="in" filter="fade">
+                                      <p:cBhvr>
+                                        <p:cTn id="17" dur="500"/>
+                                        <p:tgtEl>
+                                          <p:spTgt spid="3">
+                                            <p:txEl>
+                                              <p:pRg st="4" end="4"/>
+                                            </p:txEl>
+                                          </p:spTgt>
+                                        </p:tgtEl>
+                                      </p:cBhvr>
+                                    </p:animEffect>
+                                  </p:childTnLst>
+                                </p:cTn>
+                              </p:par>
+                            </p:childTnLst>
+                          </p:cTn>
+                        </p:par>
+                      </p:childTnLst>
+                    </p:cTn>
+                  </p:par>
+                  <p:par>
+                    <p:cTn id="18" fill="hold">
+                      <p:stCondLst>
+                        <p:cond delay="indefinite"/>
+                      </p:stCondLst>
+                      <p:childTnLst>
+                        <p:par>
+                          <p:cTn id="19" fill="hold">
+                            <p:stCondLst>
+                              <p:cond delay="0"/>
+                            </p:stCondLst>
+                            <p:childTnLst>
+                              <p:par>
+                                <p:cTn id="20" presetID="10" presetClass="entr" presetSubtype="0" fill="hold" nodeType="clickEffect">
+                                  <p:stCondLst>
+                                    <p:cond delay="0"/>
+                                  </p:stCondLst>
+                                  <p:childTnLst>
+                                    <p:set>
+                                      <p:cBhvr>
+                                        <p:cTn id="21" dur="1" fill="hold">
+                                          <p:stCondLst>
+                                            <p:cond delay="0"/>
+                                          </p:stCondLst>
+                                        </p:cTn>
+                                        <p:tgtEl>
+                                          <p:spTgt spid="3">
+                                            <p:txEl>
+                                              <p:pRg st="6" end="6"/>
+                                            </p:txEl>
+                                          </p:spTgt>
+                                        </p:tgtEl>
+                                        <p:attrNameLst>
+                                          <p:attrName>style.visibility</p:attrName>
+                                        </p:attrNameLst>
+                                      </p:cBhvr>
+                                      <p:to>
+                                        <p:strVal val="visible"/>
+                                      </p:to>
+                                    </p:set>
+                                    <p:animEffect transition="in" filter="fade">
+                                      <p:cBhvr>
+                                        <p:cTn id="22" dur="500"/>
+                                        <p:tgtEl>
+                                          <p:spTgt spid="3">
+                                            <p:txEl>
+                                              <p:pRg st="6" end="6"/>
+                                            </p:txEl>
+                                          </p:spTgt>
+                                        </p:tgtEl>
+                                      </p:cBhvr>
+                                    </p:animEffect>
+                                  </p:childTnLst>
+                                </p:cTn>
+                              </p:par>
+                              <p:par>
+                                <p:cTn id="23" presetID="10" presetClass="entr" presetSubtype="0" fill="hold" nodeType="withEffect">
+                                  <p:stCondLst>
+                                    <p:cond delay="0"/>
+                                  </p:stCondLst>
+                                  <p:childTnLst>
+                                    <p:set>
+                                      <p:cBhvr>
+                                        <p:cTn id="24" dur="1" fill="hold">
+                                          <p:stCondLst>
+                                            <p:cond delay="0"/>
+                                          </p:stCondLst>
+                                        </p:cTn>
+                                        <p:tgtEl>
+                                          <p:spTgt spid="3">
+                                            <p:txEl>
+                                              <p:pRg st="7" end="7"/>
+                                            </p:txEl>
+                                          </p:spTgt>
+                                        </p:tgtEl>
+                                        <p:attrNameLst>
+                                          <p:attrName>style.visibility</p:attrName>
+                                        </p:attrNameLst>
+                                      </p:cBhvr>
+                                      <p:to>
+                                        <p:strVal val="visible"/>
+                                      </p:to>
+                                    </p:set>
+                                    <p:animEffect transition="in" filter="fade">
+                                      <p:cBhvr>
+                                        <p:cTn id="25" dur="500"/>
+                                        <p:tgtEl>
+                                          <p:spTgt spid="3">
+                                            <p:txEl>
+                                              <p:pRg st="7" end="7"/>
+                                            </p:txEl>
+                                          </p:spTgt>
+                                        </p:tgtEl>
+                                      </p:cBhvr>
+                                    </p:animEffect>
+                                  </p:childTnLst>
+                                </p:cTn>
+                              </p:par>
+                            </p:childTnLst>
+                          </p:cTn>
+                        </p:par>
+                      </p:childTnLst>
+                    </p:cTn>
+                  </p:par>
+                </p:childTnLst>
+              </p:cTn>
+              <p:prevCondLst>
+                <p:cond evt="onPrev" delay="0">
+                  <p:tgtEl>
+                    <p:sldTgt/>
+                  </p:tgtEl>
+                </p:cond>
+              </p:prevCondLst>
+              <p:nextCondLst>
+                <p:cond evt="onNext" delay="0">
+                  <p:tgtEl>
+                    <p:sldTgt/>
+                  </p:tgtEl>
+                </p:cond>
+              </p:nextCondLst>
+            </p:seq>
+          </p:childTnLst>
+        </p:cTn>
+      </p:par>
+    </p:tnLst>
+  </p:timing>
 </p:sld>
 </file>
 
@@ -15679,33 +21296,15 @@
                                   </p:childTnLst>
                                 </p:cTn>
                               </p:par>
-                            </p:childTnLst>
-                          </p:cTn>
-                        </p:par>
-                      </p:childTnLst>
-                    </p:cTn>
-                  </p:par>
-                  <p:par>
-                    <p:cTn id="18" fill="hold">
-                      <p:stCondLst>
-                        <p:cond delay="indefinite"/>
-                      </p:stCondLst>
-                      <p:childTnLst>
-                        <p:par>
-                          <p:cTn id="19" fill="hold">
-                            <p:stCondLst>
-                              <p:cond delay="0"/>
-                            </p:stCondLst>
-                            <p:childTnLst>
                               <p:par>
-                                <p:cTn id="20" presetID="10" presetClass="entr" presetSubtype="0" fill="hold" nodeType="clickEffect">
+                                <p:cTn id="18" presetID="10" presetClass="entr" presetSubtype="0" fill="hold" nodeType="withEffect">
                                   <p:stCondLst>
                                     <p:cond delay="0"/>
                                   </p:stCondLst>
                                   <p:childTnLst>
                                     <p:set>
                                       <p:cBhvr>
-                                        <p:cTn id="21" dur="1" fill="hold">
+                                        <p:cTn id="19" dur="1" fill="hold">
                                           <p:stCondLst>
                                             <p:cond delay="0"/>
                                           </p:stCondLst>
@@ -15727,7 +21326,7 @@
                                     </p:set>
                                     <p:animEffect transition="in" filter="fade">
                                       <p:cBhvr>
-                                        <p:cTn id="22" dur="500"/>
+                                        <p:cTn id="20" dur="500"/>
                                         <p:tgtEl>
                                           <p:spTgt spid="3">
                                             <p:txEl>
@@ -15740,33 +21339,15 @@
                                   </p:childTnLst>
                                 </p:cTn>
                               </p:par>
-                            </p:childTnLst>
-                          </p:cTn>
-                        </p:par>
-                      </p:childTnLst>
-                    </p:cTn>
-                  </p:par>
-                  <p:par>
-                    <p:cTn id="23" fill="hold">
-                      <p:stCondLst>
-                        <p:cond delay="indefinite"/>
-                      </p:stCondLst>
-                      <p:childTnLst>
-                        <p:par>
-                          <p:cTn id="24" fill="hold">
-                            <p:stCondLst>
-                              <p:cond delay="0"/>
-                            </p:stCondLst>
-                            <p:childTnLst>
                               <p:par>
-                                <p:cTn id="25" presetID="10" presetClass="entr" presetSubtype="0" fill="hold" nodeType="clickEffect">
+                                <p:cTn id="21" presetID="10" presetClass="entr" presetSubtype="0" fill="hold" nodeType="withEffect">
                                   <p:stCondLst>
                                     <p:cond delay="0"/>
                                   </p:stCondLst>
                                   <p:childTnLst>
                                     <p:set>
                                       <p:cBhvr>
-                                        <p:cTn id="26" dur="1" fill="hold">
+                                        <p:cTn id="22" dur="1" fill="hold">
                                           <p:stCondLst>
                                             <p:cond delay="0"/>
                                           </p:stCondLst>
@@ -15788,7 +21369,7 @@
                                     </p:set>
                                     <p:animEffect transition="in" filter="fade">
                                       <p:cBhvr>
-                                        <p:cTn id="27" dur="500"/>
+                                        <p:cTn id="23" dur="500"/>
                                         <p:tgtEl>
                                           <p:spTgt spid="3">
                                             <p:txEl>
@@ -15801,33 +21382,15 @@
                                   </p:childTnLst>
                                 </p:cTn>
                               </p:par>
-                            </p:childTnLst>
-                          </p:cTn>
-                        </p:par>
-                      </p:childTnLst>
-                    </p:cTn>
-                  </p:par>
-                  <p:par>
-                    <p:cTn id="28" fill="hold">
-                      <p:stCondLst>
-                        <p:cond delay="indefinite"/>
-                      </p:stCondLst>
-                      <p:childTnLst>
-                        <p:par>
-                          <p:cTn id="29" fill="hold">
-                            <p:stCondLst>
-                              <p:cond delay="0"/>
-                            </p:stCondLst>
-                            <p:childTnLst>
                               <p:par>
-                                <p:cTn id="30" presetID="10" presetClass="entr" presetSubtype="0" fill="hold" nodeType="clickEffect">
+                                <p:cTn id="24" presetID="10" presetClass="entr" presetSubtype="0" fill="hold" nodeType="withEffect">
                                   <p:stCondLst>
                                     <p:cond delay="0"/>
                                   </p:stCondLst>
                                   <p:childTnLst>
                                     <p:set>
                                       <p:cBhvr>
-                                        <p:cTn id="31" dur="1" fill="hold">
+                                        <p:cTn id="25" dur="1" fill="hold">
                                           <p:stCondLst>
                                             <p:cond delay="0"/>
                                           </p:stCondLst>
@@ -15849,7 +21412,7 @@
                                     </p:set>
                                     <p:animEffect transition="in" filter="fade">
                                       <p:cBhvr>
-                                        <p:cTn id="32" dur="500"/>
+                                        <p:cTn id="26" dur="500"/>
                                         <p:tgtEl>
                                           <p:spTgt spid="3">
                                             <p:txEl>
@@ -16291,7 +21854,11 @@
                                           </p:stCondLst>
                                         </p:cTn>
                                         <p:tgtEl>
-                                          <p:spTgt spid="20"/>
+                                          <p:spTgt spid="4">
+                                            <p:txEl>
+                                              <p:pRg st="0" end="0"/>
+                                            </p:txEl>
+                                          </p:spTgt>
                                         </p:tgtEl>
                                         <p:attrNameLst>
                                           <p:attrName>style.visibility</p:attrName>
@@ -16305,48 +21872,9 @@
                                       <p:cBhvr>
                                         <p:cTn id="7" dur="500"/>
                                         <p:tgtEl>
-                                          <p:spTgt spid="20"/>
-                                        </p:tgtEl>
-                                      </p:cBhvr>
-                                    </p:animEffect>
-                                  </p:childTnLst>
-                                </p:cTn>
-                              </p:par>
-                              <p:par>
-                                <p:cTn id="8" presetID="10" presetClass="entr" presetSubtype="0" fill="hold" nodeType="withEffect">
-                                  <p:stCondLst>
-                                    <p:cond delay="0"/>
-                                  </p:stCondLst>
-                                  <p:childTnLst>
-                                    <p:set>
-                                      <p:cBhvr>
-                                        <p:cTn id="9" dur="1" fill="hold">
-                                          <p:stCondLst>
-                                            <p:cond delay="0"/>
-                                          </p:stCondLst>
-                                        </p:cTn>
-                                        <p:tgtEl>
                                           <p:spTgt spid="4">
                                             <p:txEl>
-                                              <p:pRg st="3" end="3"/>
-                                            </p:txEl>
-                                          </p:spTgt>
-                                        </p:tgtEl>
-                                        <p:attrNameLst>
-                                          <p:attrName>style.visibility</p:attrName>
-                                        </p:attrNameLst>
-                                      </p:cBhvr>
-                                      <p:to>
-                                        <p:strVal val="visible"/>
-                                      </p:to>
-                                    </p:set>
-                                    <p:animEffect transition="in" filter="fade">
-                                      <p:cBhvr>
-                                        <p:cTn id="10" dur="500"/>
-                                        <p:tgtEl>
-                                          <p:spTgt spid="4">
-                                            <p:txEl>
-                                              <p:pRg st="3" end="3"/>
+                                              <p:pRg st="0" end="0"/>
                                             </p:txEl>
                                           </p:spTgt>
                                         </p:tgtEl>
@@ -16362,32 +21890,36 @@
                     </p:cTn>
                   </p:par>
                   <p:par>
-                    <p:cTn id="11" fill="hold">
+                    <p:cTn id="8" fill="hold">
                       <p:stCondLst>
                         <p:cond delay="indefinite"/>
                       </p:stCondLst>
                       <p:childTnLst>
                         <p:par>
-                          <p:cTn id="12" fill="hold">
+                          <p:cTn id="9" fill="hold">
                             <p:stCondLst>
                               <p:cond delay="0"/>
                             </p:stCondLst>
                             <p:childTnLst>
                               <p:par>
-                                <p:cTn id="13" presetID="10" presetClass="entr" presetSubtype="0" fill="hold" nodeType="clickEffect">
+                                <p:cTn id="10" presetID="10" presetClass="entr" presetSubtype="0" fill="hold" nodeType="clickEffect">
                                   <p:stCondLst>
                                     <p:cond delay="0"/>
                                   </p:stCondLst>
                                   <p:childTnLst>
                                     <p:set>
                                       <p:cBhvr>
-                                        <p:cTn id="14" dur="1" fill="hold">
+                                        <p:cTn id="11" dur="1" fill="hold">
                                           <p:stCondLst>
                                             <p:cond delay="0"/>
                                           </p:stCondLst>
                                         </p:cTn>
                                         <p:tgtEl>
-                                          <p:spTgt spid="21"/>
+                                          <p:spTgt spid="4">
+                                            <p:txEl>
+                                              <p:pRg st="2" end="2"/>
+                                            </p:txEl>
+                                          </p:spTgt>
                                         </p:tgtEl>
                                         <p:attrNameLst>
                                           <p:attrName>style.visibility</p:attrName>
@@ -16399,50 +21931,11 @@
                                     </p:set>
                                     <p:animEffect transition="in" filter="fade">
                                       <p:cBhvr>
-                                        <p:cTn id="15" dur="500"/>
-                                        <p:tgtEl>
-                                          <p:spTgt spid="21"/>
-                                        </p:tgtEl>
-                                      </p:cBhvr>
-                                    </p:animEffect>
-                                  </p:childTnLst>
-                                </p:cTn>
-                              </p:par>
-                              <p:par>
-                                <p:cTn id="16" presetID="10" presetClass="entr" presetSubtype="0" fill="hold" nodeType="withEffect">
-                                  <p:stCondLst>
-                                    <p:cond delay="0"/>
-                                  </p:stCondLst>
-                                  <p:childTnLst>
-                                    <p:set>
-                                      <p:cBhvr>
-                                        <p:cTn id="17" dur="1" fill="hold">
-                                          <p:stCondLst>
-                                            <p:cond delay="0"/>
-                                          </p:stCondLst>
-                                        </p:cTn>
+                                        <p:cTn id="12" dur="500"/>
                                         <p:tgtEl>
                                           <p:spTgt spid="4">
                                             <p:txEl>
-                                              <p:pRg st="4" end="4"/>
-                                            </p:txEl>
-                                          </p:spTgt>
-                                        </p:tgtEl>
-                                        <p:attrNameLst>
-                                          <p:attrName>style.visibility</p:attrName>
-                                        </p:attrNameLst>
-                                      </p:cBhvr>
-                                      <p:to>
-                                        <p:strVal val="visible"/>
-                                      </p:to>
-                                    </p:set>
-                                    <p:animEffect transition="in" filter="fade">
-                                      <p:cBhvr>
-                                        <p:cTn id="18" dur="500"/>
-                                        <p:tgtEl>
-                                          <p:spTgt spid="4">
-                                            <p:txEl>
-                                              <p:pRg st="4" end="4"/>
+                                              <p:pRg st="2" end="2"/>
                                             </p:txEl>
                                           </p:spTgt>
                                         </p:tgtEl>
@@ -16458,32 +21951,32 @@
                     </p:cTn>
                   </p:par>
                   <p:par>
-                    <p:cTn id="19" fill="hold">
+                    <p:cTn id="13" fill="hold">
                       <p:stCondLst>
                         <p:cond delay="indefinite"/>
                       </p:stCondLst>
                       <p:childTnLst>
                         <p:par>
-                          <p:cTn id="20" fill="hold">
+                          <p:cTn id="14" fill="hold">
                             <p:stCondLst>
                               <p:cond delay="0"/>
                             </p:stCondLst>
                             <p:childTnLst>
                               <p:par>
-                                <p:cTn id="21" presetID="10" presetClass="entr" presetSubtype="0" fill="hold" nodeType="clickEffect">
+                                <p:cTn id="15" presetID="10" presetClass="entr" presetSubtype="0" fill="hold" nodeType="clickEffect">
                                   <p:stCondLst>
                                     <p:cond delay="0"/>
                                   </p:stCondLst>
                                   <p:childTnLst>
                                     <p:set>
                                       <p:cBhvr>
-                                        <p:cTn id="22" dur="1" fill="hold">
+                                        <p:cTn id="16" dur="1" fill="hold">
                                           <p:stCondLst>
                                             <p:cond delay="0"/>
                                           </p:stCondLst>
                                         </p:cTn>
                                         <p:tgtEl>
-                                          <p:spTgt spid="22"/>
+                                          <p:spTgt spid="20"/>
                                         </p:tgtEl>
                                         <p:attrNameLst>
                                           <p:attrName>style.visibility</p:attrName>
@@ -16495,9 +21988,244 @@
                                     </p:set>
                                     <p:animEffect transition="in" filter="fade">
                                       <p:cBhvr>
-                                        <p:cTn id="23" dur="500"/>
+                                        <p:cTn id="17" dur="500"/>
+                                        <p:tgtEl>
+                                          <p:spTgt spid="20"/>
+                                        </p:tgtEl>
+                                      </p:cBhvr>
+                                    </p:animEffect>
+                                  </p:childTnLst>
+                                </p:cTn>
+                              </p:par>
+                              <p:par>
+                                <p:cTn id="18" presetID="10" presetClass="entr" presetSubtype="0" fill="hold" nodeType="withEffect">
+                                  <p:stCondLst>
+                                    <p:cond delay="0"/>
+                                  </p:stCondLst>
+                                  <p:childTnLst>
+                                    <p:set>
+                                      <p:cBhvr>
+                                        <p:cTn id="19" dur="1" fill="hold">
+                                          <p:stCondLst>
+                                            <p:cond delay="0"/>
+                                          </p:stCondLst>
+                                        </p:cTn>
+                                        <p:tgtEl>
+                                          <p:spTgt spid="4">
+                                            <p:txEl>
+                                              <p:pRg st="3" end="3"/>
+                                            </p:txEl>
+                                          </p:spTgt>
+                                        </p:tgtEl>
+                                        <p:attrNameLst>
+                                          <p:attrName>style.visibility</p:attrName>
+                                        </p:attrNameLst>
+                                      </p:cBhvr>
+                                      <p:to>
+                                        <p:strVal val="visible"/>
+                                      </p:to>
+                                    </p:set>
+                                    <p:animEffect transition="in" filter="fade">
+                                      <p:cBhvr>
+                                        <p:cTn id="20" dur="500"/>
+                                        <p:tgtEl>
+                                          <p:spTgt spid="4">
+                                            <p:txEl>
+                                              <p:pRg st="3" end="3"/>
+                                            </p:txEl>
+                                          </p:spTgt>
+                                        </p:tgtEl>
+                                      </p:cBhvr>
+                                    </p:animEffect>
+                                  </p:childTnLst>
+                                </p:cTn>
+                              </p:par>
+                            </p:childTnLst>
+                          </p:cTn>
+                        </p:par>
+                      </p:childTnLst>
+                    </p:cTn>
+                  </p:par>
+                  <p:par>
+                    <p:cTn id="21" fill="hold">
+                      <p:stCondLst>
+                        <p:cond delay="indefinite"/>
+                      </p:stCondLst>
+                      <p:childTnLst>
+                        <p:par>
+                          <p:cTn id="22" fill="hold">
+                            <p:stCondLst>
+                              <p:cond delay="0"/>
+                            </p:stCondLst>
+                            <p:childTnLst>
+                              <p:par>
+                                <p:cTn id="23" presetID="10" presetClass="entr" presetSubtype="0" fill="hold" nodeType="clickEffect">
+                                  <p:stCondLst>
+                                    <p:cond delay="0"/>
+                                  </p:stCondLst>
+                                  <p:childTnLst>
+                                    <p:set>
+                                      <p:cBhvr>
+                                        <p:cTn id="24" dur="1" fill="hold">
+                                          <p:stCondLst>
+                                            <p:cond delay="0"/>
+                                          </p:stCondLst>
+                                        </p:cTn>
+                                        <p:tgtEl>
+                                          <p:spTgt spid="21"/>
+                                        </p:tgtEl>
+                                        <p:attrNameLst>
+                                          <p:attrName>style.visibility</p:attrName>
+                                        </p:attrNameLst>
+                                      </p:cBhvr>
+                                      <p:to>
+                                        <p:strVal val="visible"/>
+                                      </p:to>
+                                    </p:set>
+                                    <p:animEffect transition="in" filter="fade">
+                                      <p:cBhvr>
+                                        <p:cTn id="25" dur="500"/>
+                                        <p:tgtEl>
+                                          <p:spTgt spid="21"/>
+                                        </p:tgtEl>
+                                      </p:cBhvr>
+                                    </p:animEffect>
+                                  </p:childTnLst>
+                                </p:cTn>
+                              </p:par>
+                              <p:par>
+                                <p:cTn id="26" presetID="10" presetClass="entr" presetSubtype="0" fill="hold" nodeType="withEffect">
+                                  <p:stCondLst>
+                                    <p:cond delay="0"/>
+                                  </p:stCondLst>
+                                  <p:childTnLst>
+                                    <p:set>
+                                      <p:cBhvr>
+                                        <p:cTn id="27" dur="1" fill="hold">
+                                          <p:stCondLst>
+                                            <p:cond delay="0"/>
+                                          </p:stCondLst>
+                                        </p:cTn>
+                                        <p:tgtEl>
+                                          <p:spTgt spid="4">
+                                            <p:txEl>
+                                              <p:pRg st="4" end="4"/>
+                                            </p:txEl>
+                                          </p:spTgt>
+                                        </p:tgtEl>
+                                        <p:attrNameLst>
+                                          <p:attrName>style.visibility</p:attrName>
+                                        </p:attrNameLst>
+                                      </p:cBhvr>
+                                      <p:to>
+                                        <p:strVal val="visible"/>
+                                      </p:to>
+                                    </p:set>
+                                    <p:animEffect transition="in" filter="fade">
+                                      <p:cBhvr>
+                                        <p:cTn id="28" dur="500"/>
+                                        <p:tgtEl>
+                                          <p:spTgt spid="4">
+                                            <p:txEl>
+                                              <p:pRg st="4" end="4"/>
+                                            </p:txEl>
+                                          </p:spTgt>
+                                        </p:tgtEl>
+                                      </p:cBhvr>
+                                    </p:animEffect>
+                                  </p:childTnLst>
+                                </p:cTn>
+                              </p:par>
+                            </p:childTnLst>
+                          </p:cTn>
+                        </p:par>
+                      </p:childTnLst>
+                    </p:cTn>
+                  </p:par>
+                  <p:par>
+                    <p:cTn id="29" fill="hold">
+                      <p:stCondLst>
+                        <p:cond delay="indefinite"/>
+                      </p:stCondLst>
+                      <p:childTnLst>
+                        <p:par>
+                          <p:cTn id="30" fill="hold">
+                            <p:stCondLst>
+                              <p:cond delay="0"/>
+                            </p:stCondLst>
+                            <p:childTnLst>
+                              <p:par>
+                                <p:cTn id="31" presetID="10" presetClass="entr" presetSubtype="0" fill="hold" nodeType="clickEffect">
+                                  <p:stCondLst>
+                                    <p:cond delay="0"/>
+                                  </p:stCondLst>
+                                  <p:childTnLst>
+                                    <p:set>
+                                      <p:cBhvr>
+                                        <p:cTn id="32" dur="1" fill="hold">
+                                          <p:stCondLst>
+                                            <p:cond delay="0"/>
+                                          </p:stCondLst>
+                                        </p:cTn>
                                         <p:tgtEl>
                                           <p:spTgt spid="22"/>
+                                        </p:tgtEl>
+                                        <p:attrNameLst>
+                                          <p:attrName>style.visibility</p:attrName>
+                                        </p:attrNameLst>
+                                      </p:cBhvr>
+                                      <p:to>
+                                        <p:strVal val="visible"/>
+                                      </p:to>
+                                    </p:set>
+                                    <p:animEffect transition="in" filter="fade">
+                                      <p:cBhvr>
+                                        <p:cTn id="33" dur="500"/>
+                                        <p:tgtEl>
+                                          <p:spTgt spid="22"/>
+                                        </p:tgtEl>
+                                      </p:cBhvr>
+                                    </p:animEffect>
+                                  </p:childTnLst>
+                                </p:cTn>
+                              </p:par>
+                              <p:par>
+                                <p:cTn id="34" presetID="10" presetClass="entr" presetSubtype="0" fill="hold" nodeType="withEffect">
+                                  <p:stCondLst>
+                                    <p:cond delay="0"/>
+                                  </p:stCondLst>
+                                  <p:childTnLst>
+                                    <p:set>
+                                      <p:cBhvr>
+                                        <p:cTn id="35" dur="1" fill="hold">
+                                          <p:stCondLst>
+                                            <p:cond delay="0"/>
+                                          </p:stCondLst>
+                                        </p:cTn>
+                                        <p:tgtEl>
+                                          <p:spTgt spid="4">
+                                            <p:txEl>
+                                              <p:pRg st="5" end="5"/>
+                                            </p:txEl>
+                                          </p:spTgt>
+                                        </p:tgtEl>
+                                        <p:attrNameLst>
+                                          <p:attrName>style.visibility</p:attrName>
+                                        </p:attrNameLst>
+                                      </p:cBhvr>
+                                      <p:to>
+                                        <p:strVal val="visible"/>
+                                      </p:to>
+                                    </p:set>
+                                    <p:animEffect transition="in" filter="fade">
+                                      <p:cBhvr>
+                                        <p:cTn id="36" dur="500"/>
+                                        <p:tgtEl>
+                                          <p:spTgt spid="4">
+                                            <p:txEl>
+                                              <p:pRg st="5" end="5"/>
+                                            </p:txEl>
+                                          </p:spTgt>
                                         </p:tgtEl>
                                       </p:cBhvr>
                                     </p:animEffect>
@@ -18043,25 +23771,39 @@
                                   </p:childTnLst>
                                 </p:cTn>
                               </p:par>
+                            </p:childTnLst>
+                          </p:cTn>
+                        </p:par>
+                      </p:childTnLst>
+                    </p:cTn>
+                  </p:par>
+                  <p:par>
+                    <p:cTn id="11" fill="hold">
+                      <p:stCondLst>
+                        <p:cond delay="indefinite"/>
+                      </p:stCondLst>
+                      <p:childTnLst>
+                        <p:par>
+                          <p:cTn id="12" fill="hold">
+                            <p:stCondLst>
+                              <p:cond delay="0"/>
+                            </p:stCondLst>
+                            <p:childTnLst>
                               <p:par>
-                                <p:cTn id="11" presetID="10" presetClass="entr" presetSubtype="0" fill="hold" nodeType="withEffect">
+                                <p:cTn id="13" presetID="10" presetClass="entr" presetSubtype="0" fill="hold" nodeType="clickEffect">
                                   <p:stCondLst>
                                     <p:cond delay="0"/>
                                   </p:stCondLst>
                                   <p:childTnLst>
                                     <p:set>
                                       <p:cBhvr>
-                                        <p:cTn id="12" dur="1" fill="hold">
+                                        <p:cTn id="14" dur="1" fill="hold">
                                           <p:stCondLst>
                                             <p:cond delay="0"/>
                                           </p:stCondLst>
                                         </p:cTn>
                                         <p:tgtEl>
-                                          <p:spTgt spid="4">
-                                            <p:txEl>
-                                              <p:pRg st="2" end="2"/>
-                                            </p:txEl>
-                                          </p:spTgt>
+                                          <p:spTgt spid="37"/>
                                         </p:tgtEl>
                                         <p:attrNameLst>
                                           <p:attrName>style.visibility</p:attrName>
@@ -18073,13 +23815,9 @@
                                     </p:set>
                                     <p:animEffect transition="in" filter="fade">
                                       <p:cBhvr>
-                                        <p:cTn id="13" dur="500"/>
-                                        <p:tgtEl>
-                                          <p:spTgt spid="4">
-                                            <p:txEl>
-                                              <p:pRg st="2" end="2"/>
-                                            </p:txEl>
-                                          </p:spTgt>
+                                        <p:cTn id="15" dur="500"/>
+                                        <p:tgtEl>
+                                          <p:spTgt spid="37"/>
                                         </p:tgtEl>
                                       </p:cBhvr>
                                     </p:animEffect>
@@ -18087,14 +23825,14 @@
                                 </p:cTn>
                               </p:par>
                               <p:par>
-                                <p:cTn id="14" presetID="10" presetClass="entr" presetSubtype="0" fill="hold" nodeType="withEffect">
+                                <p:cTn id="16" presetID="10" presetClass="entr" presetSubtype="0" fill="hold" nodeType="withEffect">
                                   <p:stCondLst>
                                     <p:cond delay="0"/>
                                   </p:stCondLst>
                                   <p:childTnLst>
                                     <p:set>
                                       <p:cBhvr>
-                                        <p:cTn id="15" dur="1" fill="hold">
+                                        <p:cTn id="17" dur="1" fill="hold">
                                           <p:stCondLst>
                                             <p:cond delay="0"/>
                                           </p:stCondLst>
@@ -18102,7 +23840,7 @@
                                         <p:tgtEl>
                                           <p:spTgt spid="4">
                                             <p:txEl>
-                                              <p:pRg st="4" end="4"/>
+                                              <p:pRg st="2" end="2"/>
                                             </p:txEl>
                                           </p:spTgt>
                                         </p:tgtEl>
@@ -18116,54 +23854,11 @@
                                     </p:set>
                                     <p:animEffect transition="in" filter="fade">
                                       <p:cBhvr>
-                                        <p:cTn id="16" dur="500"/>
+                                        <p:cTn id="18" dur="500"/>
                                         <p:tgtEl>
                                           <p:spTgt spid="4">
                                             <p:txEl>
-                                              <p:pRg st="4" end="4"/>
-                                            </p:txEl>
-                                          </p:spTgt>
-                                        </p:tgtEl>
-                                      </p:cBhvr>
-                                    </p:animEffect>
-                                  </p:childTnLst>
-                                </p:cTn>
-                              </p:par>
-                              <p:par>
-                                <p:cTn id="17" presetID="10" presetClass="entr" presetSubtype="0" fill="hold" nodeType="withEffect">
-                                  <p:stCondLst>
-                                    <p:cond delay="0"/>
-                                  </p:stCondLst>
-                                  <p:childTnLst>
-                                    <p:set>
-                                      <p:cBhvr>
-                                        <p:cTn id="18" dur="1" fill="hold">
-                                          <p:stCondLst>
-                                            <p:cond delay="0"/>
-                                          </p:stCondLst>
-                                        </p:cTn>
-                                        <p:tgtEl>
-                                          <p:spTgt spid="4">
-                                            <p:txEl>
-                                              <p:pRg st="6" end="6"/>
-                                            </p:txEl>
-                                          </p:spTgt>
-                                        </p:tgtEl>
-                                        <p:attrNameLst>
-                                          <p:attrName>style.visibility</p:attrName>
-                                        </p:attrNameLst>
-                                      </p:cBhvr>
-                                      <p:to>
-                                        <p:strVal val="visible"/>
-                                      </p:to>
-                                    </p:set>
-                                    <p:animEffect transition="in" filter="fade">
-                                      <p:cBhvr>
-                                        <p:cTn id="19" dur="500"/>
-                                        <p:tgtEl>
-                                          <p:spTgt spid="4">
-                                            <p:txEl>
-                                              <p:pRg st="6" end="6"/>
+                                              <p:pRg st="2" end="2"/>
                                             </p:txEl>
                                           </p:spTgt>
                                         </p:tgtEl>
@@ -18179,32 +23874,36 @@
                     </p:cTn>
                   </p:par>
                   <p:par>
-                    <p:cTn id="20" fill="hold">
+                    <p:cTn id="19" fill="hold">
                       <p:stCondLst>
                         <p:cond delay="indefinite"/>
                       </p:stCondLst>
                       <p:childTnLst>
                         <p:par>
-                          <p:cTn id="21" fill="hold">
+                          <p:cTn id="20" fill="hold">
                             <p:stCondLst>
                               <p:cond delay="0"/>
                             </p:stCondLst>
                             <p:childTnLst>
                               <p:par>
-                                <p:cTn id="22" presetID="10" presetClass="entr" presetSubtype="0" fill="hold" nodeType="clickEffect">
+                                <p:cTn id="21" presetID="10" presetClass="entr" presetSubtype="0" fill="hold" nodeType="clickEffect">
                                   <p:stCondLst>
                                     <p:cond delay="0"/>
                                   </p:stCondLst>
                                   <p:childTnLst>
                                     <p:set>
                                       <p:cBhvr>
-                                        <p:cTn id="23" dur="1" fill="hold">
+                                        <p:cTn id="22" dur="1" fill="hold">
                                           <p:stCondLst>
                                             <p:cond delay="0"/>
                                           </p:stCondLst>
                                         </p:cTn>
                                         <p:tgtEl>
-                                          <p:spTgt spid="37"/>
+                                          <p:spTgt spid="4">
+                                            <p:txEl>
+                                              <p:pRg st="4" end="4"/>
+                                            </p:txEl>
+                                          </p:spTgt>
                                         </p:tgtEl>
                                         <p:attrNameLst>
                                           <p:attrName>style.visibility</p:attrName>
@@ -18216,9 +23915,48 @@
                                     </p:set>
                                     <p:animEffect transition="in" filter="fade">
                                       <p:cBhvr>
-                                        <p:cTn id="24" dur="500"/>
-                                        <p:tgtEl>
-                                          <p:spTgt spid="37"/>
+                                        <p:cTn id="23" dur="500"/>
+                                        <p:tgtEl>
+                                          <p:spTgt spid="4">
+                                            <p:txEl>
+                                              <p:pRg st="4" end="4"/>
+                                            </p:txEl>
+                                          </p:spTgt>
+                                        </p:tgtEl>
+                                      </p:cBhvr>
+                                    </p:animEffect>
+                                  </p:childTnLst>
+                                </p:cTn>
+                              </p:par>
+                              <p:par>
+                                <p:cTn id="24" presetID="10" presetClass="entr" presetSubtype="0" fill="hold" nodeType="withEffect">
+                                  <p:stCondLst>
+                                    <p:cond delay="0"/>
+                                  </p:stCondLst>
+                                  <p:childTnLst>
+                                    <p:set>
+                                      <p:cBhvr>
+                                        <p:cTn id="25" dur="1" fill="hold">
+                                          <p:stCondLst>
+                                            <p:cond delay="0"/>
+                                          </p:stCondLst>
+                                        </p:cTn>
+                                        <p:tgtEl>
+                                          <p:spTgt spid="38"/>
+                                        </p:tgtEl>
+                                        <p:attrNameLst>
+                                          <p:attrName>style.visibility</p:attrName>
+                                        </p:attrNameLst>
+                                      </p:cBhvr>
+                                      <p:to>
+                                        <p:strVal val="visible"/>
+                                      </p:to>
+                                    </p:set>
+                                    <p:animEffect transition="in" filter="fade">
+                                      <p:cBhvr>
+                                        <p:cTn id="26" dur="500"/>
+                                        <p:tgtEl>
+                                          <p:spTgt spid="38"/>
                                         </p:tgtEl>
                                       </p:cBhvr>
                                     </p:animEffect>
@@ -18232,32 +23970,36 @@
                     </p:cTn>
                   </p:par>
                   <p:par>
-                    <p:cTn id="25" fill="hold">
+                    <p:cTn id="27" fill="hold">
                       <p:stCondLst>
                         <p:cond delay="indefinite"/>
                       </p:stCondLst>
                       <p:childTnLst>
                         <p:par>
-                          <p:cTn id="26" fill="hold">
+                          <p:cTn id="28" fill="hold">
                             <p:stCondLst>
                               <p:cond delay="0"/>
                             </p:stCondLst>
                             <p:childTnLst>
                               <p:par>
-                                <p:cTn id="27" presetID="10" presetClass="entr" presetSubtype="0" fill="hold" nodeType="clickEffect">
+                                <p:cTn id="29" presetID="10" presetClass="entr" presetSubtype="0" fill="hold" nodeType="clickEffect">
                                   <p:stCondLst>
                                     <p:cond delay="0"/>
                                   </p:stCondLst>
                                   <p:childTnLst>
                                     <p:set>
                                       <p:cBhvr>
-                                        <p:cTn id="28" dur="1" fill="hold">
+                                        <p:cTn id="30" dur="1" fill="hold">
                                           <p:stCondLst>
                                             <p:cond delay="0"/>
                                           </p:stCondLst>
                                         </p:cTn>
                                         <p:tgtEl>
-                                          <p:spTgt spid="38"/>
+                                          <p:spTgt spid="4">
+                                            <p:txEl>
+                                              <p:pRg st="6" end="6"/>
+                                            </p:txEl>
+                                          </p:spTgt>
                                         </p:tgtEl>
                                         <p:attrNameLst>
                                           <p:attrName>style.visibility</p:attrName>
@@ -18269,35 +24011,21 @@
                                     </p:set>
                                     <p:animEffect transition="in" filter="fade">
                                       <p:cBhvr>
-                                        <p:cTn id="29" dur="500"/>
-                                        <p:tgtEl>
-                                          <p:spTgt spid="38"/>
+                                        <p:cTn id="31" dur="500"/>
+                                        <p:tgtEl>
+                                          <p:spTgt spid="4">
+                                            <p:txEl>
+                                              <p:pRg st="6" end="6"/>
+                                            </p:txEl>
+                                          </p:spTgt>
                                         </p:tgtEl>
                                       </p:cBhvr>
                                     </p:animEffect>
                                   </p:childTnLst>
                                 </p:cTn>
                               </p:par>
-                            </p:childTnLst>
-                          </p:cTn>
-                        </p:par>
-                      </p:childTnLst>
-                    </p:cTn>
-                  </p:par>
-                  <p:par>
-                    <p:cTn id="30" fill="hold">
-                      <p:stCondLst>
-                        <p:cond delay="indefinite"/>
-                      </p:stCondLst>
-                      <p:childTnLst>
-                        <p:par>
-                          <p:cTn id="31" fill="hold">
-                            <p:stCondLst>
-                              <p:cond delay="0"/>
-                            </p:stCondLst>
-                            <p:childTnLst>
                               <p:par>
-                                <p:cTn id="32" presetID="10" presetClass="entr" presetSubtype="0" fill="hold" nodeType="clickEffect">
+                                <p:cTn id="32" presetID="10" presetClass="entr" presetSubtype="0" fill="hold" nodeType="withEffect">
                                   <p:stCondLst>
                                     <p:cond delay="0"/>
                                   </p:stCondLst>

--- a/files/teaching-resources/monmouthcollege-econ-300/ECON300-LEC24.pptx
+++ b/files/teaching-resources/monmouthcollege-econ-300/ECON300-LEC24.pptx
@@ -225,7 +225,7 @@
           <a:p>
             <a:fld id="{0E0A6441-4E79-42FF-805B-86C90BDFD38D}" type="datetimeFigureOut">
               <a:rPr lang="en-US" smtClean="0"/>
-              <a:t>11/23/2023</a:t>
+              <a:t>11/27/2023</a:t>
             </a:fld>
             <a:endParaRPr lang="en-US" dirty="0"/>
           </a:p>
@@ -10033,8 +10033,8 @@
           </a:p>
         </p:txBody>
       </p:sp>
-      <mc:AlternateContent xmlns:mc="http://schemas.openxmlformats.org/markup-compatibility/2006" xmlns:a14="http://schemas.microsoft.com/office/drawing/2010/main">
-        <mc:Choice Requires="a14">
+      <mc:AlternateContent xmlns:mc="http://schemas.openxmlformats.org/markup-compatibility/2006">
+        <mc:Choice xmlns:a14="http://schemas.microsoft.com/office/drawing/2010/main" Requires="a14">
           <p:sp>
             <p:nvSpPr>
               <p:cNvPr id="4" name="Content Placeholder 3">
@@ -10118,7 +10118,7 @@
                         <a:rPr lang="en-US" b="0" i="1" smtClean="0">
                           <a:latin typeface="Cambria Math" panose="02040503050406030204" pitchFamily="18" charset="0"/>
                         </a:rPr>
-                        <m:t>𝐷</m:t>
+                        <m:t>𝐶</m:t>
                       </m:r>
                       <m:r>
                         <a:rPr lang="en-US" b="0" i="1" smtClean="0">
@@ -10134,7 +10134,7 @@
             </p:txBody>
           </p:sp>
         </mc:Choice>
-        <mc:Fallback xmlns="">
+        <mc:Fallback>
           <p:sp>
             <p:nvSpPr>
               <p:cNvPr id="4" name="Content Placeholder 3">
@@ -10267,10 +10267,10 @@
       </p:sp>
       <p:pic>
         <p:nvPicPr>
-          <p:cNvPr id="10" name="Content Placeholder 9" descr="A screenshot of a white grid&#10;&#10;Description automatically generated">
+          <p:cNvPr id="11" name="Content Placeholder 10" descr="A white grid with black text and red square&#10;&#10;Description automatically generated">
             <a:extLst>
               <a:ext uri="{FF2B5EF4-FFF2-40B4-BE49-F238E27FC236}">
-                <a16:creationId xmlns:a16="http://schemas.microsoft.com/office/drawing/2014/main" id="{C33B3647-1F4C-29D5-57B6-2F8BA7B173C0}"/>
+                <a16:creationId xmlns:a16="http://schemas.microsoft.com/office/drawing/2014/main" id="{BD332179-B9C7-3985-0ED2-5ED3EC3C92C7}"/>
               </a:ext>
             </a:extLst>
           </p:cNvPr>
@@ -10434,15 +10434,33 @@
                                   </p:childTnLst>
                                 </p:cTn>
                               </p:par>
+                            </p:childTnLst>
+                          </p:cTn>
+                        </p:par>
+                      </p:childTnLst>
+                    </p:cTn>
+                  </p:par>
+                  <p:par>
+                    <p:cTn id="13" fill="hold">
+                      <p:stCondLst>
+                        <p:cond delay="indefinite"/>
+                      </p:stCondLst>
+                      <p:childTnLst>
+                        <p:par>
+                          <p:cTn id="14" fill="hold">
+                            <p:stCondLst>
+                              <p:cond delay="0"/>
+                            </p:stCondLst>
+                            <p:childTnLst>
                               <p:par>
-                                <p:cTn id="13" presetID="10" presetClass="entr" presetSubtype="0" fill="hold" nodeType="withEffect">
+                                <p:cTn id="15" presetID="10" presetClass="entr" presetSubtype="0" fill="hold" nodeType="clickEffect">
                                   <p:stCondLst>
                                     <p:cond delay="0"/>
                                   </p:stCondLst>
                                   <p:childTnLst>
                                     <p:set>
                                       <p:cBhvr>
-                                        <p:cTn id="14" dur="1" fill="hold">
+                                        <p:cTn id="16" dur="1" fill="hold">
                                           <p:stCondLst>
                                             <p:cond delay="0"/>
                                           </p:stCondLst>
@@ -10464,7 +10482,7 @@
                                     </p:set>
                                     <p:animEffect transition="in" filter="fade">
                                       <p:cBhvr>
-                                        <p:cTn id="15" dur="500"/>
+                                        <p:cTn id="17" dur="500"/>
                                         <p:tgtEl>
                                           <p:spTgt spid="4">
                                             <p:txEl>
